--- a/3_Function/python_함수.pptx
+++ b/3_Function/python_함수.pptx
@@ -8,17 +8,11 @@
     <p:sldId id="256" r:id="rId2"/>
     <p:sldId id="257" r:id="rId3"/>
     <p:sldId id="258" r:id="rId4"/>
-    <p:sldId id="260" r:id="rId5"/>
-    <p:sldId id="261" r:id="rId6"/>
-    <p:sldId id="262" r:id="rId7"/>
-    <p:sldId id="263" r:id="rId8"/>
-    <p:sldId id="264" r:id="rId9"/>
-    <p:sldId id="265" r:id="rId10"/>
-    <p:sldId id="267" r:id="rId11"/>
-    <p:sldId id="269" r:id="rId12"/>
-    <p:sldId id="270" r:id="rId13"/>
-    <p:sldId id="268" r:id="rId14"/>
-    <p:sldId id="271" r:id="rId15"/>
+    <p:sldId id="259" r:id="rId5"/>
+    <p:sldId id="260" r:id="rId6"/>
+    <p:sldId id="261" r:id="rId7"/>
+    <p:sldId id="262" r:id="rId8"/>
+    <p:sldId id="263" r:id="rId9"/>
   </p:sldIdLst>
   <p:sldSz cx="12192000" cy="6858000"/>
   <p:notesSz cx="6858000" cy="9144000"/>
@@ -274,7 +268,7 @@
           <a:p>
             <a:fld id="{B9B3E1F4-D1EA-D646-888D-267464968912}" type="datetimeFigureOut">
               <a:rPr kumimoji="1" lang="ko-Kore-KR" altLang="en-US" smtClean="0"/>
-              <a:t>2022. 7. 3.</a:t>
+              <a:t>2022. 7. 17.</a:t>
             </a:fld>
             <a:endParaRPr kumimoji="1" lang="ko-Kore-KR" altLang="en-US"/>
           </a:p>
@@ -474,7 +468,7 @@
           <a:p>
             <a:fld id="{B9B3E1F4-D1EA-D646-888D-267464968912}" type="datetimeFigureOut">
               <a:rPr kumimoji="1" lang="ko-Kore-KR" altLang="en-US" smtClean="0"/>
-              <a:t>2022. 7. 3.</a:t>
+              <a:t>2022. 7. 17.</a:t>
             </a:fld>
             <a:endParaRPr kumimoji="1" lang="ko-Kore-KR" altLang="en-US"/>
           </a:p>
@@ -684,7 +678,7 @@
           <a:p>
             <a:fld id="{B9B3E1F4-D1EA-D646-888D-267464968912}" type="datetimeFigureOut">
               <a:rPr kumimoji="1" lang="ko-Kore-KR" altLang="en-US" smtClean="0"/>
-              <a:t>2022. 7. 3.</a:t>
+              <a:t>2022. 7. 17.</a:t>
             </a:fld>
             <a:endParaRPr kumimoji="1" lang="ko-Kore-KR" altLang="en-US"/>
           </a:p>
@@ -884,7 +878,7 @@
           <a:p>
             <a:fld id="{B9B3E1F4-D1EA-D646-888D-267464968912}" type="datetimeFigureOut">
               <a:rPr kumimoji="1" lang="ko-Kore-KR" altLang="en-US" smtClean="0"/>
-              <a:t>2022. 7. 3.</a:t>
+              <a:t>2022. 7. 17.</a:t>
             </a:fld>
             <a:endParaRPr kumimoji="1" lang="ko-Kore-KR" altLang="en-US"/>
           </a:p>
@@ -1160,7 +1154,7 @@
           <a:p>
             <a:fld id="{B9B3E1F4-D1EA-D646-888D-267464968912}" type="datetimeFigureOut">
               <a:rPr kumimoji="1" lang="ko-Kore-KR" altLang="en-US" smtClean="0"/>
-              <a:t>2022. 7. 3.</a:t>
+              <a:t>2022. 7. 17.</a:t>
             </a:fld>
             <a:endParaRPr kumimoji="1" lang="ko-Kore-KR" altLang="en-US"/>
           </a:p>
@@ -1428,7 +1422,7 @@
           <a:p>
             <a:fld id="{B9B3E1F4-D1EA-D646-888D-267464968912}" type="datetimeFigureOut">
               <a:rPr kumimoji="1" lang="ko-Kore-KR" altLang="en-US" smtClean="0"/>
-              <a:t>2022. 7. 3.</a:t>
+              <a:t>2022. 7. 17.</a:t>
             </a:fld>
             <a:endParaRPr kumimoji="1" lang="ko-Kore-KR" altLang="en-US"/>
           </a:p>
@@ -1843,7 +1837,7 @@
           <a:p>
             <a:fld id="{B9B3E1F4-D1EA-D646-888D-267464968912}" type="datetimeFigureOut">
               <a:rPr kumimoji="1" lang="ko-Kore-KR" altLang="en-US" smtClean="0"/>
-              <a:t>2022. 7. 3.</a:t>
+              <a:t>2022. 7. 17.</a:t>
             </a:fld>
             <a:endParaRPr kumimoji="1" lang="ko-Kore-KR" altLang="en-US"/>
           </a:p>
@@ -1985,7 +1979,7 @@
           <a:p>
             <a:fld id="{B9B3E1F4-D1EA-D646-888D-267464968912}" type="datetimeFigureOut">
               <a:rPr kumimoji="1" lang="ko-Kore-KR" altLang="en-US" smtClean="0"/>
-              <a:t>2022. 7. 3.</a:t>
+              <a:t>2022. 7. 17.</a:t>
             </a:fld>
             <a:endParaRPr kumimoji="1" lang="ko-Kore-KR" altLang="en-US"/>
           </a:p>
@@ -2098,7 +2092,7 @@
           <a:p>
             <a:fld id="{B9B3E1F4-D1EA-D646-888D-267464968912}" type="datetimeFigureOut">
               <a:rPr kumimoji="1" lang="ko-Kore-KR" altLang="en-US" smtClean="0"/>
-              <a:t>2022. 7. 3.</a:t>
+              <a:t>2022. 7. 17.</a:t>
             </a:fld>
             <a:endParaRPr kumimoji="1" lang="ko-Kore-KR" altLang="en-US"/>
           </a:p>
@@ -2411,7 +2405,7 @@
           <a:p>
             <a:fld id="{B9B3E1F4-D1EA-D646-888D-267464968912}" type="datetimeFigureOut">
               <a:rPr kumimoji="1" lang="ko-Kore-KR" altLang="en-US" smtClean="0"/>
-              <a:t>2022. 7. 3.</a:t>
+              <a:t>2022. 7. 17.</a:t>
             </a:fld>
             <a:endParaRPr kumimoji="1" lang="ko-Kore-KR" altLang="en-US"/>
           </a:p>
@@ -2700,7 +2694,7 @@
           <a:p>
             <a:fld id="{B9B3E1F4-D1EA-D646-888D-267464968912}" type="datetimeFigureOut">
               <a:rPr kumimoji="1" lang="ko-Kore-KR" altLang="en-US" smtClean="0"/>
-              <a:t>2022. 7. 3.</a:t>
+              <a:t>2022. 7. 17.</a:t>
             </a:fld>
             <a:endParaRPr kumimoji="1" lang="ko-Kore-KR" altLang="en-US"/>
           </a:p>
@@ -2943,7 +2937,7 @@
           <a:p>
             <a:fld id="{B9B3E1F4-D1EA-D646-888D-267464968912}" type="datetimeFigureOut">
               <a:rPr kumimoji="1" lang="ko-Kore-KR" altLang="en-US" smtClean="0"/>
-              <a:t>2022. 7. 3.</a:t>
+              <a:t>2022. 7. 17.</a:t>
             </a:fld>
             <a:endParaRPr kumimoji="1" lang="ko-Kore-KR" altLang="en-US"/>
           </a:p>
@@ -3395,11 +3389,7 @@
             </a:br>
             <a:r>
               <a:rPr kumimoji="1" lang="ko-Kore-KR" altLang="en-US" sz="3600" dirty="0"/>
-              <a:t>제어</a:t>
-            </a:r>
-            <a:r>
-              <a:rPr kumimoji="1" lang="ko-KR" altLang="en-US" sz="3600" dirty="0"/>
-              <a:t>문</a:t>
+              <a:t>함수</a:t>
             </a:r>
             <a:endParaRPr kumimoji="1" lang="ko-Kore-KR" altLang="en-US" dirty="0"/>
           </a:p>
@@ -3449,2221 +3439,6 @@
     <p:extLst>
       <p:ext uri="{BB962C8B-B14F-4D97-AF65-F5344CB8AC3E}">
         <p14:creationId xmlns:p14="http://schemas.microsoft.com/office/powerpoint/2010/main" val="1455313595"/>
-      </p:ext>
-    </p:extLst>
-  </p:cSld>
-  <p:clrMapOvr>
-    <a:masterClrMapping/>
-  </p:clrMapOvr>
-</p:sld>
-</file>
-
-<file path=ppt/slides/slide10.xml><?xml version="1.0" encoding="utf-8"?>
-<p:sld xmlns:a="http://schemas.openxmlformats.org/drawingml/2006/main" xmlns:r="http://schemas.openxmlformats.org/officeDocument/2006/relationships" xmlns:p="http://schemas.openxmlformats.org/presentationml/2006/main">
-  <p:cSld>
-    <p:spTree>
-      <p:nvGrpSpPr>
-        <p:cNvPr id="1" name=""/>
-        <p:cNvGrpSpPr/>
-        <p:nvPr/>
-      </p:nvGrpSpPr>
-      <p:grpSpPr>
-        <a:xfrm>
-          <a:off x="0" y="0"/>
-          <a:ext cx="0" cy="0"/>
-          <a:chOff x="0" y="0"/>
-          <a:chExt cx="0" cy="0"/>
-        </a:xfrm>
-      </p:grpSpPr>
-      <p:sp>
-        <p:nvSpPr>
-          <p:cNvPr id="3" name="내용 개체 틀 2">
-            <a:extLst>
-              <a:ext uri="{FF2B5EF4-FFF2-40B4-BE49-F238E27FC236}">
-                <a16:creationId xmlns:a16="http://schemas.microsoft.com/office/drawing/2014/main" id="{AAEBCB33-4BF9-55BB-C098-6E2D866DBD93}"/>
-              </a:ext>
-            </a:extLst>
-          </p:cNvPr>
-          <p:cNvSpPr>
-            <a:spLocks noGrp="1"/>
-          </p:cNvSpPr>
-          <p:nvPr>
-            <p:ph idx="1"/>
-          </p:nvPr>
-        </p:nvSpPr>
-        <p:spPr>
-          <a:xfrm>
-            <a:off x="451574" y="472543"/>
-            <a:ext cx="11300614" cy="6222830"/>
-          </a:xfrm>
-        </p:spPr>
-        <p:txBody>
-          <a:bodyPr/>
-          <a:lstStyle/>
-          <a:p>
-            <a:pPr marL="514350" indent="-514350">
-              <a:buFont typeface="+mj-lt"/>
-              <a:buAutoNum type="arabicPeriod" startAt="2"/>
-            </a:pPr>
-            <a:r>
-              <a:rPr kumimoji="1" lang="ko-KR" altLang="en-US" dirty="0" err="1"/>
-              <a:t>반복문</a:t>
-            </a:r>
-            <a:r>
-              <a:rPr kumimoji="1" lang="ko-KR" altLang="en-US" dirty="0"/>
-              <a:t> </a:t>
-            </a:r>
-            <a:r>
-              <a:rPr kumimoji="1" lang="en-US" altLang="ko-KR" dirty="0"/>
-              <a:t>for</a:t>
-            </a:r>
-          </a:p>
-          <a:p>
-            <a:pPr marL="514350" indent="-514350">
-              <a:buFont typeface="+mj-lt"/>
-              <a:buAutoNum type="arabicPeriod" startAt="2"/>
-            </a:pPr>
-            <a:endParaRPr kumimoji="1" lang="en-US" altLang="ko-KR" dirty="0"/>
-          </a:p>
-          <a:p>
-            <a:pPr marL="971550" lvl="1" indent="-514350">
-              <a:buFont typeface="+mj-lt"/>
-              <a:buAutoNum type="arabicPeriod"/>
-            </a:pPr>
-            <a:r>
-              <a:rPr kumimoji="1" lang="ko-KR" altLang="en-US" dirty="0"/>
-              <a:t>시퀀스 데이터를 순서대로 수행하는 명령</a:t>
-            </a:r>
-            <a:endParaRPr kumimoji="1" lang="en-US" altLang="ko-KR" dirty="0"/>
-          </a:p>
-          <a:p>
-            <a:pPr marL="971550" lvl="1" indent="-514350">
-              <a:buFont typeface="+mj-lt"/>
-              <a:buAutoNum type="arabicPeriod"/>
-            </a:pPr>
-            <a:endParaRPr kumimoji="1" lang="en-US" altLang="ko-KR" dirty="0"/>
-          </a:p>
-          <a:p>
-            <a:pPr marL="971550" lvl="1" indent="-514350">
-              <a:buFont typeface="+mj-lt"/>
-              <a:buAutoNum type="arabicPeriod"/>
-            </a:pPr>
-            <a:r>
-              <a:rPr kumimoji="1" lang="en-US" altLang="ko-KR" dirty="0"/>
-              <a:t>while</a:t>
-            </a:r>
-            <a:r>
-              <a:rPr kumimoji="1" lang="ko-KR" altLang="en-US" dirty="0"/>
-              <a:t>문과 다르게 시퀀스 데이터를 탐색하여 순서대로 수행하는 반복문이다</a:t>
-            </a:r>
-            <a:r>
-              <a:rPr kumimoji="1" lang="en-US" altLang="ko-KR" dirty="0"/>
-              <a:t>.</a:t>
-            </a:r>
-          </a:p>
-          <a:p>
-            <a:pPr marL="971550" lvl="1" indent="-514350">
-              <a:buFont typeface="+mj-lt"/>
-              <a:buAutoNum type="arabicPeriod"/>
-            </a:pPr>
-            <a:endParaRPr kumimoji="1" lang="en-US" altLang="ko-KR" dirty="0"/>
-          </a:p>
-          <a:p>
-            <a:pPr marL="971550" lvl="1" indent="-514350">
-              <a:buFont typeface="+mj-lt"/>
-              <a:buAutoNum type="arabicPeriod"/>
-            </a:pPr>
-            <a:r>
-              <a:rPr kumimoji="1" lang="en-US" altLang="ko-KR" dirty="0"/>
-              <a:t>while</a:t>
-            </a:r>
-            <a:r>
-              <a:rPr kumimoji="1" lang="ko-KR" altLang="en-US" dirty="0"/>
-              <a:t>과 동일하게 </a:t>
-            </a:r>
-            <a:r>
-              <a:rPr kumimoji="1" lang="en-US" altLang="ko-KR" dirty="0"/>
-              <a:t>break</a:t>
-            </a:r>
-            <a:r>
-              <a:rPr kumimoji="1" lang="ko-KR" altLang="en-US" dirty="0"/>
-              <a:t>와 </a:t>
-            </a:r>
-            <a:r>
-              <a:rPr kumimoji="1" lang="en-US" altLang="ko-KR" dirty="0"/>
-              <a:t>continue</a:t>
-            </a:r>
-            <a:r>
-              <a:rPr kumimoji="1" lang="ko-KR" altLang="en-US" dirty="0"/>
-              <a:t> 명령을 사용할 수 있다</a:t>
-            </a:r>
-            <a:r>
-              <a:rPr kumimoji="1" lang="en-US" altLang="ko-KR" dirty="0"/>
-              <a:t>.</a:t>
-            </a:r>
-          </a:p>
-          <a:p>
-            <a:pPr marL="971550" lvl="1" indent="-514350">
-              <a:buFont typeface="+mj-lt"/>
-              <a:buAutoNum type="arabicPeriod"/>
-            </a:pPr>
-            <a:endParaRPr kumimoji="1" lang="en-US" altLang="ko-KR" dirty="0"/>
-          </a:p>
-          <a:p>
-            <a:pPr marL="971550" lvl="1" indent="-514350">
-              <a:buFont typeface="+mj-lt"/>
-              <a:buAutoNum type="arabicPeriod"/>
-            </a:pPr>
-            <a:endParaRPr kumimoji="1" lang="en-US" altLang="ko-KR" dirty="0"/>
-          </a:p>
-        </p:txBody>
-      </p:sp>
-      <p:pic>
-        <p:nvPicPr>
-          <p:cNvPr id="2" name="그림 1">
-            <a:extLst>
-              <a:ext uri="{FF2B5EF4-FFF2-40B4-BE49-F238E27FC236}">
-                <a16:creationId xmlns:a16="http://schemas.microsoft.com/office/drawing/2014/main" id="{34D36029-D313-7AF8-0C1B-EFBF3FD46842}"/>
-              </a:ext>
-            </a:extLst>
-          </p:cNvPr>
-          <p:cNvPicPr>
-            <a:picLocks noChangeAspect="1"/>
-          </p:cNvPicPr>
-          <p:nvPr/>
-        </p:nvPicPr>
-        <p:blipFill>
-          <a:blip r:embed="rId2"/>
-          <a:stretch>
-            <a:fillRect/>
-          </a:stretch>
-        </p:blipFill>
-        <p:spPr>
-          <a:xfrm>
-            <a:off x="1183027" y="3811651"/>
-            <a:ext cx="4778718" cy="1785257"/>
-          </a:xfrm>
-          <a:prstGeom prst="rect">
-            <a:avLst/>
-          </a:prstGeom>
-        </p:spPr>
-      </p:pic>
-      <p:pic>
-        <p:nvPicPr>
-          <p:cNvPr id="4" name="그림 3">
-            <a:extLst>
-              <a:ext uri="{FF2B5EF4-FFF2-40B4-BE49-F238E27FC236}">
-                <a16:creationId xmlns:a16="http://schemas.microsoft.com/office/drawing/2014/main" id="{2965B410-17A1-E40C-8473-4B63CA360956}"/>
-              </a:ext>
-            </a:extLst>
-          </p:cNvPr>
-          <p:cNvPicPr>
-            <a:picLocks noChangeAspect="1"/>
-          </p:cNvPicPr>
-          <p:nvPr/>
-        </p:nvPicPr>
-        <p:blipFill>
-          <a:blip r:embed="rId3"/>
-          <a:stretch>
-            <a:fillRect/>
-          </a:stretch>
-        </p:blipFill>
-        <p:spPr>
-          <a:xfrm>
-            <a:off x="6197600" y="3811651"/>
-            <a:ext cx="2540000" cy="1155700"/>
-          </a:xfrm>
-          <a:prstGeom prst="rect">
-            <a:avLst/>
-          </a:prstGeom>
-        </p:spPr>
-      </p:pic>
-      <p:pic>
-        <p:nvPicPr>
-          <p:cNvPr id="5" name="그림 4">
-            <a:extLst>
-              <a:ext uri="{FF2B5EF4-FFF2-40B4-BE49-F238E27FC236}">
-                <a16:creationId xmlns:a16="http://schemas.microsoft.com/office/drawing/2014/main" id="{4460DB14-D6B9-E186-D3E8-6F2BB4C351BB}"/>
-              </a:ext>
-            </a:extLst>
-          </p:cNvPr>
-          <p:cNvPicPr>
-            <a:picLocks noChangeAspect="1"/>
-          </p:cNvPicPr>
-          <p:nvPr/>
-        </p:nvPicPr>
-        <p:blipFill>
-          <a:blip r:embed="rId4"/>
-          <a:stretch>
-            <a:fillRect/>
-          </a:stretch>
-        </p:blipFill>
-        <p:spPr>
-          <a:xfrm>
-            <a:off x="9539512" y="3811651"/>
-            <a:ext cx="342900" cy="1625600"/>
-          </a:xfrm>
-          <a:prstGeom prst="rect">
-            <a:avLst/>
-          </a:prstGeom>
-        </p:spPr>
-      </p:pic>
-      <p:sp>
-        <p:nvSpPr>
-          <p:cNvPr id="6" name="TextBox 5">
-            <a:extLst>
-              <a:ext uri="{FF2B5EF4-FFF2-40B4-BE49-F238E27FC236}">
-                <a16:creationId xmlns:a16="http://schemas.microsoft.com/office/drawing/2014/main" id="{BD8AD8A9-4E11-9AA6-797F-509D3EBE8116}"/>
-              </a:ext>
-            </a:extLst>
-          </p:cNvPr>
-          <p:cNvSpPr txBox="1"/>
-          <p:nvPr/>
-        </p:nvSpPr>
-        <p:spPr>
-          <a:xfrm>
-            <a:off x="6117772" y="5091342"/>
-            <a:ext cx="2826657" cy="646331"/>
-          </a:xfrm>
-          <a:prstGeom prst="rect">
-            <a:avLst/>
-          </a:prstGeom>
-          <a:noFill/>
-        </p:spPr>
-        <p:txBody>
-          <a:bodyPr wrap="square" rtlCol="0">
-            <a:spAutoFit/>
-          </a:bodyPr>
-          <a:lstStyle/>
-          <a:p>
-            <a:r>
-              <a:rPr kumimoji="1" lang="ko-KR" altLang="en-US" dirty="0"/>
-              <a:t>순차적으로 </a:t>
-            </a:r>
-            <a:r>
-              <a:rPr kumimoji="1" lang="en-US" altLang="ko-KR" dirty="0"/>
-              <a:t>a</a:t>
-            </a:r>
-            <a:r>
-              <a:rPr kumimoji="1" lang="ko-KR" altLang="en-US" dirty="0"/>
-              <a:t>의 </a:t>
-            </a:r>
-            <a:r>
-              <a:rPr kumimoji="1" lang="ko-KR" altLang="en-US" dirty="0" err="1"/>
-              <a:t>원소값을</a:t>
-            </a:r>
-            <a:r>
-              <a:rPr kumimoji="1" lang="ko-KR" altLang="en-US" dirty="0"/>
-              <a:t> </a:t>
-            </a:r>
-            <a:endParaRPr kumimoji="1" lang="en-US" altLang="ko-KR" dirty="0"/>
-          </a:p>
-          <a:p>
-            <a:r>
-              <a:rPr kumimoji="1" lang="en-US" altLang="ko-KR" dirty="0" err="1"/>
-              <a:t>i</a:t>
-            </a:r>
-            <a:r>
-              <a:rPr kumimoji="1" lang="ko-KR" altLang="en-US" dirty="0"/>
-              <a:t>에 할당한다</a:t>
-            </a:r>
-            <a:endParaRPr kumimoji="1" lang="ko-Kore-KR" altLang="en-US" dirty="0"/>
-          </a:p>
-        </p:txBody>
-      </p:sp>
-    </p:spTree>
-    <p:extLst>
-      <p:ext uri="{BB962C8B-B14F-4D97-AF65-F5344CB8AC3E}">
-        <p14:creationId xmlns:p14="http://schemas.microsoft.com/office/powerpoint/2010/main" val="945998241"/>
-      </p:ext>
-    </p:extLst>
-  </p:cSld>
-  <p:clrMapOvr>
-    <a:masterClrMapping/>
-  </p:clrMapOvr>
-</p:sld>
-</file>
-
-<file path=ppt/slides/slide11.xml><?xml version="1.0" encoding="utf-8"?>
-<p:sld xmlns:a="http://schemas.openxmlformats.org/drawingml/2006/main" xmlns:r="http://schemas.openxmlformats.org/officeDocument/2006/relationships" xmlns:p="http://schemas.openxmlformats.org/presentationml/2006/main">
-  <p:cSld>
-    <p:spTree>
-      <p:nvGrpSpPr>
-        <p:cNvPr id="1" name=""/>
-        <p:cNvGrpSpPr/>
-        <p:nvPr/>
-      </p:nvGrpSpPr>
-      <p:grpSpPr>
-        <a:xfrm>
-          <a:off x="0" y="0"/>
-          <a:ext cx="0" cy="0"/>
-          <a:chOff x="0" y="0"/>
-          <a:chExt cx="0" cy="0"/>
-        </a:xfrm>
-      </p:grpSpPr>
-      <p:sp>
-        <p:nvSpPr>
-          <p:cNvPr id="3" name="내용 개체 틀 2">
-            <a:extLst>
-              <a:ext uri="{FF2B5EF4-FFF2-40B4-BE49-F238E27FC236}">
-                <a16:creationId xmlns:a16="http://schemas.microsoft.com/office/drawing/2014/main" id="{AAEBCB33-4BF9-55BB-C098-6E2D866DBD93}"/>
-              </a:ext>
-            </a:extLst>
-          </p:cNvPr>
-          <p:cNvSpPr>
-            <a:spLocks noGrp="1"/>
-          </p:cNvSpPr>
-          <p:nvPr>
-            <p:ph idx="1"/>
-          </p:nvPr>
-        </p:nvSpPr>
-        <p:spPr>
-          <a:xfrm>
-            <a:off x="451574" y="472543"/>
-            <a:ext cx="11300614" cy="6222830"/>
-          </a:xfrm>
-        </p:spPr>
-        <p:txBody>
-          <a:bodyPr/>
-          <a:lstStyle/>
-          <a:p>
-            <a:pPr marL="514350" indent="-514350">
-              <a:buFont typeface="+mj-lt"/>
-              <a:buAutoNum type="arabicPeriod" startAt="2"/>
-            </a:pPr>
-            <a:r>
-              <a:rPr kumimoji="1" lang="ko-KR" altLang="en-US" dirty="0" err="1"/>
-              <a:t>반복문</a:t>
-            </a:r>
-            <a:r>
-              <a:rPr kumimoji="1" lang="ko-KR" altLang="en-US" dirty="0"/>
-              <a:t> </a:t>
-            </a:r>
-            <a:r>
-              <a:rPr kumimoji="1" lang="en-US" altLang="ko-KR" dirty="0"/>
-              <a:t>for - list</a:t>
-            </a:r>
-          </a:p>
-          <a:p>
-            <a:pPr marL="514350" indent="-514350">
-              <a:buFont typeface="+mj-lt"/>
-              <a:buAutoNum type="arabicPeriod" startAt="2"/>
-            </a:pPr>
-            <a:endParaRPr kumimoji="1" lang="en-US" altLang="ko-KR" dirty="0"/>
-          </a:p>
-          <a:p>
-            <a:pPr marL="971550" lvl="1" indent="-514350">
-              <a:buFont typeface="+mj-lt"/>
-              <a:buAutoNum type="arabicPeriod"/>
-            </a:pPr>
-            <a:r>
-              <a:rPr kumimoji="1" lang="en-US" altLang="ko-KR" dirty="0"/>
-              <a:t>for</a:t>
-            </a:r>
-            <a:r>
-              <a:rPr kumimoji="1" lang="ko-KR" altLang="en-US" dirty="0"/>
-              <a:t>문을 이용해 리스트 자료형을 사용 하는 방법</a:t>
-            </a:r>
-            <a:endParaRPr kumimoji="1" lang="en-US" altLang="ko-KR" dirty="0"/>
-          </a:p>
-          <a:p>
-            <a:pPr marL="971550" lvl="1" indent="-514350">
-              <a:buFont typeface="+mj-lt"/>
-              <a:buAutoNum type="arabicPeriod"/>
-            </a:pPr>
-            <a:endParaRPr kumimoji="1" lang="en-US" altLang="ko-KR" dirty="0"/>
-          </a:p>
-        </p:txBody>
-      </p:sp>
-      <p:sp>
-        <p:nvSpPr>
-          <p:cNvPr id="7" name="TextBox 6">
-            <a:extLst>
-              <a:ext uri="{FF2B5EF4-FFF2-40B4-BE49-F238E27FC236}">
-                <a16:creationId xmlns:a16="http://schemas.microsoft.com/office/drawing/2014/main" id="{FD8C0486-40D7-6B75-28EB-265D0716BDD4}"/>
-              </a:ext>
-            </a:extLst>
-          </p:cNvPr>
-          <p:cNvSpPr txBox="1"/>
-          <p:nvPr/>
-        </p:nvSpPr>
-        <p:spPr>
-          <a:xfrm>
-            <a:off x="1082222" y="2424497"/>
-            <a:ext cx="2231571" cy="369332"/>
-          </a:xfrm>
-          <a:prstGeom prst="rect">
-            <a:avLst/>
-          </a:prstGeom>
-          <a:noFill/>
-        </p:spPr>
-        <p:txBody>
-          <a:bodyPr wrap="square" rtlCol="0">
-            <a:spAutoFit/>
-          </a:bodyPr>
-          <a:lstStyle/>
-          <a:p>
-            <a:r>
-              <a:rPr kumimoji="1" lang="ko-Kore-KR" altLang="en-US" dirty="0"/>
-              <a:t>리스트의</a:t>
-            </a:r>
-            <a:r>
-              <a:rPr kumimoji="1" lang="ko-KR" altLang="en-US" dirty="0"/>
-              <a:t> 원소 출력</a:t>
-            </a:r>
-            <a:endParaRPr kumimoji="1" lang="en-US" altLang="ko-KR" dirty="0"/>
-          </a:p>
-        </p:txBody>
-      </p:sp>
-      <p:sp>
-        <p:nvSpPr>
-          <p:cNvPr id="8" name="TextBox 7">
-            <a:extLst>
-              <a:ext uri="{FF2B5EF4-FFF2-40B4-BE49-F238E27FC236}">
-                <a16:creationId xmlns:a16="http://schemas.microsoft.com/office/drawing/2014/main" id="{DB3AB8B8-C8B0-07B0-E256-3EBBC06D6B4F}"/>
-              </a:ext>
-            </a:extLst>
-          </p:cNvPr>
-          <p:cNvSpPr txBox="1"/>
-          <p:nvPr/>
-        </p:nvSpPr>
-        <p:spPr>
-          <a:xfrm>
-            <a:off x="6142794" y="2470664"/>
-            <a:ext cx="2775857" cy="646331"/>
-          </a:xfrm>
-          <a:prstGeom prst="rect">
-            <a:avLst/>
-          </a:prstGeom>
-          <a:noFill/>
-        </p:spPr>
-        <p:txBody>
-          <a:bodyPr wrap="square" rtlCol="0">
-            <a:spAutoFit/>
-          </a:bodyPr>
-          <a:lstStyle/>
-          <a:p>
-            <a:r>
-              <a:rPr kumimoji="1" lang="ko-Kore-KR" altLang="en-US" dirty="0"/>
-              <a:t>리스트의</a:t>
-            </a:r>
-            <a:r>
-              <a:rPr kumimoji="1" lang="ko-KR" altLang="en-US" dirty="0"/>
-              <a:t> 원소와 원소에 해당하는 인덱스 출력</a:t>
-            </a:r>
-            <a:endParaRPr kumimoji="1" lang="en-US" altLang="ko-KR" dirty="0"/>
-          </a:p>
-        </p:txBody>
-      </p:sp>
-      <p:pic>
-        <p:nvPicPr>
-          <p:cNvPr id="9" name="그림 8">
-            <a:extLst>
-              <a:ext uri="{FF2B5EF4-FFF2-40B4-BE49-F238E27FC236}">
-                <a16:creationId xmlns:a16="http://schemas.microsoft.com/office/drawing/2014/main" id="{13B7AFF2-8582-5724-117A-44E080997567}"/>
-              </a:ext>
-            </a:extLst>
-          </p:cNvPr>
-          <p:cNvPicPr>
-            <a:picLocks noChangeAspect="1"/>
-          </p:cNvPicPr>
-          <p:nvPr/>
-        </p:nvPicPr>
-        <p:blipFill>
-          <a:blip r:embed="rId2"/>
-          <a:stretch>
-            <a:fillRect/>
-          </a:stretch>
-        </p:blipFill>
-        <p:spPr>
-          <a:xfrm>
-            <a:off x="1082222" y="3148570"/>
-            <a:ext cx="2578100" cy="1054100"/>
-          </a:xfrm>
-          <a:prstGeom prst="rect">
-            <a:avLst/>
-          </a:prstGeom>
-        </p:spPr>
-      </p:pic>
-      <p:pic>
-        <p:nvPicPr>
-          <p:cNvPr id="10" name="그림 9">
-            <a:extLst>
-              <a:ext uri="{FF2B5EF4-FFF2-40B4-BE49-F238E27FC236}">
-                <a16:creationId xmlns:a16="http://schemas.microsoft.com/office/drawing/2014/main" id="{CA2F2AF1-B4CB-E994-099D-55E729423B51}"/>
-              </a:ext>
-            </a:extLst>
-          </p:cNvPr>
-          <p:cNvPicPr>
-            <a:picLocks noChangeAspect="1"/>
-          </p:cNvPicPr>
-          <p:nvPr/>
-        </p:nvPicPr>
-        <p:blipFill>
-          <a:blip r:embed="rId3"/>
-          <a:stretch>
-            <a:fillRect/>
-          </a:stretch>
-        </p:blipFill>
-        <p:spPr>
-          <a:xfrm>
-            <a:off x="4283170" y="3148570"/>
-            <a:ext cx="368300" cy="1701800"/>
-          </a:xfrm>
-          <a:prstGeom prst="rect">
-            <a:avLst/>
-          </a:prstGeom>
-        </p:spPr>
-      </p:pic>
-      <p:pic>
-        <p:nvPicPr>
-          <p:cNvPr id="11" name="그림 10">
-            <a:extLst>
-              <a:ext uri="{FF2B5EF4-FFF2-40B4-BE49-F238E27FC236}">
-                <a16:creationId xmlns:a16="http://schemas.microsoft.com/office/drawing/2014/main" id="{54301AD5-5C47-56FC-2E00-D9A48EB6A1CF}"/>
-              </a:ext>
-            </a:extLst>
-          </p:cNvPr>
-          <p:cNvPicPr>
-            <a:picLocks noChangeAspect="1"/>
-          </p:cNvPicPr>
-          <p:nvPr/>
-        </p:nvPicPr>
-        <p:blipFill>
-          <a:blip r:embed="rId4"/>
-          <a:stretch>
-            <a:fillRect/>
-          </a:stretch>
-        </p:blipFill>
-        <p:spPr>
-          <a:xfrm>
-            <a:off x="10530710" y="3301325"/>
-            <a:ext cx="457200" cy="1600200"/>
-          </a:xfrm>
-          <a:prstGeom prst="rect">
-            <a:avLst/>
-          </a:prstGeom>
-        </p:spPr>
-      </p:pic>
-      <p:pic>
-        <p:nvPicPr>
-          <p:cNvPr id="12" name="그림 11">
-            <a:extLst>
-              <a:ext uri="{FF2B5EF4-FFF2-40B4-BE49-F238E27FC236}">
-                <a16:creationId xmlns:a16="http://schemas.microsoft.com/office/drawing/2014/main" id="{17241178-DDA9-3338-5212-6E9E00B5EA28}"/>
-              </a:ext>
-            </a:extLst>
-          </p:cNvPr>
-          <p:cNvPicPr>
-            <a:picLocks noChangeAspect="1"/>
-          </p:cNvPicPr>
-          <p:nvPr/>
-        </p:nvPicPr>
-        <p:blipFill>
-          <a:blip r:embed="rId5"/>
-          <a:stretch>
-            <a:fillRect/>
-          </a:stretch>
-        </p:blipFill>
-        <p:spPr>
-          <a:xfrm>
-            <a:off x="6142794" y="3267884"/>
-            <a:ext cx="3683000" cy="1092200"/>
-          </a:xfrm>
-          <a:prstGeom prst="rect">
-            <a:avLst/>
-          </a:prstGeom>
-        </p:spPr>
-      </p:pic>
-      <p:sp>
-        <p:nvSpPr>
-          <p:cNvPr id="13" name="타원 12">
-            <a:extLst>
-              <a:ext uri="{FF2B5EF4-FFF2-40B4-BE49-F238E27FC236}">
-                <a16:creationId xmlns:a16="http://schemas.microsoft.com/office/drawing/2014/main" id="{111B790A-E11F-88A5-1825-0F74684F8B22}"/>
-              </a:ext>
-            </a:extLst>
-          </p:cNvPr>
-          <p:cNvSpPr/>
-          <p:nvPr/>
-        </p:nvSpPr>
-        <p:spPr>
-          <a:xfrm>
-            <a:off x="6765642" y="3722914"/>
-            <a:ext cx="664029" cy="373457"/>
-          </a:xfrm>
-          <a:prstGeom prst="ellipse">
-            <a:avLst/>
-          </a:prstGeom>
-          <a:noFill/>
-          <a:ln w="28575">
-            <a:solidFill>
-              <a:srgbClr val="FF0000"/>
-            </a:solidFill>
-          </a:ln>
-        </p:spPr>
-        <p:style>
-          <a:lnRef idx="2">
-            <a:schemeClr val="accent1">
-              <a:shade val="50000"/>
-            </a:schemeClr>
-          </a:lnRef>
-          <a:fillRef idx="1">
-            <a:schemeClr val="accent1"/>
-          </a:fillRef>
-          <a:effectRef idx="0">
-            <a:schemeClr val="accent1"/>
-          </a:effectRef>
-          <a:fontRef idx="minor">
-            <a:schemeClr val="lt1"/>
-          </a:fontRef>
-        </p:style>
-        <p:txBody>
-          <a:bodyPr rtlCol="0" anchor="ctr"/>
-          <a:lstStyle/>
-          <a:p>
-            <a:pPr algn="ctr"/>
-            <a:endParaRPr kumimoji="1" lang="ko-Kore-KR" altLang="en-US"/>
-          </a:p>
-        </p:txBody>
-      </p:sp>
-      <p:cxnSp>
-        <p:nvCxnSpPr>
-          <p:cNvPr id="15" name="직선 화살표 연결선 14">
-            <a:extLst>
-              <a:ext uri="{FF2B5EF4-FFF2-40B4-BE49-F238E27FC236}">
-                <a16:creationId xmlns:a16="http://schemas.microsoft.com/office/drawing/2014/main" id="{4CA56152-7214-0A67-A8EB-D384BAC1E137}"/>
-              </a:ext>
-            </a:extLst>
-          </p:cNvPr>
-          <p:cNvCxnSpPr>
-            <a:cxnSpLocks/>
-          </p:cNvCxnSpPr>
-          <p:nvPr/>
-        </p:nvCxnSpPr>
-        <p:spPr>
-          <a:xfrm>
-            <a:off x="6765642" y="3914554"/>
-            <a:ext cx="0" cy="953530"/>
-          </a:xfrm>
-          <a:prstGeom prst="straightConnector1">
-            <a:avLst/>
-          </a:prstGeom>
-          <a:ln w="28575">
-            <a:solidFill>
-              <a:srgbClr val="FF0000"/>
-            </a:solidFill>
-            <a:tailEnd type="triangle"/>
-          </a:ln>
-        </p:spPr>
-        <p:style>
-          <a:lnRef idx="1">
-            <a:schemeClr val="accent1"/>
-          </a:lnRef>
-          <a:fillRef idx="0">
-            <a:schemeClr val="accent1"/>
-          </a:fillRef>
-          <a:effectRef idx="0">
-            <a:schemeClr val="accent1"/>
-          </a:effectRef>
-          <a:fontRef idx="minor">
-            <a:schemeClr val="tx1"/>
-          </a:fontRef>
-        </p:style>
-      </p:cxnSp>
-      <p:sp>
-        <p:nvSpPr>
-          <p:cNvPr id="18" name="TextBox 17">
-            <a:extLst>
-              <a:ext uri="{FF2B5EF4-FFF2-40B4-BE49-F238E27FC236}">
-                <a16:creationId xmlns:a16="http://schemas.microsoft.com/office/drawing/2014/main" id="{07517997-E4CB-00D1-EB15-B64B2A34F980}"/>
-              </a:ext>
-            </a:extLst>
-          </p:cNvPr>
-          <p:cNvSpPr txBox="1"/>
-          <p:nvPr/>
-        </p:nvSpPr>
-        <p:spPr>
-          <a:xfrm>
-            <a:off x="5938911" y="4868084"/>
-            <a:ext cx="4794403" cy="1477328"/>
-          </a:xfrm>
-          <a:prstGeom prst="rect">
-            <a:avLst/>
-          </a:prstGeom>
-          <a:noFill/>
-        </p:spPr>
-        <p:txBody>
-          <a:bodyPr wrap="square" rtlCol="0">
-            <a:spAutoFit/>
-          </a:bodyPr>
-          <a:lstStyle/>
-          <a:p>
-            <a:r>
-              <a:rPr kumimoji="1" lang="en-US" altLang="ko-Kore-KR" dirty="0"/>
-              <a:t>enumerate</a:t>
-            </a:r>
-            <a:r>
-              <a:rPr kumimoji="1" lang="ko-KR" altLang="en-US" dirty="0"/>
-              <a:t> 함수는 인자로 주어진 리스트를 </a:t>
-            </a:r>
-            <a:r>
-              <a:rPr kumimoji="1" lang="en-US" altLang="ko-KR" dirty="0"/>
-              <a:t>(</a:t>
-            </a:r>
-            <a:r>
-              <a:rPr kumimoji="1" lang="ko-KR" altLang="en-US" dirty="0"/>
-              <a:t>인덱스</a:t>
-            </a:r>
-            <a:r>
-              <a:rPr kumimoji="1" lang="en-US" altLang="ko-KR" dirty="0"/>
-              <a:t>,</a:t>
-            </a:r>
-            <a:r>
-              <a:rPr kumimoji="1" lang="ko-KR" altLang="en-US" dirty="0"/>
-              <a:t> </a:t>
-            </a:r>
-            <a:r>
-              <a:rPr kumimoji="1" lang="ko-KR" altLang="en-US" dirty="0" err="1"/>
-              <a:t>원소값</a:t>
-            </a:r>
-            <a:r>
-              <a:rPr kumimoji="1" lang="en-US" altLang="ko-KR" dirty="0"/>
-              <a:t>)</a:t>
-            </a:r>
-            <a:r>
-              <a:rPr kumimoji="1" lang="ko-KR" altLang="en-US" dirty="0"/>
-              <a:t> 형식의 </a:t>
-            </a:r>
-            <a:r>
-              <a:rPr kumimoji="1" lang="ko-KR" altLang="en-US" dirty="0" err="1"/>
-              <a:t>튜플</a:t>
-            </a:r>
-            <a:r>
-              <a:rPr kumimoji="1" lang="ko-KR" altLang="en-US" dirty="0"/>
-              <a:t> </a:t>
-            </a:r>
-            <a:r>
-              <a:rPr kumimoji="1" lang="ko-KR" altLang="en-US" dirty="0" err="1"/>
-              <a:t>원소값을</a:t>
-            </a:r>
-            <a:r>
-              <a:rPr kumimoji="1" lang="ko-KR" altLang="en-US" dirty="0"/>
-              <a:t> 리스트로 반환한다</a:t>
-            </a:r>
-            <a:r>
-              <a:rPr kumimoji="1" lang="en-US" altLang="ko-KR" dirty="0"/>
-              <a:t>.</a:t>
-            </a:r>
-            <a:r>
-              <a:rPr kumimoji="1" lang="ko-KR" altLang="en-US" dirty="0"/>
-              <a:t> 그렇기 때문에 반환되는 </a:t>
-            </a:r>
-            <a:r>
-              <a:rPr kumimoji="1" lang="ko-KR" altLang="en-US" dirty="0" err="1"/>
-              <a:t>튜플</a:t>
-            </a:r>
-            <a:r>
-              <a:rPr kumimoji="1" lang="ko-KR" altLang="en-US" dirty="0"/>
-              <a:t> 형식의 </a:t>
-            </a:r>
-            <a:r>
-              <a:rPr kumimoji="1" lang="en-US" altLang="ko-KR" dirty="0"/>
-              <a:t>2</a:t>
-            </a:r>
-            <a:r>
-              <a:rPr kumimoji="1" lang="ko-KR" altLang="en-US" dirty="0"/>
-              <a:t>개의 값을 저장해주기 위해 변수를 두개 할당 해야 한다</a:t>
-            </a:r>
-            <a:r>
-              <a:rPr kumimoji="1" lang="en-US" altLang="ko-KR" dirty="0"/>
-              <a:t>.</a:t>
-            </a:r>
-            <a:endParaRPr kumimoji="1" lang="ko-Kore-KR" altLang="en-US" dirty="0"/>
-          </a:p>
-        </p:txBody>
-      </p:sp>
-    </p:spTree>
-    <p:extLst>
-      <p:ext uri="{BB962C8B-B14F-4D97-AF65-F5344CB8AC3E}">
-        <p14:creationId xmlns:p14="http://schemas.microsoft.com/office/powerpoint/2010/main" val="3682379290"/>
-      </p:ext>
-    </p:extLst>
-  </p:cSld>
-  <p:clrMapOvr>
-    <a:masterClrMapping/>
-  </p:clrMapOvr>
-</p:sld>
-</file>
-
-<file path=ppt/slides/slide12.xml><?xml version="1.0" encoding="utf-8"?>
-<p:sld xmlns:a="http://schemas.openxmlformats.org/drawingml/2006/main" xmlns:r="http://schemas.openxmlformats.org/officeDocument/2006/relationships" xmlns:p="http://schemas.openxmlformats.org/presentationml/2006/main">
-  <p:cSld>
-    <p:spTree>
-      <p:nvGrpSpPr>
-        <p:cNvPr id="1" name=""/>
-        <p:cNvGrpSpPr/>
-        <p:nvPr/>
-      </p:nvGrpSpPr>
-      <p:grpSpPr>
-        <a:xfrm>
-          <a:off x="0" y="0"/>
-          <a:ext cx="0" cy="0"/>
-          <a:chOff x="0" y="0"/>
-          <a:chExt cx="0" cy="0"/>
-        </a:xfrm>
-      </p:grpSpPr>
-      <p:pic>
-        <p:nvPicPr>
-          <p:cNvPr id="16" name="그림 15">
-            <a:extLst>
-              <a:ext uri="{FF2B5EF4-FFF2-40B4-BE49-F238E27FC236}">
-                <a16:creationId xmlns:a16="http://schemas.microsoft.com/office/drawing/2014/main" id="{E415B920-9ED7-539A-D0DB-21836D566AC3}"/>
-              </a:ext>
-            </a:extLst>
-          </p:cNvPr>
-          <p:cNvPicPr>
-            <a:picLocks noChangeAspect="1"/>
-          </p:cNvPicPr>
-          <p:nvPr/>
-        </p:nvPicPr>
-        <p:blipFill>
-          <a:blip r:embed="rId2"/>
-          <a:stretch>
-            <a:fillRect/>
-          </a:stretch>
-        </p:blipFill>
-        <p:spPr>
-          <a:xfrm>
-            <a:off x="6200219" y="3006593"/>
-            <a:ext cx="4185000" cy="1116000"/>
-          </a:xfrm>
-          <a:prstGeom prst="rect">
-            <a:avLst/>
-          </a:prstGeom>
-        </p:spPr>
-      </p:pic>
-      <p:sp>
-        <p:nvSpPr>
-          <p:cNvPr id="3" name="내용 개체 틀 2">
-            <a:extLst>
-              <a:ext uri="{FF2B5EF4-FFF2-40B4-BE49-F238E27FC236}">
-                <a16:creationId xmlns:a16="http://schemas.microsoft.com/office/drawing/2014/main" id="{AAEBCB33-4BF9-55BB-C098-6E2D866DBD93}"/>
-              </a:ext>
-            </a:extLst>
-          </p:cNvPr>
-          <p:cNvSpPr>
-            <a:spLocks noGrp="1"/>
-          </p:cNvSpPr>
-          <p:nvPr>
-            <p:ph idx="1"/>
-          </p:nvPr>
-        </p:nvSpPr>
-        <p:spPr>
-          <a:xfrm>
-            <a:off x="451574" y="472543"/>
-            <a:ext cx="11300614" cy="6222830"/>
-          </a:xfrm>
-        </p:spPr>
-        <p:txBody>
-          <a:bodyPr/>
-          <a:lstStyle/>
-          <a:p>
-            <a:pPr marL="514350" indent="-514350">
-              <a:buFont typeface="+mj-lt"/>
-              <a:buAutoNum type="arabicPeriod" startAt="2"/>
-            </a:pPr>
-            <a:r>
-              <a:rPr kumimoji="1" lang="ko-KR" altLang="en-US" dirty="0" err="1"/>
-              <a:t>반복문</a:t>
-            </a:r>
-            <a:r>
-              <a:rPr kumimoji="1" lang="ko-KR" altLang="en-US" dirty="0"/>
-              <a:t> </a:t>
-            </a:r>
-            <a:r>
-              <a:rPr kumimoji="1" lang="en-US" altLang="ko-KR" dirty="0"/>
-              <a:t>for – dictionary</a:t>
-            </a:r>
-          </a:p>
-          <a:p>
-            <a:pPr marL="514350" indent="-514350">
-              <a:buFont typeface="+mj-lt"/>
-              <a:buAutoNum type="arabicPeriod" startAt="2"/>
-            </a:pPr>
-            <a:endParaRPr kumimoji="1" lang="en-US" altLang="ko-KR" dirty="0"/>
-          </a:p>
-          <a:p>
-            <a:pPr marL="971550" lvl="1" indent="-514350">
-              <a:buFont typeface="+mj-lt"/>
-              <a:buAutoNum type="arabicPeriod"/>
-            </a:pPr>
-            <a:r>
-              <a:rPr kumimoji="1" lang="en-US" altLang="ko-KR" dirty="0"/>
-              <a:t>for</a:t>
-            </a:r>
-            <a:r>
-              <a:rPr kumimoji="1" lang="ko-KR" altLang="en-US" dirty="0"/>
-              <a:t>문을 이용해 </a:t>
-            </a:r>
-            <a:r>
-              <a:rPr kumimoji="1" lang="ko-KR" altLang="en-US" dirty="0" err="1"/>
-              <a:t>딕셔너리</a:t>
-            </a:r>
-            <a:r>
-              <a:rPr kumimoji="1" lang="ko-KR" altLang="en-US" dirty="0"/>
-              <a:t> 자료형을 사용 하는 방법</a:t>
-            </a:r>
-            <a:endParaRPr kumimoji="1" lang="en-US" altLang="ko-KR" dirty="0"/>
-          </a:p>
-          <a:p>
-            <a:pPr marL="971550" lvl="1" indent="-514350">
-              <a:buFont typeface="+mj-lt"/>
-              <a:buAutoNum type="arabicPeriod"/>
-            </a:pPr>
-            <a:endParaRPr kumimoji="1" lang="en-US" altLang="ko-KR" dirty="0"/>
-          </a:p>
-        </p:txBody>
-      </p:sp>
-      <p:sp>
-        <p:nvSpPr>
-          <p:cNvPr id="7" name="TextBox 6">
-            <a:extLst>
-              <a:ext uri="{FF2B5EF4-FFF2-40B4-BE49-F238E27FC236}">
-                <a16:creationId xmlns:a16="http://schemas.microsoft.com/office/drawing/2014/main" id="{FD8C0486-40D7-6B75-28EB-265D0716BDD4}"/>
-              </a:ext>
-            </a:extLst>
-          </p:cNvPr>
-          <p:cNvSpPr txBox="1"/>
-          <p:nvPr/>
-        </p:nvSpPr>
-        <p:spPr>
-          <a:xfrm>
-            <a:off x="1082222" y="2424497"/>
-            <a:ext cx="2488292" cy="369332"/>
-          </a:xfrm>
-          <a:prstGeom prst="rect">
-            <a:avLst/>
-          </a:prstGeom>
-          <a:noFill/>
-        </p:spPr>
-        <p:txBody>
-          <a:bodyPr wrap="square" rtlCol="0">
-            <a:spAutoFit/>
-          </a:bodyPr>
-          <a:lstStyle/>
-          <a:p>
-            <a:r>
-              <a:rPr kumimoji="1" lang="ko-Kore-KR" altLang="en-US" dirty="0"/>
-              <a:t>딕셔너리의</a:t>
-            </a:r>
-            <a:r>
-              <a:rPr kumimoji="1" lang="ko-KR" altLang="en-US" dirty="0"/>
-              <a:t> 키 값 출력</a:t>
-            </a:r>
-            <a:endParaRPr kumimoji="1" lang="en-US" altLang="ko-KR" dirty="0"/>
-          </a:p>
-        </p:txBody>
-      </p:sp>
-      <p:sp>
-        <p:nvSpPr>
-          <p:cNvPr id="8" name="TextBox 7">
-            <a:extLst>
-              <a:ext uri="{FF2B5EF4-FFF2-40B4-BE49-F238E27FC236}">
-                <a16:creationId xmlns:a16="http://schemas.microsoft.com/office/drawing/2014/main" id="{DB3AB8B8-C8B0-07B0-E256-3EBBC06D6B4F}"/>
-              </a:ext>
-            </a:extLst>
-          </p:cNvPr>
-          <p:cNvSpPr txBox="1"/>
-          <p:nvPr/>
-        </p:nvSpPr>
-        <p:spPr>
-          <a:xfrm>
-            <a:off x="6142794" y="2470664"/>
-            <a:ext cx="2775857" cy="369332"/>
-          </a:xfrm>
-          <a:prstGeom prst="rect">
-            <a:avLst/>
-          </a:prstGeom>
-          <a:noFill/>
-        </p:spPr>
-        <p:txBody>
-          <a:bodyPr wrap="square" rtlCol="0">
-            <a:spAutoFit/>
-          </a:bodyPr>
-          <a:lstStyle/>
-          <a:p>
-            <a:r>
-              <a:rPr kumimoji="1" lang="ko-KR" altLang="en-US" dirty="0" err="1"/>
-              <a:t>딕셔너리의</a:t>
-            </a:r>
-            <a:r>
-              <a:rPr kumimoji="1" lang="ko-KR" altLang="en-US" dirty="0"/>
-              <a:t> 키</a:t>
-            </a:r>
-            <a:r>
-              <a:rPr kumimoji="1" lang="en-US" altLang="ko-KR" dirty="0"/>
-              <a:t>,</a:t>
-            </a:r>
-            <a:r>
-              <a:rPr kumimoji="1" lang="ko-KR" altLang="en-US" dirty="0"/>
-              <a:t> 값 출력</a:t>
-            </a:r>
-            <a:endParaRPr kumimoji="1" lang="en-US" altLang="ko-KR" dirty="0"/>
-          </a:p>
-        </p:txBody>
-      </p:sp>
-      <p:sp>
-        <p:nvSpPr>
-          <p:cNvPr id="13" name="타원 12">
-            <a:extLst>
-              <a:ext uri="{FF2B5EF4-FFF2-40B4-BE49-F238E27FC236}">
-                <a16:creationId xmlns:a16="http://schemas.microsoft.com/office/drawing/2014/main" id="{111B790A-E11F-88A5-1825-0F74684F8B22}"/>
-              </a:ext>
-            </a:extLst>
-          </p:cNvPr>
-          <p:cNvSpPr/>
-          <p:nvPr/>
-        </p:nvSpPr>
-        <p:spPr>
-          <a:xfrm>
-            <a:off x="6765642" y="3457798"/>
-            <a:ext cx="1453066" cy="373457"/>
-          </a:xfrm>
-          <a:prstGeom prst="ellipse">
-            <a:avLst/>
-          </a:prstGeom>
-          <a:noFill/>
-          <a:ln w="28575">
-            <a:solidFill>
-              <a:srgbClr val="FF0000"/>
-            </a:solidFill>
-          </a:ln>
-        </p:spPr>
-        <p:style>
-          <a:lnRef idx="2">
-            <a:schemeClr val="accent1">
-              <a:shade val="50000"/>
-            </a:schemeClr>
-          </a:lnRef>
-          <a:fillRef idx="1">
-            <a:schemeClr val="accent1"/>
-          </a:fillRef>
-          <a:effectRef idx="0">
-            <a:schemeClr val="accent1"/>
-          </a:effectRef>
-          <a:fontRef idx="minor">
-            <a:schemeClr val="lt1"/>
-          </a:fontRef>
-        </p:style>
-        <p:txBody>
-          <a:bodyPr rtlCol="0" anchor="ctr"/>
-          <a:lstStyle/>
-          <a:p>
-            <a:pPr algn="ctr"/>
-            <a:endParaRPr kumimoji="1" lang="ko-Kore-KR" altLang="en-US"/>
-          </a:p>
-        </p:txBody>
-      </p:sp>
-      <p:cxnSp>
-        <p:nvCxnSpPr>
-          <p:cNvPr id="15" name="직선 화살표 연결선 14">
-            <a:extLst>
-              <a:ext uri="{FF2B5EF4-FFF2-40B4-BE49-F238E27FC236}">
-                <a16:creationId xmlns:a16="http://schemas.microsoft.com/office/drawing/2014/main" id="{4CA56152-7214-0A67-A8EB-D384BAC1E137}"/>
-              </a:ext>
-            </a:extLst>
-          </p:cNvPr>
-          <p:cNvCxnSpPr>
-            <a:cxnSpLocks/>
-            <a:stCxn id="13" idx="2"/>
-          </p:cNvCxnSpPr>
-          <p:nvPr/>
-        </p:nvCxnSpPr>
-        <p:spPr>
-          <a:xfrm>
-            <a:off x="6765642" y="3644527"/>
-            <a:ext cx="0" cy="1223557"/>
-          </a:xfrm>
-          <a:prstGeom prst="straightConnector1">
-            <a:avLst/>
-          </a:prstGeom>
-          <a:ln w="28575">
-            <a:solidFill>
-              <a:srgbClr val="FF0000"/>
-            </a:solidFill>
-            <a:tailEnd type="triangle"/>
-          </a:ln>
-        </p:spPr>
-        <p:style>
-          <a:lnRef idx="1">
-            <a:schemeClr val="accent1"/>
-          </a:lnRef>
-          <a:fillRef idx="0">
-            <a:schemeClr val="accent1"/>
-          </a:fillRef>
-          <a:effectRef idx="0">
-            <a:schemeClr val="accent1"/>
-          </a:effectRef>
-          <a:fontRef idx="minor">
-            <a:schemeClr val="tx1"/>
-          </a:fontRef>
-        </p:style>
-      </p:cxnSp>
-      <p:sp>
-        <p:nvSpPr>
-          <p:cNvPr id="18" name="TextBox 17">
-            <a:extLst>
-              <a:ext uri="{FF2B5EF4-FFF2-40B4-BE49-F238E27FC236}">
-                <a16:creationId xmlns:a16="http://schemas.microsoft.com/office/drawing/2014/main" id="{07517997-E4CB-00D1-EB15-B64B2A34F980}"/>
-              </a:ext>
-            </a:extLst>
-          </p:cNvPr>
-          <p:cNvSpPr txBox="1"/>
-          <p:nvPr/>
-        </p:nvSpPr>
-        <p:spPr>
-          <a:xfrm>
-            <a:off x="6322621" y="4868084"/>
-            <a:ext cx="4794403" cy="923330"/>
-          </a:xfrm>
-          <a:prstGeom prst="rect">
-            <a:avLst/>
-          </a:prstGeom>
-          <a:noFill/>
-        </p:spPr>
-        <p:txBody>
-          <a:bodyPr wrap="square" rtlCol="0">
-            <a:spAutoFit/>
-          </a:bodyPr>
-          <a:lstStyle/>
-          <a:p>
-            <a:r>
-              <a:rPr kumimoji="1" lang="en-US" altLang="ko-Kore-KR" dirty="0"/>
-              <a:t>enumerate</a:t>
-            </a:r>
-            <a:r>
-              <a:rPr kumimoji="1" lang="ko-Kore-KR" altLang="en-US" dirty="0"/>
-              <a:t>와</a:t>
-            </a:r>
-            <a:r>
-              <a:rPr kumimoji="1" lang="ko-KR" altLang="en-US" dirty="0"/>
-              <a:t> 동일하게 </a:t>
-            </a:r>
-            <a:r>
-              <a:rPr kumimoji="1" lang="en-US" altLang="ko-KR" dirty="0"/>
-              <a:t>items </a:t>
-            </a:r>
-            <a:r>
-              <a:rPr kumimoji="1" lang="ko-KR" altLang="en-US" dirty="0"/>
-              <a:t>함수도 </a:t>
-            </a:r>
-            <a:r>
-              <a:rPr kumimoji="1" lang="en-US" altLang="ko-KR" dirty="0"/>
-              <a:t>(key, value)</a:t>
-            </a:r>
-            <a:r>
-              <a:rPr kumimoji="1" lang="ko-KR" altLang="en-US" dirty="0"/>
-              <a:t>의 </a:t>
-            </a:r>
-            <a:r>
-              <a:rPr kumimoji="1" lang="ko-KR" altLang="en-US" dirty="0" err="1"/>
-              <a:t>튜플을</a:t>
-            </a:r>
-            <a:r>
-              <a:rPr kumimoji="1" lang="ko-KR" altLang="en-US" dirty="0"/>
-              <a:t> 반환 하기때문에 변수 두개가 필요하다</a:t>
-            </a:r>
-            <a:r>
-              <a:rPr kumimoji="1" lang="en-US" altLang="ko-KR" dirty="0"/>
-              <a:t>.</a:t>
-            </a:r>
-            <a:endParaRPr kumimoji="1" lang="ko-Kore-KR" altLang="en-US" dirty="0"/>
-          </a:p>
-        </p:txBody>
-      </p:sp>
-      <p:pic>
-        <p:nvPicPr>
-          <p:cNvPr id="2" name="그림 1">
-            <a:extLst>
-              <a:ext uri="{FF2B5EF4-FFF2-40B4-BE49-F238E27FC236}">
-                <a16:creationId xmlns:a16="http://schemas.microsoft.com/office/drawing/2014/main" id="{8CBEC78B-1D0A-9ADE-5C59-443153C5F1C0}"/>
-              </a:ext>
-            </a:extLst>
-          </p:cNvPr>
-          <p:cNvPicPr>
-            <a:picLocks noChangeAspect="1"/>
-          </p:cNvPicPr>
-          <p:nvPr/>
-        </p:nvPicPr>
-        <p:blipFill>
-          <a:blip r:embed="rId3"/>
-          <a:stretch>
-            <a:fillRect/>
-          </a:stretch>
-        </p:blipFill>
-        <p:spPr>
-          <a:xfrm>
-            <a:off x="1082222" y="3018808"/>
-            <a:ext cx="3751029" cy="1130300"/>
-          </a:xfrm>
-          <a:prstGeom prst="rect">
-            <a:avLst/>
-          </a:prstGeom>
-        </p:spPr>
-      </p:pic>
-      <p:pic>
-        <p:nvPicPr>
-          <p:cNvPr id="4" name="그림 3">
-            <a:extLst>
-              <a:ext uri="{FF2B5EF4-FFF2-40B4-BE49-F238E27FC236}">
-                <a16:creationId xmlns:a16="http://schemas.microsoft.com/office/drawing/2014/main" id="{8006B9EC-3817-203F-4AAB-CABE0BF7EEA4}"/>
-              </a:ext>
-            </a:extLst>
-          </p:cNvPr>
-          <p:cNvPicPr>
-            <a:picLocks noChangeAspect="1"/>
-          </p:cNvPicPr>
-          <p:nvPr/>
-        </p:nvPicPr>
-        <p:blipFill>
-          <a:blip r:embed="rId4"/>
-          <a:stretch>
-            <a:fillRect/>
-          </a:stretch>
-        </p:blipFill>
-        <p:spPr>
-          <a:xfrm>
-            <a:off x="1074976" y="4470770"/>
-            <a:ext cx="1408241" cy="1130299"/>
-          </a:xfrm>
-          <a:prstGeom prst="rect">
-            <a:avLst/>
-          </a:prstGeom>
-        </p:spPr>
-      </p:pic>
-      <p:pic>
-        <p:nvPicPr>
-          <p:cNvPr id="5" name="그림 4">
-            <a:extLst>
-              <a:ext uri="{FF2B5EF4-FFF2-40B4-BE49-F238E27FC236}">
-                <a16:creationId xmlns:a16="http://schemas.microsoft.com/office/drawing/2014/main" id="{8B28CCFE-C824-5D07-2470-BCC7DB23C670}"/>
-              </a:ext>
-            </a:extLst>
-          </p:cNvPr>
-          <p:cNvPicPr>
-            <a:picLocks noChangeAspect="1"/>
-          </p:cNvPicPr>
-          <p:nvPr/>
-        </p:nvPicPr>
-        <p:blipFill>
-          <a:blip r:embed="rId5"/>
-          <a:stretch>
-            <a:fillRect/>
-          </a:stretch>
-        </p:blipFill>
-        <p:spPr>
-          <a:xfrm>
-            <a:off x="10541374" y="3018807"/>
-            <a:ext cx="1342938" cy="1103785"/>
-          </a:xfrm>
-          <a:prstGeom prst="rect">
-            <a:avLst/>
-          </a:prstGeom>
-        </p:spPr>
-      </p:pic>
-    </p:spTree>
-    <p:extLst>
-      <p:ext uri="{BB962C8B-B14F-4D97-AF65-F5344CB8AC3E}">
-        <p14:creationId xmlns:p14="http://schemas.microsoft.com/office/powerpoint/2010/main" val="3988063120"/>
-      </p:ext>
-    </p:extLst>
-  </p:cSld>
-  <p:clrMapOvr>
-    <a:masterClrMapping/>
-  </p:clrMapOvr>
-</p:sld>
-</file>
-
-<file path=ppt/slides/slide13.xml><?xml version="1.0" encoding="utf-8"?>
-<p:sld xmlns:a="http://schemas.openxmlformats.org/drawingml/2006/main" xmlns:r="http://schemas.openxmlformats.org/officeDocument/2006/relationships" xmlns:p="http://schemas.openxmlformats.org/presentationml/2006/main">
-  <p:cSld>
-    <p:spTree>
-      <p:nvGrpSpPr>
-        <p:cNvPr id="1" name=""/>
-        <p:cNvGrpSpPr/>
-        <p:nvPr/>
-      </p:nvGrpSpPr>
-      <p:grpSpPr>
-        <a:xfrm>
-          <a:off x="0" y="0"/>
-          <a:ext cx="0" cy="0"/>
-          <a:chOff x="0" y="0"/>
-          <a:chExt cx="0" cy="0"/>
-        </a:xfrm>
-      </p:grpSpPr>
-      <p:sp>
-        <p:nvSpPr>
-          <p:cNvPr id="3" name="내용 개체 틀 2">
-            <a:extLst>
-              <a:ext uri="{FF2B5EF4-FFF2-40B4-BE49-F238E27FC236}">
-                <a16:creationId xmlns:a16="http://schemas.microsoft.com/office/drawing/2014/main" id="{AAEBCB33-4BF9-55BB-C098-6E2D866DBD93}"/>
-              </a:ext>
-            </a:extLst>
-          </p:cNvPr>
-          <p:cNvSpPr>
-            <a:spLocks noGrp="1"/>
-          </p:cNvSpPr>
-          <p:nvPr>
-            <p:ph idx="1"/>
-          </p:nvPr>
-        </p:nvSpPr>
-        <p:spPr>
-          <a:xfrm>
-            <a:off x="451574" y="472543"/>
-            <a:ext cx="11300614" cy="6222830"/>
-          </a:xfrm>
-        </p:spPr>
-        <p:txBody>
-          <a:bodyPr/>
-          <a:lstStyle/>
-          <a:p>
-            <a:pPr marL="514350" indent="-514350">
-              <a:buFont typeface="+mj-lt"/>
-              <a:buAutoNum type="arabicPeriod" startAt="2"/>
-            </a:pPr>
-            <a:r>
-              <a:rPr kumimoji="1" lang="ko-KR" altLang="en-US" dirty="0" err="1"/>
-              <a:t>반복문</a:t>
-            </a:r>
-            <a:r>
-              <a:rPr kumimoji="1" lang="ko-KR" altLang="en-US" dirty="0"/>
-              <a:t> </a:t>
-            </a:r>
-            <a:r>
-              <a:rPr kumimoji="1" lang="en-US" altLang="ko-KR" dirty="0"/>
-              <a:t>for</a:t>
-            </a:r>
-            <a:r>
-              <a:rPr kumimoji="1" lang="ko-KR" altLang="en-US" dirty="0"/>
-              <a:t> </a:t>
-            </a:r>
-            <a:r>
-              <a:rPr kumimoji="1" lang="en-US" altLang="ko-KR" dirty="0"/>
-              <a:t>–</a:t>
-            </a:r>
-            <a:r>
-              <a:rPr kumimoji="1" lang="ko-KR" altLang="en-US" dirty="0"/>
-              <a:t> </a:t>
-            </a:r>
-            <a:r>
-              <a:rPr kumimoji="1" lang="en-US" altLang="ko-KR" dirty="0"/>
-              <a:t>range</a:t>
-            </a:r>
-          </a:p>
-          <a:p>
-            <a:pPr marL="514350" indent="-514350">
-              <a:buFont typeface="+mj-lt"/>
-              <a:buAutoNum type="arabicPeriod" startAt="2"/>
-            </a:pPr>
-            <a:endParaRPr kumimoji="1" lang="en-US" altLang="ko-KR" dirty="0"/>
-          </a:p>
-          <a:p>
-            <a:pPr marL="971550" lvl="1" indent="-514350">
-              <a:buFont typeface="+mj-lt"/>
-              <a:buAutoNum type="arabicPeriod" startAt="3"/>
-            </a:pPr>
-            <a:r>
-              <a:rPr kumimoji="1" lang="en-US" altLang="ko-KR" dirty="0"/>
-              <a:t>for</a:t>
-            </a:r>
-            <a:r>
-              <a:rPr kumimoji="1" lang="ko-KR" altLang="en-US" dirty="0"/>
-              <a:t>문에는 리스트</a:t>
-            </a:r>
-            <a:r>
-              <a:rPr kumimoji="1" lang="en-US" altLang="ko-KR" dirty="0"/>
-              <a:t>,</a:t>
-            </a:r>
-            <a:r>
-              <a:rPr kumimoji="1" lang="ko-KR" altLang="en-US" dirty="0"/>
-              <a:t> 문자열 등 말고 </a:t>
-            </a:r>
-            <a:r>
-              <a:rPr kumimoji="1" lang="en-US" altLang="ko-KR" dirty="0"/>
-              <a:t>range</a:t>
-            </a:r>
-            <a:r>
-              <a:rPr kumimoji="1" lang="ko-KR" altLang="en-US" dirty="0"/>
-              <a:t>라는 시퀀스 자료형을 사용하기도 한다</a:t>
-            </a:r>
-            <a:r>
-              <a:rPr kumimoji="1" lang="en-US" altLang="ko-KR" dirty="0"/>
-              <a:t>.</a:t>
-            </a:r>
-          </a:p>
-          <a:p>
-            <a:pPr marL="971550" lvl="1" indent="-514350">
-              <a:buFont typeface="+mj-lt"/>
-              <a:buAutoNum type="arabicPeriod" startAt="3"/>
-            </a:pPr>
-            <a:endParaRPr kumimoji="1" lang="en-US" altLang="ko-KR" dirty="0"/>
-          </a:p>
-          <a:p>
-            <a:pPr marL="971550" lvl="1" indent="-514350">
-              <a:buFont typeface="+mj-lt"/>
-              <a:buAutoNum type="arabicPeriod" startAt="3"/>
-            </a:pPr>
-            <a:r>
-              <a:rPr kumimoji="1" lang="en-US" altLang="ko-KR" dirty="0"/>
-              <a:t>range(start, end, step)</a:t>
-            </a:r>
-            <a:r>
-              <a:rPr kumimoji="1" lang="ko-KR" altLang="en-US" dirty="0"/>
-              <a:t> 형식으로 사용하며</a:t>
-            </a:r>
-            <a:r>
-              <a:rPr kumimoji="1" lang="en-US" altLang="ko-KR" dirty="0"/>
-              <a:t>,</a:t>
-            </a:r>
-            <a:r>
-              <a:rPr kumimoji="1" lang="ko-KR" altLang="en-US" dirty="0"/>
-              <a:t> </a:t>
-            </a:r>
-            <a:r>
-              <a:rPr kumimoji="1" lang="en-US" altLang="ko-KR" dirty="0"/>
-              <a:t>end</a:t>
-            </a:r>
-            <a:r>
-              <a:rPr kumimoji="1" lang="ko-KR" altLang="en-US" dirty="0"/>
-              <a:t>의 값은 포함하지 않는 시퀀스 데이터를 반환 한다</a:t>
-            </a:r>
-            <a:r>
-              <a:rPr kumimoji="1" lang="en-US" altLang="ko-KR" dirty="0"/>
-              <a:t>.</a:t>
-            </a:r>
-            <a:r>
-              <a:rPr kumimoji="1" lang="ko-KR" altLang="en-US" dirty="0"/>
-              <a:t> </a:t>
-            </a:r>
-            <a:endParaRPr kumimoji="1" lang="en-US" altLang="ko-KR" dirty="0"/>
-          </a:p>
-          <a:p>
-            <a:pPr marL="914400" lvl="2" indent="0">
-              <a:buNone/>
-            </a:pPr>
-            <a:r>
-              <a:rPr kumimoji="1" lang="en-US" altLang="ko-KR" dirty="0"/>
-              <a:t>(</a:t>
-            </a:r>
-            <a:r>
-              <a:rPr kumimoji="1" lang="ko-KR" altLang="en-US" dirty="0"/>
-              <a:t>만약 인자 하나만 입력하게 되면 </a:t>
-            </a:r>
-            <a:r>
-              <a:rPr kumimoji="1" lang="en-US" altLang="ko-KR" dirty="0"/>
-              <a:t>start</a:t>
-            </a:r>
-            <a:r>
-              <a:rPr kumimoji="1" lang="ko-KR" altLang="en-US" dirty="0"/>
-              <a:t>는 기본으로 </a:t>
-            </a:r>
-            <a:r>
-              <a:rPr kumimoji="1" lang="en-US" altLang="ko-KR" dirty="0"/>
-              <a:t>0</a:t>
-            </a:r>
-            <a:r>
-              <a:rPr kumimoji="1" lang="ko-KR" altLang="en-US" dirty="0" err="1"/>
-              <a:t>으로</a:t>
-            </a:r>
-            <a:r>
-              <a:rPr kumimoji="1" lang="ko-KR" altLang="en-US" dirty="0"/>
-              <a:t> 할당된다</a:t>
-            </a:r>
-            <a:r>
-              <a:rPr kumimoji="1" lang="en-US" altLang="ko-KR" dirty="0"/>
-              <a:t>.)</a:t>
-            </a:r>
-          </a:p>
-          <a:p>
-            <a:pPr marL="971550" lvl="1" indent="-514350">
-              <a:buFont typeface="+mj-lt"/>
-              <a:buAutoNum type="arabicPeriod" startAt="3"/>
-            </a:pPr>
-            <a:endParaRPr kumimoji="1" lang="en-US" altLang="ko-KR" dirty="0"/>
-          </a:p>
-          <a:p>
-            <a:pPr marL="457200" lvl="1" indent="0">
-              <a:buNone/>
-            </a:pPr>
-            <a:endParaRPr kumimoji="1" lang="en-US" altLang="ko-KR" dirty="0"/>
-          </a:p>
-          <a:p>
-            <a:pPr marL="971550" lvl="1" indent="-514350">
-              <a:buFont typeface="+mj-lt"/>
-              <a:buAutoNum type="arabicPeriod"/>
-            </a:pPr>
-            <a:endParaRPr kumimoji="1" lang="en-US" altLang="ko-KR" dirty="0"/>
-          </a:p>
-        </p:txBody>
-      </p:sp>
-      <p:pic>
-        <p:nvPicPr>
-          <p:cNvPr id="7" name="그림 6">
-            <a:extLst>
-              <a:ext uri="{FF2B5EF4-FFF2-40B4-BE49-F238E27FC236}">
-                <a16:creationId xmlns:a16="http://schemas.microsoft.com/office/drawing/2014/main" id="{3D6EB876-5365-61A2-EB98-4DFD7312CBBC}"/>
-              </a:ext>
-            </a:extLst>
-          </p:cNvPr>
-          <p:cNvPicPr>
-            <a:picLocks noChangeAspect="1"/>
-          </p:cNvPicPr>
-          <p:nvPr/>
-        </p:nvPicPr>
-        <p:blipFill>
-          <a:blip r:embed="rId2"/>
-          <a:stretch>
-            <a:fillRect/>
-          </a:stretch>
-        </p:blipFill>
-        <p:spPr>
-          <a:xfrm>
-            <a:off x="1206254" y="4050274"/>
-            <a:ext cx="3187700" cy="635000"/>
-          </a:xfrm>
-          <a:prstGeom prst="rect">
-            <a:avLst/>
-          </a:prstGeom>
-        </p:spPr>
-      </p:pic>
-      <p:pic>
-        <p:nvPicPr>
-          <p:cNvPr id="8" name="그림 7">
-            <a:extLst>
-              <a:ext uri="{FF2B5EF4-FFF2-40B4-BE49-F238E27FC236}">
-                <a16:creationId xmlns:a16="http://schemas.microsoft.com/office/drawing/2014/main" id="{140C75D8-BEC2-C9C5-2AC0-C97B8FB125EA}"/>
-              </a:ext>
-            </a:extLst>
-          </p:cNvPr>
-          <p:cNvPicPr>
-            <a:picLocks noChangeAspect="1"/>
-          </p:cNvPicPr>
-          <p:nvPr/>
-        </p:nvPicPr>
-        <p:blipFill>
-          <a:blip r:embed="rId3"/>
-          <a:stretch>
-            <a:fillRect/>
-          </a:stretch>
-        </p:blipFill>
-        <p:spPr>
-          <a:xfrm>
-            <a:off x="6525596" y="3877003"/>
-            <a:ext cx="266700" cy="2806700"/>
-          </a:xfrm>
-          <a:prstGeom prst="rect">
-            <a:avLst/>
-          </a:prstGeom>
-        </p:spPr>
-      </p:pic>
-      <p:pic>
-        <p:nvPicPr>
-          <p:cNvPr id="9" name="그림 8">
-            <a:extLst>
-              <a:ext uri="{FF2B5EF4-FFF2-40B4-BE49-F238E27FC236}">
-                <a16:creationId xmlns:a16="http://schemas.microsoft.com/office/drawing/2014/main" id="{B0FD31E4-AEEE-0EA3-242C-BE76C90CC3D5}"/>
-              </a:ext>
-            </a:extLst>
-          </p:cNvPr>
-          <p:cNvPicPr>
-            <a:picLocks noChangeAspect="1"/>
-          </p:cNvPicPr>
-          <p:nvPr/>
-        </p:nvPicPr>
-        <p:blipFill>
-          <a:blip r:embed="rId4"/>
-          <a:stretch>
-            <a:fillRect/>
-          </a:stretch>
-        </p:blipFill>
-        <p:spPr>
-          <a:xfrm>
-            <a:off x="5727700" y="4948090"/>
-            <a:ext cx="368300" cy="1384300"/>
-          </a:xfrm>
-          <a:prstGeom prst="rect">
-            <a:avLst/>
-          </a:prstGeom>
-        </p:spPr>
-      </p:pic>
-      <p:pic>
-        <p:nvPicPr>
-          <p:cNvPr id="10" name="그림 9">
-            <a:extLst>
-              <a:ext uri="{FF2B5EF4-FFF2-40B4-BE49-F238E27FC236}">
-                <a16:creationId xmlns:a16="http://schemas.microsoft.com/office/drawing/2014/main" id="{DF2289A6-D0F4-AD59-5448-AC181ED2F801}"/>
-              </a:ext>
-            </a:extLst>
-          </p:cNvPr>
-          <p:cNvPicPr>
-            <a:picLocks noChangeAspect="1"/>
-          </p:cNvPicPr>
-          <p:nvPr/>
-        </p:nvPicPr>
-        <p:blipFill>
-          <a:blip r:embed="rId5"/>
-          <a:stretch>
-            <a:fillRect/>
-          </a:stretch>
-        </p:blipFill>
-        <p:spPr>
-          <a:xfrm>
-            <a:off x="1206254" y="5842532"/>
-            <a:ext cx="2641600" cy="673100"/>
-          </a:xfrm>
-          <a:prstGeom prst="rect">
-            <a:avLst/>
-          </a:prstGeom>
-        </p:spPr>
-      </p:pic>
-      <p:pic>
-        <p:nvPicPr>
-          <p:cNvPr id="11" name="그림 10">
-            <a:extLst>
-              <a:ext uri="{FF2B5EF4-FFF2-40B4-BE49-F238E27FC236}">
-                <a16:creationId xmlns:a16="http://schemas.microsoft.com/office/drawing/2014/main" id="{B8FB1406-9B84-DC29-8AC0-890C81DAB0EC}"/>
-              </a:ext>
-            </a:extLst>
-          </p:cNvPr>
-          <p:cNvPicPr>
-            <a:picLocks noChangeAspect="1"/>
-          </p:cNvPicPr>
-          <p:nvPr/>
-        </p:nvPicPr>
-        <p:blipFill>
-          <a:blip r:embed="rId6"/>
-          <a:stretch>
-            <a:fillRect/>
-          </a:stretch>
-        </p:blipFill>
-        <p:spPr>
-          <a:xfrm>
-            <a:off x="1206254" y="4969204"/>
-            <a:ext cx="3517900" cy="622300"/>
-          </a:xfrm>
-          <a:prstGeom prst="rect">
-            <a:avLst/>
-          </a:prstGeom>
-        </p:spPr>
-      </p:pic>
-      <p:pic>
-        <p:nvPicPr>
-          <p:cNvPr id="12" name="그림 11">
-            <a:extLst>
-              <a:ext uri="{FF2B5EF4-FFF2-40B4-BE49-F238E27FC236}">
-                <a16:creationId xmlns:a16="http://schemas.microsoft.com/office/drawing/2014/main" id="{A56178D4-B07C-4B21-6341-C94C1FE09EF7}"/>
-              </a:ext>
-            </a:extLst>
-          </p:cNvPr>
-          <p:cNvPicPr>
-            <a:picLocks noChangeAspect="1"/>
-          </p:cNvPicPr>
-          <p:nvPr/>
-        </p:nvPicPr>
-        <p:blipFill>
-          <a:blip r:embed="rId7"/>
-          <a:stretch>
-            <a:fillRect/>
-          </a:stretch>
-        </p:blipFill>
-        <p:spPr>
-          <a:xfrm>
-            <a:off x="4724154" y="5732910"/>
-            <a:ext cx="342900" cy="1028700"/>
-          </a:xfrm>
-          <a:prstGeom prst="rect">
-            <a:avLst/>
-          </a:prstGeom>
-        </p:spPr>
-      </p:pic>
-      <p:sp>
-        <p:nvSpPr>
-          <p:cNvPr id="13" name="오른쪽 화살표[R] 12">
-            <a:extLst>
-              <a:ext uri="{FF2B5EF4-FFF2-40B4-BE49-F238E27FC236}">
-                <a16:creationId xmlns:a16="http://schemas.microsoft.com/office/drawing/2014/main" id="{7063798B-15F0-E2FA-C719-4B2BB505555A}"/>
-              </a:ext>
-            </a:extLst>
-          </p:cNvPr>
-          <p:cNvSpPr/>
-          <p:nvPr/>
-        </p:nvSpPr>
-        <p:spPr>
-          <a:xfrm>
-            <a:off x="4584233" y="4248938"/>
-            <a:ext cx="1545771" cy="237671"/>
-          </a:xfrm>
-          <a:prstGeom prst="rightArrow">
-            <a:avLst/>
-          </a:prstGeom>
-        </p:spPr>
-        <p:style>
-          <a:lnRef idx="2">
-            <a:schemeClr val="accent1">
-              <a:shade val="50000"/>
-            </a:schemeClr>
-          </a:lnRef>
-          <a:fillRef idx="1">
-            <a:schemeClr val="accent1"/>
-          </a:fillRef>
-          <a:effectRef idx="0">
-            <a:schemeClr val="accent1"/>
-          </a:effectRef>
-          <a:fontRef idx="minor">
-            <a:schemeClr val="lt1"/>
-          </a:fontRef>
-        </p:style>
-        <p:txBody>
-          <a:bodyPr rtlCol="0" anchor="ctr"/>
-          <a:lstStyle/>
-          <a:p>
-            <a:pPr algn="ctr"/>
-            <a:endParaRPr kumimoji="1" lang="ko-Kore-KR" altLang="en-US"/>
-          </a:p>
-        </p:txBody>
-      </p:sp>
-      <p:sp>
-        <p:nvSpPr>
-          <p:cNvPr id="14" name="오른쪽 화살표[R] 13">
-            <a:extLst>
-              <a:ext uri="{FF2B5EF4-FFF2-40B4-BE49-F238E27FC236}">
-                <a16:creationId xmlns:a16="http://schemas.microsoft.com/office/drawing/2014/main" id="{59FB8441-8AF0-A7A7-897A-801C41C67F3F}"/>
-              </a:ext>
-            </a:extLst>
-          </p:cNvPr>
-          <p:cNvSpPr/>
-          <p:nvPr/>
-        </p:nvSpPr>
-        <p:spPr>
-          <a:xfrm>
-            <a:off x="4827341" y="5161518"/>
-            <a:ext cx="797172" cy="237671"/>
-          </a:xfrm>
-          <a:prstGeom prst="rightArrow">
-            <a:avLst/>
-          </a:prstGeom>
-        </p:spPr>
-        <p:style>
-          <a:lnRef idx="2">
-            <a:schemeClr val="accent1">
-              <a:shade val="50000"/>
-            </a:schemeClr>
-          </a:lnRef>
-          <a:fillRef idx="1">
-            <a:schemeClr val="accent1"/>
-          </a:fillRef>
-          <a:effectRef idx="0">
-            <a:schemeClr val="accent1"/>
-          </a:effectRef>
-          <a:fontRef idx="minor">
-            <a:schemeClr val="lt1"/>
-          </a:fontRef>
-        </p:style>
-        <p:txBody>
-          <a:bodyPr rtlCol="0" anchor="ctr"/>
-          <a:lstStyle/>
-          <a:p>
-            <a:pPr algn="ctr"/>
-            <a:endParaRPr kumimoji="1" lang="ko-Kore-KR" altLang="en-US"/>
-          </a:p>
-        </p:txBody>
-      </p:sp>
-      <p:sp>
-        <p:nvSpPr>
-          <p:cNvPr id="16" name="오른쪽 화살표[R] 15">
-            <a:extLst>
-              <a:ext uri="{FF2B5EF4-FFF2-40B4-BE49-F238E27FC236}">
-                <a16:creationId xmlns:a16="http://schemas.microsoft.com/office/drawing/2014/main" id="{1916ED79-7519-C5C0-8685-C4C9133EA106}"/>
-              </a:ext>
-            </a:extLst>
-          </p:cNvPr>
-          <p:cNvSpPr/>
-          <p:nvPr/>
-        </p:nvSpPr>
-        <p:spPr>
-          <a:xfrm>
-            <a:off x="3954093" y="6049236"/>
-            <a:ext cx="618322" cy="259693"/>
-          </a:xfrm>
-          <a:prstGeom prst="rightArrow">
-            <a:avLst/>
-          </a:prstGeom>
-        </p:spPr>
-        <p:style>
-          <a:lnRef idx="2">
-            <a:schemeClr val="accent1">
-              <a:shade val="50000"/>
-            </a:schemeClr>
-          </a:lnRef>
-          <a:fillRef idx="1">
-            <a:schemeClr val="accent1"/>
-          </a:fillRef>
-          <a:effectRef idx="0">
-            <a:schemeClr val="accent1"/>
-          </a:effectRef>
-          <a:fontRef idx="minor">
-            <a:schemeClr val="lt1"/>
-          </a:fontRef>
-        </p:style>
-        <p:txBody>
-          <a:bodyPr rtlCol="0" anchor="ctr"/>
-          <a:lstStyle/>
-          <a:p>
-            <a:pPr algn="ctr"/>
-            <a:endParaRPr kumimoji="1" lang="ko-Kore-KR" altLang="en-US"/>
-          </a:p>
-        </p:txBody>
-      </p:sp>
-    </p:spTree>
-    <p:extLst>
-      <p:ext uri="{BB962C8B-B14F-4D97-AF65-F5344CB8AC3E}">
-        <p14:creationId xmlns:p14="http://schemas.microsoft.com/office/powerpoint/2010/main" val="3858433803"/>
-      </p:ext>
-    </p:extLst>
-  </p:cSld>
-  <p:clrMapOvr>
-    <a:masterClrMapping/>
-  </p:clrMapOvr>
-</p:sld>
-</file>
-
-<file path=ppt/slides/slide14.xml><?xml version="1.0" encoding="utf-8"?>
-<p:sld xmlns:a="http://schemas.openxmlformats.org/drawingml/2006/main" xmlns:r="http://schemas.openxmlformats.org/officeDocument/2006/relationships" xmlns:p="http://schemas.openxmlformats.org/presentationml/2006/main">
-  <p:cSld>
-    <p:spTree>
-      <p:nvGrpSpPr>
-        <p:cNvPr id="1" name=""/>
-        <p:cNvGrpSpPr/>
-        <p:nvPr/>
-      </p:nvGrpSpPr>
-      <p:grpSpPr>
-        <a:xfrm>
-          <a:off x="0" y="0"/>
-          <a:ext cx="0" cy="0"/>
-          <a:chOff x="0" y="0"/>
-          <a:chExt cx="0" cy="0"/>
-        </a:xfrm>
-      </p:grpSpPr>
-      <p:sp>
-        <p:nvSpPr>
-          <p:cNvPr id="3" name="내용 개체 틀 2">
-            <a:extLst>
-              <a:ext uri="{FF2B5EF4-FFF2-40B4-BE49-F238E27FC236}">
-                <a16:creationId xmlns:a16="http://schemas.microsoft.com/office/drawing/2014/main" id="{AAEBCB33-4BF9-55BB-C098-6E2D866DBD93}"/>
-              </a:ext>
-            </a:extLst>
-          </p:cNvPr>
-          <p:cNvSpPr>
-            <a:spLocks noGrp="1"/>
-          </p:cNvSpPr>
-          <p:nvPr>
-            <p:ph idx="1"/>
-          </p:nvPr>
-        </p:nvSpPr>
-        <p:spPr>
-          <a:xfrm>
-            <a:off x="451574" y="472543"/>
-            <a:ext cx="11300614" cy="6222830"/>
-          </a:xfrm>
-        </p:spPr>
-        <p:txBody>
-          <a:bodyPr/>
-          <a:lstStyle/>
-          <a:p>
-            <a:pPr marL="514350" indent="-514350">
-              <a:buFont typeface="+mj-lt"/>
-              <a:buAutoNum type="arabicPeriod" startAt="2"/>
-            </a:pPr>
-            <a:r>
-              <a:rPr kumimoji="1" lang="ko-KR" altLang="en-US" dirty="0" err="1"/>
-              <a:t>반복문</a:t>
-            </a:r>
-            <a:r>
-              <a:rPr kumimoji="1" lang="ko-KR" altLang="en-US" dirty="0"/>
-              <a:t> </a:t>
-            </a:r>
-            <a:r>
-              <a:rPr kumimoji="1" lang="en-US" altLang="ko-KR" dirty="0"/>
-              <a:t>for</a:t>
-            </a:r>
-            <a:r>
-              <a:rPr kumimoji="1" lang="ko-KR" altLang="en-US" dirty="0"/>
-              <a:t> </a:t>
-            </a:r>
-            <a:r>
-              <a:rPr kumimoji="1" lang="en-US" altLang="ko-KR" dirty="0"/>
-              <a:t>–</a:t>
-            </a:r>
-            <a:r>
-              <a:rPr kumimoji="1" lang="ko-KR" altLang="en-US" dirty="0"/>
-              <a:t> 간단한 </a:t>
-            </a:r>
-            <a:r>
-              <a:rPr kumimoji="1" lang="en-US" altLang="ko-KR" dirty="0"/>
-              <a:t>for</a:t>
-            </a:r>
-            <a:r>
-              <a:rPr kumimoji="1" lang="ko-KR" altLang="en-US" dirty="0"/>
-              <a:t>문 리스트 </a:t>
-            </a:r>
-            <a:r>
-              <a:rPr kumimoji="1" lang="ko-KR" altLang="en-US" dirty="0" err="1"/>
-              <a:t>컴플리헨션</a:t>
-            </a:r>
-            <a:endParaRPr kumimoji="1" lang="en-US" altLang="ko-KR" dirty="0"/>
-          </a:p>
-          <a:p>
-            <a:pPr marL="514350" indent="-514350">
-              <a:buFont typeface="+mj-lt"/>
-              <a:buAutoNum type="arabicPeriod" startAt="2"/>
-            </a:pPr>
-            <a:endParaRPr kumimoji="1" lang="en-US" altLang="ko-KR" dirty="0"/>
-          </a:p>
-          <a:p>
-            <a:pPr marL="971550" lvl="1" indent="-514350">
-              <a:buFont typeface="+mj-lt"/>
-              <a:buAutoNum type="arabicPeriod"/>
-            </a:pPr>
-            <a:r>
-              <a:rPr kumimoji="1" lang="ko-KR" altLang="en-US" dirty="0" err="1"/>
-              <a:t>삼항연산자와</a:t>
-            </a:r>
-            <a:r>
-              <a:rPr kumimoji="1" lang="ko-KR" altLang="en-US" dirty="0"/>
-              <a:t> 비슷하게 한 줄로 간단히 표현하기 위한 </a:t>
-            </a:r>
-            <a:r>
-              <a:rPr kumimoji="1" lang="en-US" altLang="ko-KR" dirty="0"/>
-              <a:t>for</a:t>
-            </a:r>
-            <a:r>
-              <a:rPr kumimoji="1" lang="ko-KR" altLang="en-US" dirty="0"/>
-              <a:t>문</a:t>
-            </a:r>
-            <a:endParaRPr kumimoji="1" lang="en-US" altLang="ko-KR" dirty="0"/>
-          </a:p>
-          <a:p>
-            <a:pPr marL="971550" lvl="1" indent="-514350">
-              <a:buFont typeface="+mj-lt"/>
-              <a:buAutoNum type="arabicPeriod"/>
-            </a:pPr>
-            <a:endParaRPr kumimoji="1" lang="en-US" altLang="ko-KR" dirty="0"/>
-          </a:p>
-          <a:p>
-            <a:pPr marL="971550" lvl="1" indent="-514350">
-              <a:buFont typeface="+mj-lt"/>
-              <a:buAutoNum type="arabicPeriod"/>
-            </a:pPr>
-            <a:endParaRPr kumimoji="1" lang="en-US" altLang="ko-KR" dirty="0"/>
-          </a:p>
-          <a:p>
-            <a:pPr marL="971550" lvl="1" indent="-514350">
-              <a:buFont typeface="+mj-lt"/>
-              <a:buAutoNum type="arabicPeriod"/>
-            </a:pPr>
-            <a:endParaRPr kumimoji="1" lang="en-US" altLang="ko-KR" dirty="0"/>
-          </a:p>
-          <a:p>
-            <a:pPr marL="971550" lvl="1" indent="-514350">
-              <a:buFont typeface="+mj-lt"/>
-              <a:buAutoNum type="arabicPeriod"/>
-            </a:pPr>
-            <a:endParaRPr kumimoji="1" lang="en-US" altLang="ko-KR" dirty="0"/>
-          </a:p>
-          <a:p>
-            <a:pPr marL="971550" lvl="1" indent="-514350">
-              <a:buFont typeface="+mj-lt"/>
-              <a:buAutoNum type="arabicPeriod"/>
-            </a:pPr>
-            <a:endParaRPr kumimoji="1" lang="en-US" altLang="ko-KR" dirty="0"/>
-          </a:p>
-          <a:p>
-            <a:pPr marL="971550" lvl="1" indent="-514350">
-              <a:buFont typeface="+mj-lt"/>
-              <a:buAutoNum type="arabicPeriod"/>
-            </a:pPr>
-            <a:r>
-              <a:rPr kumimoji="1" lang="ko-KR" altLang="en-US" dirty="0" err="1"/>
-              <a:t>컴프리헨션</a:t>
-            </a:r>
-            <a:r>
-              <a:rPr kumimoji="1" lang="ko-KR" altLang="en-US" dirty="0"/>
-              <a:t> 내부에서도 </a:t>
-            </a:r>
-            <a:r>
-              <a:rPr kumimoji="1" lang="en-US" altLang="ko-KR" dirty="0"/>
-              <a:t>if </a:t>
-            </a:r>
-            <a:r>
-              <a:rPr kumimoji="1" lang="ko-KR" altLang="en-US" dirty="0"/>
-              <a:t>사용 가능하다</a:t>
-            </a:r>
-            <a:endParaRPr kumimoji="1" lang="en-US" altLang="ko-KR" dirty="0"/>
-          </a:p>
-          <a:p>
-            <a:pPr marL="971550" lvl="1" indent="-514350">
-              <a:buFont typeface="+mj-lt"/>
-              <a:buAutoNum type="arabicPeriod"/>
-            </a:pPr>
-            <a:endParaRPr kumimoji="1" lang="en-US" altLang="ko-KR" dirty="0"/>
-          </a:p>
-          <a:p>
-            <a:pPr marL="971550" lvl="1" indent="-514350">
-              <a:buFont typeface="+mj-lt"/>
-              <a:buAutoNum type="arabicPeriod"/>
-            </a:pPr>
-            <a:endParaRPr kumimoji="1" lang="en-US" altLang="ko-KR" dirty="0"/>
-          </a:p>
-          <a:p>
-            <a:pPr marL="457200" lvl="1" indent="0">
-              <a:buNone/>
-            </a:pPr>
-            <a:endParaRPr kumimoji="1" lang="en-US" altLang="ko-KR" dirty="0"/>
-          </a:p>
-          <a:p>
-            <a:pPr marL="971550" lvl="1" indent="-514350">
-              <a:buFont typeface="+mj-lt"/>
-              <a:buAutoNum type="arabicPeriod"/>
-            </a:pPr>
-            <a:endParaRPr kumimoji="1" lang="en-US" altLang="ko-KR" dirty="0"/>
-          </a:p>
-        </p:txBody>
-      </p:sp>
-      <p:pic>
-        <p:nvPicPr>
-          <p:cNvPr id="2" name="그림 1">
-            <a:extLst>
-              <a:ext uri="{FF2B5EF4-FFF2-40B4-BE49-F238E27FC236}">
-                <a16:creationId xmlns:a16="http://schemas.microsoft.com/office/drawing/2014/main" id="{F092461C-ED33-6B6C-B3D9-61189320FF32}"/>
-              </a:ext>
-            </a:extLst>
-          </p:cNvPr>
-          <p:cNvPicPr>
-            <a:picLocks noChangeAspect="1"/>
-          </p:cNvPicPr>
-          <p:nvPr/>
-        </p:nvPicPr>
-        <p:blipFill>
-          <a:blip r:embed="rId2"/>
-          <a:stretch>
-            <a:fillRect/>
-          </a:stretch>
-        </p:blipFill>
-        <p:spPr>
-          <a:xfrm>
-            <a:off x="1186543" y="2142672"/>
-            <a:ext cx="3657600" cy="635000"/>
-          </a:xfrm>
-          <a:prstGeom prst="rect">
-            <a:avLst/>
-          </a:prstGeom>
-        </p:spPr>
-      </p:pic>
-      <p:pic>
-        <p:nvPicPr>
-          <p:cNvPr id="4" name="그림 3">
-            <a:extLst>
-              <a:ext uri="{FF2B5EF4-FFF2-40B4-BE49-F238E27FC236}">
-                <a16:creationId xmlns:a16="http://schemas.microsoft.com/office/drawing/2014/main" id="{94CCDEF2-E11B-4638-CAAB-514DB035310E}"/>
-              </a:ext>
-            </a:extLst>
-          </p:cNvPr>
-          <p:cNvPicPr>
-            <a:picLocks noChangeAspect="1"/>
-          </p:cNvPicPr>
-          <p:nvPr/>
-        </p:nvPicPr>
-        <p:blipFill>
-          <a:blip r:embed="rId3"/>
-          <a:stretch>
-            <a:fillRect/>
-          </a:stretch>
-        </p:blipFill>
-        <p:spPr>
-          <a:xfrm>
-            <a:off x="5785757" y="2114051"/>
-            <a:ext cx="2667000" cy="1181100"/>
-          </a:xfrm>
-          <a:prstGeom prst="rect">
-            <a:avLst/>
-          </a:prstGeom>
-        </p:spPr>
-      </p:pic>
-      <p:pic>
-        <p:nvPicPr>
-          <p:cNvPr id="5" name="그림 4">
-            <a:extLst>
-              <a:ext uri="{FF2B5EF4-FFF2-40B4-BE49-F238E27FC236}">
-                <a16:creationId xmlns:a16="http://schemas.microsoft.com/office/drawing/2014/main" id="{E19F557A-55BC-1F2B-4D74-BCA9F2236B68}"/>
-              </a:ext>
-            </a:extLst>
-          </p:cNvPr>
-          <p:cNvPicPr>
-            <a:picLocks noChangeAspect="1"/>
-          </p:cNvPicPr>
-          <p:nvPr/>
-        </p:nvPicPr>
-        <p:blipFill>
-          <a:blip r:embed="rId4"/>
-          <a:stretch>
-            <a:fillRect/>
-          </a:stretch>
-        </p:blipFill>
-        <p:spPr>
-          <a:xfrm>
-            <a:off x="1197429" y="4420587"/>
-            <a:ext cx="5651500" cy="558800"/>
-          </a:xfrm>
-          <a:prstGeom prst="rect">
-            <a:avLst/>
-          </a:prstGeom>
-        </p:spPr>
-      </p:pic>
-      <p:pic>
-        <p:nvPicPr>
-          <p:cNvPr id="6" name="그림 5">
-            <a:extLst>
-              <a:ext uri="{FF2B5EF4-FFF2-40B4-BE49-F238E27FC236}">
-                <a16:creationId xmlns:a16="http://schemas.microsoft.com/office/drawing/2014/main" id="{A329B4FF-4E32-C615-18DF-601418E3847D}"/>
-              </a:ext>
-            </a:extLst>
-          </p:cNvPr>
-          <p:cNvPicPr>
-            <a:picLocks noChangeAspect="1"/>
-          </p:cNvPicPr>
-          <p:nvPr/>
-        </p:nvPicPr>
-        <p:blipFill>
-          <a:blip r:embed="rId5"/>
-          <a:stretch>
-            <a:fillRect/>
-          </a:stretch>
-        </p:blipFill>
-        <p:spPr>
-          <a:xfrm>
-            <a:off x="7357458" y="4420587"/>
-            <a:ext cx="1295400" cy="355600"/>
-          </a:xfrm>
-          <a:prstGeom prst="rect">
-            <a:avLst/>
-          </a:prstGeom>
-        </p:spPr>
-      </p:pic>
-    </p:spTree>
-    <p:extLst>
-      <p:ext uri="{BB962C8B-B14F-4D97-AF65-F5344CB8AC3E}">
-        <p14:creationId xmlns:p14="http://schemas.microsoft.com/office/powerpoint/2010/main" val="889282096"/>
       </p:ext>
     </p:extLst>
   </p:cSld>
@@ -5713,23 +3488,97 @@
           </a:xfrm>
         </p:spPr>
         <p:txBody>
-          <a:bodyPr/>
+          <a:bodyPr>
+            <a:normAutofit/>
+          </a:bodyPr>
           <a:lstStyle/>
           <a:p>
             <a:pPr marL="0" indent="0">
               <a:buNone/>
             </a:pPr>
             <a:r>
+              <a:rPr kumimoji="1" lang="ko-KR" altLang="en-US" dirty="0"/>
+              <a:t>함수</a:t>
+            </a:r>
+            <a:endParaRPr kumimoji="1" lang="en-US" altLang="ko-KR" dirty="0"/>
+          </a:p>
+          <a:p>
+            <a:pPr marL="514350" indent="-514350">
+              <a:buFont typeface="+mj-lt"/>
+              <a:buAutoNum type="arabicPeriod"/>
+            </a:pPr>
+            <a:endParaRPr kumimoji="1" lang="en-US" altLang="ko-KR" dirty="0"/>
+          </a:p>
+          <a:p>
+            <a:pPr marL="914400" lvl="1" indent="-457200">
+              <a:buFont typeface="+mj-lt"/>
+              <a:buAutoNum type="arabicPeriod"/>
+            </a:pPr>
+            <a:r>
+              <a:rPr kumimoji="1" lang="ko-KR" altLang="en-US" dirty="0"/>
+              <a:t>함수의 정의와 사용 이유</a:t>
+            </a:r>
+            <a:endParaRPr kumimoji="1" lang="en-US" altLang="ko-KR" dirty="0"/>
+          </a:p>
+          <a:p>
+            <a:pPr marL="914400" lvl="1" indent="-457200">
+              <a:buFont typeface="+mj-lt"/>
+              <a:buAutoNum type="arabicPeriod"/>
+            </a:pPr>
+            <a:endParaRPr kumimoji="1" lang="en-US" altLang="ko-KR" dirty="0"/>
+          </a:p>
+          <a:p>
+            <a:pPr marL="914400" lvl="1" indent="-457200">
+              <a:buFont typeface="+mj-lt"/>
+              <a:buAutoNum type="arabicPeriod"/>
+            </a:pPr>
+            <a:r>
+              <a:rPr kumimoji="1" lang="ko-KR" altLang="en-US" dirty="0"/>
+              <a:t>함수의 구조</a:t>
+            </a:r>
+            <a:endParaRPr kumimoji="1" lang="en-US" altLang="ko-KR" dirty="0"/>
+          </a:p>
+          <a:p>
+            <a:pPr marL="1371600" lvl="2" indent="-457200">
+              <a:buFont typeface="+mj-lt"/>
+              <a:buAutoNum type="arabicPeriod"/>
+            </a:pPr>
+            <a:r>
+              <a:rPr kumimoji="1" lang="ko-KR" altLang="en-US" dirty="0"/>
+              <a:t>매개변수와 인수</a:t>
+            </a:r>
+            <a:endParaRPr kumimoji="1" lang="en-US" altLang="ko-KR" dirty="0"/>
+          </a:p>
+          <a:p>
+            <a:pPr marL="1371600" lvl="2" indent="-457200">
+              <a:buFont typeface="+mj-lt"/>
+              <a:buAutoNum type="arabicPeriod"/>
+            </a:pPr>
+            <a:r>
               <a:rPr kumimoji="1" lang="ko-KR" altLang="en-US" dirty="0" err="1"/>
-              <a:t>제어문</a:t>
+              <a:t>입력값과</a:t>
+            </a:r>
+            <a:r>
+              <a:rPr kumimoji="1" lang="ko-KR" altLang="en-US" dirty="0"/>
+              <a:t> 결과값에 따른 함수의 형태</a:t>
             </a:r>
             <a:endParaRPr kumimoji="1" lang="en-US" altLang="ko-KR" dirty="0"/>
           </a:p>
           <a:p>
-            <a:pPr marL="514350" indent="-514350">
+            <a:pPr marL="457200" lvl="1" indent="0">
+              <a:buNone/>
+            </a:pPr>
+            <a:endParaRPr kumimoji="1" lang="en-US" altLang="ko-KR" dirty="0"/>
+          </a:p>
+          <a:p>
+            <a:pPr marL="914400" lvl="1" indent="-457200">
               <a:buFont typeface="+mj-lt"/>
               <a:buAutoNum type="arabicPeriod"/>
             </a:pPr>
+            <a:r>
+              <a:rPr kumimoji="1" lang="ko-KR" altLang="en-US" dirty="0"/>
+              <a:t>매개변수 심화</a:t>
+            </a:r>
             <a:endParaRPr kumimoji="1" lang="en-US" altLang="ko-KR" dirty="0"/>
           </a:p>
           <a:p>
@@ -5737,24 +3586,38 @@
               <a:buFont typeface="+mj-lt"/>
               <a:buAutoNum type="arabicPeriod"/>
             </a:pPr>
+            <a:endParaRPr kumimoji="1" lang="en-US" altLang="ko-KR" dirty="0"/>
+          </a:p>
+          <a:p>
+            <a:pPr marL="914400" lvl="1" indent="-457200">
+              <a:buFont typeface="+mj-lt"/>
+              <a:buAutoNum type="arabicPeriod"/>
+            </a:pPr>
+            <a:r>
+              <a:rPr kumimoji="1" lang="en-US" altLang="ko-KR" dirty="0"/>
+              <a:t>return </a:t>
+            </a:r>
             <a:r>
               <a:rPr kumimoji="1" lang="ko-KR" altLang="en-US" dirty="0"/>
-              <a:t>조건문</a:t>
+              <a:t>심화</a:t>
             </a:r>
             <a:endParaRPr kumimoji="1" lang="en-US" altLang="ko-KR" dirty="0"/>
           </a:p>
           <a:p>
-            <a:pPr marL="1371600" lvl="2" indent="-457200">
+            <a:pPr marL="914400" lvl="1" indent="-457200">
               <a:buFont typeface="+mj-lt"/>
               <a:buAutoNum type="arabicPeriod"/>
             </a:pPr>
-            <a:r>
-              <a:rPr kumimoji="1" lang="en-US" altLang="ko-KR" dirty="0"/>
-              <a:t>if</a:t>
-            </a:r>
+            <a:endParaRPr kumimoji="1" lang="en-US" altLang="ko-KR" dirty="0"/>
+          </a:p>
+          <a:p>
+            <a:pPr marL="914400" lvl="1" indent="-457200">
+              <a:buFont typeface="+mj-lt"/>
+              <a:buAutoNum type="arabicPeriod"/>
+            </a:pPr>
             <a:r>
               <a:rPr kumimoji="1" lang="ko-KR" altLang="en-US" dirty="0"/>
-              <a:t>문</a:t>
+              <a:t>변수의 범위</a:t>
             </a:r>
             <a:endParaRPr kumimoji="1" lang="en-US" altLang="ko-KR" dirty="0"/>
           </a:p>
@@ -5771,38 +3634,8 @@
               <a:buAutoNum type="arabicPeriod"/>
             </a:pPr>
             <a:r>
-              <a:rPr kumimoji="1" lang="ko-KR" altLang="en-US" dirty="0" err="1"/>
-              <a:t>반복문</a:t>
-            </a:r>
-            <a:endParaRPr kumimoji="1" lang="en-US" altLang="ko-KR" dirty="0"/>
-          </a:p>
-          <a:p>
-            <a:pPr marL="1371600" lvl="2" indent="-457200">
-              <a:buFont typeface="+mj-lt"/>
-              <a:buAutoNum type="arabicPeriod"/>
-            </a:pPr>
-            <a:r>
-              <a:rPr kumimoji="1" lang="en-US" altLang="ko-KR" dirty="0"/>
-              <a:t>while</a:t>
-            </a:r>
-            <a:r>
-              <a:rPr kumimoji="1" lang="ko-KR" altLang="en-US" dirty="0"/>
-              <a:t>문</a:t>
-            </a:r>
-            <a:endParaRPr kumimoji="1" lang="en-US" altLang="ko-KR" dirty="0"/>
-          </a:p>
-          <a:p>
-            <a:pPr marL="1371600" lvl="2" indent="-457200">
-              <a:buFont typeface="+mj-lt"/>
-              <a:buAutoNum type="arabicPeriod"/>
-            </a:pPr>
-            <a:r>
-              <a:rPr kumimoji="1" lang="en-US" altLang="ko-KR" dirty="0"/>
-              <a:t>for</a:t>
-            </a:r>
-            <a:r>
-              <a:rPr kumimoji="1" lang="ko-KR" altLang="en-US" dirty="0"/>
-              <a:t>문</a:t>
+              <a:rPr kumimoji="1" lang="en-US" altLang="ko-KR" dirty="0" err="1"/>
+              <a:t>Lamda</a:t>
             </a:r>
             <a:endParaRPr kumimoji="1" lang="en-US" altLang="ko-KR" dirty="0"/>
           </a:p>
@@ -5884,46 +3717,56 @@
             </a:pPr>
             <a:r>
               <a:rPr kumimoji="1" lang="ko-KR" altLang="en-US" dirty="0"/>
-              <a:t>조건문 </a:t>
+              <a:t>함수의 정의와 사용이유</a:t>
+            </a:r>
+            <a:endParaRPr kumimoji="1" lang="en-US" altLang="ko-KR" dirty="0"/>
+          </a:p>
+          <a:p>
+            <a:pPr marL="514350" indent="-514350">
+              <a:buFont typeface="+mj-lt"/>
+              <a:buAutoNum type="arabicPeriod"/>
+            </a:pPr>
+            <a:endParaRPr kumimoji="1" lang="en-US" altLang="ko-KR" dirty="0"/>
+          </a:p>
+          <a:p>
+            <a:pPr marL="971550" lvl="1" indent="-514350">
+              <a:buFont typeface="+mj-lt"/>
+              <a:buAutoNum type="arabicPeriod"/>
+            </a:pPr>
+            <a:r>
+              <a:rPr kumimoji="1" lang="ko-KR" altLang="en-US" dirty="0" err="1"/>
+              <a:t>입력값을</a:t>
+            </a:r>
+            <a:r>
+              <a:rPr kumimoji="1" lang="ko-KR" altLang="en-US" dirty="0"/>
+              <a:t> 통해 어떠한 과정을 수행 후</a:t>
             </a:r>
             <a:r>
               <a:rPr kumimoji="1" lang="en-US" altLang="ko-KR" dirty="0"/>
-              <a:t>if</a:t>
-            </a:r>
-          </a:p>
-          <a:p>
-            <a:pPr marL="514350" indent="-514350">
+              <a:t>,</a:t>
+            </a:r>
+            <a:r>
+              <a:rPr kumimoji="1" lang="ko-KR" altLang="en-US" dirty="0"/>
+              <a:t> 그 결과 물을 받는 것</a:t>
+            </a:r>
+            <a:endParaRPr kumimoji="1" lang="en-US" altLang="ko-KR" dirty="0"/>
+          </a:p>
+          <a:p>
+            <a:pPr marL="1428750" lvl="2" indent="-514350">
               <a:buFont typeface="+mj-lt"/>
               <a:buAutoNum type="arabicPeriod"/>
             </a:pPr>
-            <a:endParaRPr kumimoji="1" lang="en-US" altLang="ko-KR" dirty="0"/>
-          </a:p>
-          <a:p>
-            <a:pPr marL="971550" lvl="1" indent="-514350">
-              <a:buFont typeface="+mj-lt"/>
-              <a:buAutoNum type="arabicPeriod"/>
-            </a:pPr>
             <a:r>
               <a:rPr kumimoji="1" lang="ko-KR" altLang="en-US" dirty="0"/>
-              <a:t>조건에 따라 분기를 태우기 위해 사용되는 명령</a:t>
-            </a:r>
-            <a:endParaRPr kumimoji="1" lang="en-US" altLang="ko-KR" dirty="0"/>
-          </a:p>
-          <a:p>
-            <a:pPr marL="971550" lvl="1" indent="-514350">
-              <a:buFont typeface="+mj-lt"/>
-              <a:buAutoNum type="arabicPeriod"/>
-            </a:pPr>
-            <a:endParaRPr kumimoji="1" lang="en-US" altLang="ko-KR" dirty="0"/>
-          </a:p>
-          <a:p>
-            <a:pPr marL="971550" lvl="1" indent="-514350">
-              <a:buFont typeface="+mj-lt"/>
-              <a:buAutoNum type="arabicPeriod"/>
-            </a:pPr>
+              <a:t>수학에서의 </a:t>
+            </a:r>
+            <a:r>
+              <a:rPr kumimoji="1" lang="en-US" altLang="ko-KR" dirty="0"/>
+              <a:t>f(x) = x + 3 </a:t>
+            </a:r>
             <a:r>
               <a:rPr kumimoji="1" lang="ko-KR" altLang="en-US" dirty="0"/>
-              <a:t>다른 언어와 다르게 괄호로 구분이 아닌 들여쓰기로 구분이 된다</a:t>
+              <a:t>과 같은 역할을 한다</a:t>
             </a:r>
             <a:r>
               <a:rPr kumimoji="1" lang="en-US" altLang="ko-KR" dirty="0"/>
@@ -5931,20 +3774,71 @@
             </a:r>
           </a:p>
           <a:p>
+            <a:pPr marL="1428750" lvl="2" indent="-514350">
+              <a:buFont typeface="+mj-lt"/>
+              <a:buAutoNum type="arabicPeriod"/>
+            </a:pPr>
+            <a:endParaRPr kumimoji="1" lang="en-US" altLang="ko-KR" dirty="0"/>
+          </a:p>
+          <a:p>
+            <a:pPr marL="1428750" lvl="2" indent="-514350">
+              <a:buFont typeface="+mj-lt"/>
+              <a:buAutoNum type="arabicPeriod"/>
+            </a:pPr>
+            <a:endParaRPr kumimoji="1" lang="en-US" altLang="ko-KR" dirty="0"/>
+          </a:p>
+          <a:p>
             <a:pPr marL="971550" lvl="1" indent="-514350">
               <a:buFont typeface="+mj-lt"/>
               <a:buAutoNum type="arabicPeriod"/>
             </a:pPr>
-            <a:endParaRPr kumimoji="1" lang="en-US" altLang="ko-KR" dirty="0"/>
+            <a:r>
+              <a:rPr kumimoji="1" lang="ko-KR" altLang="en-US" dirty="0"/>
+              <a:t>서로 다른 데이터를 같은 작업을 통해 서로 다른 결과를 얻기 위해 즉</a:t>
+            </a:r>
+            <a:r>
+              <a:rPr kumimoji="1" lang="en-US" altLang="ko-KR" dirty="0"/>
+              <a:t>,</a:t>
+            </a:r>
+            <a:r>
+              <a:rPr kumimoji="1" lang="ko-KR" altLang="en-US" dirty="0"/>
+              <a:t> 반복적인 작업이 필요할 때 사용한다</a:t>
+            </a:r>
+            <a:r>
+              <a:rPr kumimoji="1" lang="en-US" altLang="ko-KR" dirty="0"/>
+              <a:t>.</a:t>
+            </a:r>
+          </a:p>
+          <a:p>
+            <a:pPr marL="1428750" lvl="2" indent="-514350">
+              <a:buFont typeface="+mj-lt"/>
+              <a:buAutoNum type="arabicPeriod"/>
+            </a:pPr>
+            <a:r>
+              <a:rPr kumimoji="1" lang="ko-KR" altLang="en-US" dirty="0"/>
+              <a:t>함수를 이용해야 코드가 간결해지고</a:t>
+            </a:r>
+            <a:r>
+              <a:rPr kumimoji="1" lang="en-US" altLang="ko-KR" dirty="0"/>
+              <a:t>, </a:t>
+            </a:r>
+            <a:r>
+              <a:rPr kumimoji="1" lang="ko-KR" altLang="en-US" dirty="0"/>
+              <a:t> 에러의 위치를 빠르게 확인 할 수 있다</a:t>
+            </a:r>
+            <a:r>
+              <a:rPr kumimoji="1" lang="en-US" altLang="ko-KR" dirty="0"/>
+              <a:t>.</a:t>
+            </a:r>
           </a:p>
         </p:txBody>
       </p:sp>
       <p:pic>
         <p:nvPicPr>
-          <p:cNvPr id="4" name="그림 3">
-            <a:extLst>
-              <a:ext uri="{FF2B5EF4-FFF2-40B4-BE49-F238E27FC236}">
-                <a16:creationId xmlns:a16="http://schemas.microsoft.com/office/drawing/2014/main" id="{4C1E2F77-12DE-3A6E-5A90-942424B154F8}"/>
+          <p:cNvPr id="2" name="그림 1">
+            <a:extLst>
+              <a:ext uri="{FF2B5EF4-FFF2-40B4-BE49-F238E27FC236}">
+                <a16:creationId xmlns:a16="http://schemas.microsoft.com/office/drawing/2014/main" id="{2823BEE7-B54C-4348-775B-0A2F6BC54954}"/>
               </a:ext>
             </a:extLst>
           </p:cNvPr>
@@ -5961,38 +3855,8 @@
         </p:blipFill>
         <p:spPr>
           <a:xfrm>
-            <a:off x="703757" y="3429000"/>
-            <a:ext cx="4559300" cy="2324100"/>
-          </a:xfrm>
-          <a:prstGeom prst="rect">
-            <a:avLst/>
-          </a:prstGeom>
-        </p:spPr>
-      </p:pic>
-      <p:pic>
-        <p:nvPicPr>
-          <p:cNvPr id="5" name="그림 4">
-            <a:extLst>
-              <a:ext uri="{FF2B5EF4-FFF2-40B4-BE49-F238E27FC236}">
-                <a16:creationId xmlns:a16="http://schemas.microsoft.com/office/drawing/2014/main" id="{11A3B165-2F57-E559-4429-8C3F87E44136}"/>
-              </a:ext>
-            </a:extLst>
-          </p:cNvPr>
-          <p:cNvPicPr>
-            <a:picLocks noChangeAspect="1"/>
-          </p:cNvPicPr>
-          <p:nvPr/>
-        </p:nvPicPr>
-        <p:blipFill>
-          <a:blip r:embed="rId3"/>
-          <a:stretch>
-            <a:fillRect/>
-          </a:stretch>
-        </p:blipFill>
-        <p:spPr>
-          <a:xfrm>
-            <a:off x="6096000" y="3397747"/>
-            <a:ext cx="1638300" cy="2387600"/>
+            <a:off x="2559050" y="4135322"/>
+            <a:ext cx="7073900" cy="2184400"/>
           </a:xfrm>
           <a:prstGeom prst="rect">
             <a:avLst/>
@@ -6057,154 +3921,29 @@
           <a:p>
             <a:pPr marL="514350" indent="-514350">
               <a:buFont typeface="+mj-lt"/>
+              <a:buAutoNum type="arabicPeriod" startAt="2"/>
+            </a:pPr>
+            <a:r>
+              <a:rPr kumimoji="1" lang="ko-KR" altLang="en-US" dirty="0"/>
+              <a:t>함수의 구조</a:t>
+            </a:r>
+            <a:endParaRPr kumimoji="1" lang="en-US" altLang="ko-KR" dirty="0"/>
+          </a:p>
+          <a:p>
+            <a:pPr marL="514350" indent="-514350">
+              <a:buFont typeface="+mj-lt"/>
+              <a:buAutoNum type="arabicPeriod" startAt="2"/>
+            </a:pPr>
+            <a:endParaRPr kumimoji="1" lang="en-US" altLang="ko-KR" dirty="0"/>
+          </a:p>
+          <a:p>
+            <a:pPr marL="971550" lvl="1" indent="-514350">
+              <a:buFont typeface="+mj-lt"/>
               <a:buAutoNum type="arabicPeriod"/>
             </a:pPr>
             <a:r>
               <a:rPr kumimoji="1" lang="ko-KR" altLang="en-US" dirty="0"/>
-              <a:t>조건문 </a:t>
-            </a:r>
-            <a:r>
-              <a:rPr kumimoji="1" lang="en-US" altLang="ko-KR" dirty="0"/>
-              <a:t>If</a:t>
-            </a:r>
-            <a:r>
-              <a:rPr kumimoji="1" lang="ko-KR" altLang="en-US" dirty="0"/>
-              <a:t> </a:t>
-            </a:r>
-            <a:r>
-              <a:rPr kumimoji="1" lang="en-US" altLang="ko-KR" dirty="0"/>
-              <a:t>–</a:t>
-            </a:r>
-            <a:r>
-              <a:rPr kumimoji="1" lang="ko-KR" altLang="en-US" dirty="0"/>
-              <a:t> 조건식</a:t>
-            </a:r>
-            <a:r>
-              <a:rPr kumimoji="1" lang="en-US" altLang="ko-KR" dirty="0"/>
-              <a:t>(</a:t>
-            </a:r>
-            <a:r>
-              <a:rPr kumimoji="1" lang="ko-KR" altLang="en-US" dirty="0"/>
-              <a:t>비교 연산자</a:t>
-            </a:r>
-            <a:r>
-              <a:rPr kumimoji="1" lang="en-US" altLang="ko-KR" dirty="0"/>
-              <a:t>)</a:t>
-            </a:r>
-          </a:p>
-          <a:p>
-            <a:pPr marL="514350" indent="-514350">
-              <a:buFont typeface="+mj-lt"/>
-              <a:buAutoNum type="arabicPeriod"/>
-            </a:pPr>
-            <a:endParaRPr kumimoji="1" lang="en-US" altLang="ko-KR" dirty="0"/>
-          </a:p>
-          <a:p>
-            <a:pPr marL="971550" lvl="1" indent="-514350">
-              <a:buFont typeface="+mj-lt"/>
-              <a:buAutoNum type="arabicPeriod"/>
-            </a:pPr>
-            <a:r>
-              <a:rPr kumimoji="1" lang="ko-KR" altLang="en-US" dirty="0"/>
-              <a:t>비교 연산자의 종류</a:t>
-            </a:r>
-            <a:endParaRPr kumimoji="1" lang="en-US" altLang="ko-KR" dirty="0"/>
-          </a:p>
-          <a:p>
-            <a:pPr marL="971550" lvl="1" indent="-514350">
-              <a:buFont typeface="+mj-lt"/>
-              <a:buAutoNum type="arabicPeriod"/>
-            </a:pPr>
-            <a:endParaRPr kumimoji="1" lang="en-US" altLang="ko-KR" dirty="0"/>
-          </a:p>
-          <a:p>
-            <a:pPr marL="971550" lvl="1" indent="-514350">
-              <a:buFont typeface="+mj-lt"/>
-              <a:buAutoNum type="arabicPeriod"/>
-            </a:pPr>
-            <a:endParaRPr kumimoji="1" lang="en-US" altLang="ko-KR" dirty="0"/>
-          </a:p>
-          <a:p>
-            <a:pPr marL="971550" lvl="1" indent="-514350">
-              <a:buFont typeface="+mj-lt"/>
-              <a:buAutoNum type="arabicPeriod"/>
-            </a:pPr>
-            <a:endParaRPr kumimoji="1" lang="en-US" altLang="ko-KR" dirty="0"/>
-          </a:p>
-          <a:p>
-            <a:pPr marL="971550" lvl="1" indent="-514350">
-              <a:buFont typeface="+mj-lt"/>
-              <a:buAutoNum type="arabicPeriod"/>
-            </a:pPr>
-            <a:endParaRPr kumimoji="1" lang="en-US" altLang="ko-KR" dirty="0"/>
-          </a:p>
-          <a:p>
-            <a:pPr marL="971550" lvl="1" indent="-514350">
-              <a:buFont typeface="+mj-lt"/>
-              <a:buAutoNum type="arabicPeriod"/>
-            </a:pPr>
-            <a:endParaRPr kumimoji="1" lang="en-US" altLang="ko-KR" dirty="0"/>
-          </a:p>
-          <a:p>
-            <a:pPr marL="971550" lvl="1" indent="-514350">
-              <a:buFont typeface="+mj-lt"/>
-              <a:buAutoNum type="arabicPeriod"/>
-            </a:pPr>
-            <a:endParaRPr kumimoji="1" lang="en-US" altLang="ko-KR" dirty="0"/>
-          </a:p>
-          <a:p>
-            <a:pPr marL="971550" lvl="1" indent="-514350">
-              <a:buFont typeface="+mj-lt"/>
-              <a:buAutoNum type="arabicPeriod"/>
-            </a:pPr>
-            <a:endParaRPr kumimoji="1" lang="en-US" altLang="ko-KR" dirty="0"/>
-          </a:p>
-          <a:p>
-            <a:pPr marL="971550" lvl="1" indent="-514350">
-              <a:buFont typeface="+mj-lt"/>
-              <a:buAutoNum type="arabicPeriod"/>
-            </a:pPr>
-            <a:endParaRPr kumimoji="1" lang="en-US" altLang="ko-KR" dirty="0"/>
-          </a:p>
-          <a:p>
-            <a:pPr marL="971550" lvl="1" indent="-514350">
-              <a:buFont typeface="+mj-lt"/>
-              <a:buAutoNum type="arabicPeriod"/>
-            </a:pPr>
-            <a:endParaRPr kumimoji="1" lang="en-US" altLang="ko-KR" dirty="0"/>
-          </a:p>
-          <a:p>
-            <a:pPr marL="1428750" lvl="2" indent="-514350">
-              <a:buFont typeface="+mj-lt"/>
-              <a:buAutoNum type="arabicPeriod"/>
-            </a:pPr>
-            <a:r>
-              <a:rPr kumimoji="1" lang="ko-KR" altLang="en-US" dirty="0"/>
-              <a:t>조건식의 연산 결과는 </a:t>
-            </a:r>
-            <a:r>
-              <a:rPr kumimoji="1" lang="en-US" altLang="ko-KR" dirty="0"/>
-              <a:t>bool</a:t>
-            </a:r>
-            <a:r>
-              <a:rPr kumimoji="1" lang="ko-KR" altLang="en-US" dirty="0"/>
-              <a:t> 자료형 데이터인 </a:t>
-            </a:r>
-            <a:r>
-              <a:rPr kumimoji="1" lang="en-US" altLang="ko-KR" dirty="0"/>
-              <a:t>True </a:t>
-            </a:r>
-            <a:r>
-              <a:rPr kumimoji="1" lang="ko-KR" altLang="en-US" dirty="0"/>
-              <a:t>또는 </a:t>
-            </a:r>
-            <a:r>
-              <a:rPr kumimoji="1" lang="en-US" altLang="ko-KR" dirty="0"/>
-              <a:t>False</a:t>
-            </a:r>
-            <a:r>
-              <a:rPr kumimoji="1" lang="ko-KR" altLang="en-US" dirty="0"/>
-              <a:t>가 나온다</a:t>
+              <a:t>함수는 다음과 같은 구조를 가지고 있다</a:t>
             </a:r>
             <a:r>
               <a:rPr kumimoji="1" lang="en-US" altLang="ko-KR" dirty="0"/>
@@ -6212,42 +3951,124 @@
             </a:r>
           </a:p>
           <a:p>
-            <a:pPr marL="1428750" lvl="2" indent="-514350">
+            <a:pPr marL="971550" lvl="1" indent="-514350">
               <a:buFont typeface="+mj-lt"/>
               <a:buAutoNum type="arabicPeriod"/>
             </a:pPr>
             <a:endParaRPr kumimoji="1" lang="en-US" altLang="ko-KR" dirty="0"/>
           </a:p>
           <a:p>
-            <a:pPr marL="1428750" lvl="2" indent="-514350">
+            <a:pPr marL="971550" lvl="1" indent="-514350">
               <a:buFont typeface="+mj-lt"/>
               <a:buAutoNum type="arabicPeriod"/>
             </a:pPr>
+            <a:endParaRPr kumimoji="1" lang="en-US" altLang="ko-KR" dirty="0"/>
+          </a:p>
+          <a:p>
+            <a:pPr marL="971550" lvl="1" indent="-514350">
+              <a:buFont typeface="+mj-lt"/>
+              <a:buAutoNum type="arabicPeriod"/>
+            </a:pPr>
+            <a:endParaRPr kumimoji="1" lang="en-US" altLang="ko-KR" dirty="0"/>
+          </a:p>
+          <a:p>
+            <a:pPr marL="971550" lvl="1" indent="-514350">
+              <a:buFont typeface="+mj-lt"/>
+              <a:buAutoNum type="arabicPeriod"/>
+            </a:pPr>
+            <a:endParaRPr kumimoji="1" lang="en-US" altLang="ko-KR" dirty="0"/>
+          </a:p>
+          <a:p>
+            <a:pPr marL="971550" lvl="1" indent="-514350">
+              <a:buFont typeface="+mj-lt"/>
+              <a:buAutoNum type="arabicPeriod"/>
+            </a:pPr>
+            <a:endParaRPr kumimoji="1" lang="en-US" altLang="ko-KR" dirty="0"/>
+          </a:p>
+          <a:p>
+            <a:pPr marL="914400" lvl="2" indent="0">
+              <a:buNone/>
+            </a:pPr>
+            <a:r>
+              <a:rPr kumimoji="1" lang="en-US" altLang="ko-KR" dirty="0"/>
+              <a:t>def : </a:t>
+            </a:r>
             <a:r>
               <a:rPr kumimoji="1" lang="ko-KR" altLang="en-US" dirty="0"/>
-              <a:t>만약 </a:t>
+              <a:t>함수를 만들 때 사용되는 예약어이다</a:t>
             </a:r>
             <a:r>
               <a:rPr kumimoji="1" lang="en-US" altLang="ko-KR" dirty="0"/>
-              <a:t>x = 3, y = 4</a:t>
+              <a:t>.</a:t>
+            </a:r>
+          </a:p>
+          <a:p>
+            <a:pPr marL="914400" lvl="2" indent="0">
+              <a:buNone/>
+            </a:pPr>
+            <a:r>
+              <a:rPr kumimoji="1" lang="en-US" altLang="ko-KR" dirty="0"/>
+              <a:t>add : </a:t>
             </a:r>
             <a:r>
               <a:rPr kumimoji="1" lang="ko-KR" altLang="en-US" dirty="0"/>
-              <a:t> 일 경우 모든 비교 연산자의 결과는</a:t>
+              <a:t>함수의 이름이다</a:t>
             </a:r>
             <a:r>
               <a:rPr kumimoji="1" lang="en-US" altLang="ko-KR" dirty="0"/>
-              <a:t>?</a:t>
+              <a:t>.</a:t>
+            </a:r>
+          </a:p>
+          <a:p>
+            <a:pPr marL="914400" lvl="2" indent="0">
+              <a:buNone/>
+            </a:pPr>
+            <a:r>
+              <a:rPr kumimoji="1" lang="en-US" altLang="ko-KR" dirty="0"/>
+              <a:t>a, b : </a:t>
+            </a:r>
+            <a:r>
+              <a:rPr kumimoji="1" lang="ko-KR" altLang="en-US" dirty="0"/>
+              <a:t>함수를 사용할 때</a:t>
+            </a:r>
+            <a:r>
+              <a:rPr kumimoji="1" lang="en-US" altLang="ko-KR" dirty="0"/>
+              <a:t> </a:t>
+            </a:r>
+            <a:r>
+              <a:rPr kumimoji="1" lang="ko-KR" altLang="en-US" dirty="0"/>
+              <a:t>입력되는 값이다</a:t>
+            </a:r>
+            <a:r>
+              <a:rPr kumimoji="1" lang="en-US" altLang="ko-KR" dirty="0"/>
+              <a:t>.</a:t>
+            </a:r>
+          </a:p>
+          <a:p>
+            <a:pPr marL="914400" lvl="2" indent="0">
+              <a:buNone/>
+            </a:pPr>
+            <a:r>
+              <a:rPr kumimoji="1" lang="en-US" altLang="ko-KR" dirty="0"/>
+              <a:t>return : </a:t>
+            </a:r>
+            <a:r>
+              <a:rPr kumimoji="1" lang="ko-KR" altLang="en-US" dirty="0"/>
+              <a:t>함수의 결과를 돌려주는 예악어이다</a:t>
+            </a:r>
+            <a:r>
+              <a:rPr kumimoji="1" lang="en-US" altLang="ko-KR" dirty="0"/>
+              <a:t>.</a:t>
             </a:r>
           </a:p>
         </p:txBody>
       </p:sp>
       <p:pic>
         <p:nvPicPr>
-          <p:cNvPr id="2" name="그림 1">
-            <a:extLst>
-              <a:ext uri="{FF2B5EF4-FFF2-40B4-BE49-F238E27FC236}">
-                <a16:creationId xmlns:a16="http://schemas.microsoft.com/office/drawing/2014/main" id="{103D0463-AB42-68B5-D789-B1F231B1C5F9}"/>
+          <p:cNvPr id="4" name="그림 3">
+            <a:extLst>
+              <a:ext uri="{FF2B5EF4-FFF2-40B4-BE49-F238E27FC236}">
+                <a16:creationId xmlns:a16="http://schemas.microsoft.com/office/drawing/2014/main" id="{46EA44F5-60E8-24F6-8891-D5C8C1E57F1B}"/>
               </a:ext>
             </a:extLst>
           </p:cNvPr>
@@ -6264,18 +4085,170 @@
         </p:blipFill>
         <p:spPr>
           <a:xfrm>
-            <a:off x="4501729" y="1159947"/>
-            <a:ext cx="3467100" cy="3960088"/>
+            <a:off x="1581318" y="2012823"/>
+            <a:ext cx="1968500" cy="1270000"/>
           </a:xfrm>
           <a:prstGeom prst="rect">
             <a:avLst/>
           </a:prstGeom>
         </p:spPr>
       </p:pic>
+      <p:sp>
+        <p:nvSpPr>
+          <p:cNvPr id="5" name="오른쪽 화살표[R] 4">
+            <a:extLst>
+              <a:ext uri="{FF2B5EF4-FFF2-40B4-BE49-F238E27FC236}">
+                <a16:creationId xmlns:a16="http://schemas.microsoft.com/office/drawing/2014/main" id="{2B438897-A510-C249-7822-2D701CE20BFB}"/>
+              </a:ext>
+            </a:extLst>
+          </p:cNvPr>
+          <p:cNvSpPr/>
+          <p:nvPr/>
+        </p:nvSpPr>
+        <p:spPr>
+          <a:xfrm>
+            <a:off x="3874164" y="2451015"/>
+            <a:ext cx="805398" cy="393615"/>
+          </a:xfrm>
+          <a:prstGeom prst="rightArrow">
+            <a:avLst/>
+          </a:prstGeom>
+        </p:spPr>
+        <p:style>
+          <a:lnRef idx="2">
+            <a:schemeClr val="accent1">
+              <a:shade val="50000"/>
+            </a:schemeClr>
+          </a:lnRef>
+          <a:fillRef idx="1">
+            <a:schemeClr val="accent1"/>
+          </a:fillRef>
+          <a:effectRef idx="0">
+            <a:schemeClr val="accent1"/>
+          </a:effectRef>
+          <a:fontRef idx="minor">
+            <a:schemeClr val="lt1"/>
+          </a:fontRef>
+        </p:style>
+        <p:txBody>
+          <a:bodyPr rtlCol="0" anchor="ctr"/>
+          <a:lstStyle/>
+          <a:p>
+            <a:pPr algn="ctr"/>
+            <a:endParaRPr kumimoji="1" lang="ko-Kore-KR" altLang="en-US"/>
+          </a:p>
+        </p:txBody>
+      </p:sp>
+      <p:pic>
+        <p:nvPicPr>
+          <p:cNvPr id="6" name="그림 5">
+            <a:extLst>
+              <a:ext uri="{FF2B5EF4-FFF2-40B4-BE49-F238E27FC236}">
+                <a16:creationId xmlns:a16="http://schemas.microsoft.com/office/drawing/2014/main" id="{03409A8B-CAEA-8F9F-6F5A-D44C3125E93A}"/>
+              </a:ext>
+            </a:extLst>
+          </p:cNvPr>
+          <p:cNvPicPr>
+            <a:picLocks noChangeAspect="1"/>
+          </p:cNvPicPr>
+          <p:nvPr/>
+        </p:nvPicPr>
+        <p:blipFill>
+          <a:blip r:embed="rId3"/>
+          <a:stretch>
+            <a:fillRect/>
+          </a:stretch>
+        </p:blipFill>
+        <p:spPr>
+          <a:xfrm>
+            <a:off x="5022103" y="2323972"/>
+            <a:ext cx="1752600" cy="647700"/>
+          </a:xfrm>
+          <a:prstGeom prst="rect">
+            <a:avLst/>
+          </a:prstGeom>
+        </p:spPr>
+      </p:pic>
+      <p:pic>
+        <p:nvPicPr>
+          <p:cNvPr id="7" name="그림 6">
+            <a:extLst>
+              <a:ext uri="{FF2B5EF4-FFF2-40B4-BE49-F238E27FC236}">
+                <a16:creationId xmlns:a16="http://schemas.microsoft.com/office/drawing/2014/main" id="{BA359E26-48EB-D9C2-B359-081BA27945DC}"/>
+              </a:ext>
+            </a:extLst>
+          </p:cNvPr>
+          <p:cNvPicPr>
+            <a:picLocks noChangeAspect="1"/>
+          </p:cNvPicPr>
+          <p:nvPr/>
+        </p:nvPicPr>
+        <p:blipFill>
+          <a:blip r:embed="rId4"/>
+          <a:stretch>
+            <a:fillRect/>
+          </a:stretch>
+        </p:blipFill>
+        <p:spPr>
+          <a:xfrm>
+            <a:off x="8112316" y="1606422"/>
+            <a:ext cx="2882900" cy="2082800"/>
+          </a:xfrm>
+          <a:prstGeom prst="rect">
+            <a:avLst/>
+          </a:prstGeom>
+        </p:spPr>
+      </p:pic>
+      <p:sp>
+        <p:nvSpPr>
+          <p:cNvPr id="8" name="오른쪽 화살표[R] 7">
+            <a:extLst>
+              <a:ext uri="{FF2B5EF4-FFF2-40B4-BE49-F238E27FC236}">
+                <a16:creationId xmlns:a16="http://schemas.microsoft.com/office/drawing/2014/main" id="{372B42F6-B85E-0ACA-D81F-284278B9C1C7}"/>
+              </a:ext>
+            </a:extLst>
+          </p:cNvPr>
+          <p:cNvSpPr/>
+          <p:nvPr/>
+        </p:nvSpPr>
+        <p:spPr>
+          <a:xfrm>
+            <a:off x="7035096" y="2451014"/>
+            <a:ext cx="805398" cy="393615"/>
+          </a:xfrm>
+          <a:prstGeom prst="rightArrow">
+            <a:avLst/>
+          </a:prstGeom>
+        </p:spPr>
+        <p:style>
+          <a:lnRef idx="2">
+            <a:schemeClr val="accent1">
+              <a:shade val="50000"/>
+            </a:schemeClr>
+          </a:lnRef>
+          <a:fillRef idx="1">
+            <a:schemeClr val="accent1"/>
+          </a:fillRef>
+          <a:effectRef idx="0">
+            <a:schemeClr val="accent1"/>
+          </a:effectRef>
+          <a:fontRef idx="minor">
+            <a:schemeClr val="lt1"/>
+          </a:fontRef>
+        </p:style>
+        <p:txBody>
+          <a:bodyPr rtlCol="0" anchor="ctr"/>
+          <a:lstStyle/>
+          <a:p>
+            <a:pPr algn="ctr"/>
+            <a:endParaRPr kumimoji="1" lang="ko-Kore-KR" altLang="en-US"/>
+          </a:p>
+        </p:txBody>
+      </p:sp>
     </p:spTree>
     <p:extLst>
       <p:ext uri="{BB962C8B-B14F-4D97-AF65-F5344CB8AC3E}">
-        <p14:creationId xmlns:p14="http://schemas.microsoft.com/office/powerpoint/2010/main" val="1650531834"/>
+        <p14:creationId xmlns:p14="http://schemas.microsoft.com/office/powerpoint/2010/main" val="1078190636"/>
       </p:ext>
     </p:extLst>
   </p:cSld>
@@ -6330,181 +4303,109 @@
           <a:p>
             <a:pPr marL="514350" indent="-514350">
               <a:buFont typeface="+mj-lt"/>
+              <a:buAutoNum type="arabicPeriod" startAt="2"/>
+            </a:pPr>
+            <a:r>
+              <a:rPr kumimoji="1" lang="ko-KR" altLang="en-US" dirty="0"/>
+              <a:t>함수의 구조 </a:t>
+            </a:r>
+            <a:r>
+              <a:rPr kumimoji="1" lang="en-US" altLang="ko-KR" dirty="0"/>
+              <a:t>- </a:t>
+            </a:r>
+            <a:r>
+              <a:rPr kumimoji="1" lang="ko-KR" altLang="en-US" dirty="0"/>
+              <a:t>매개변수와 인수</a:t>
+            </a:r>
+            <a:endParaRPr kumimoji="1" lang="en-US" altLang="ko-KR" dirty="0"/>
+          </a:p>
+          <a:p>
+            <a:pPr marL="514350" indent="-514350">
+              <a:buFont typeface="+mj-lt"/>
+              <a:buAutoNum type="arabicPeriod" startAt="2"/>
+            </a:pPr>
+            <a:endParaRPr kumimoji="1" lang="en-US" altLang="ko-KR" dirty="0"/>
+          </a:p>
+          <a:p>
+            <a:pPr marL="971550" lvl="1" indent="-514350">
+              <a:buFont typeface="+mj-lt"/>
               <a:buAutoNum type="arabicPeriod"/>
             </a:pPr>
             <a:r>
               <a:rPr kumimoji="1" lang="ko-KR" altLang="en-US" dirty="0"/>
-              <a:t>조건문 </a:t>
+              <a:t>매개변수</a:t>
             </a:r>
             <a:r>
               <a:rPr kumimoji="1" lang="en-US" altLang="ko-KR" dirty="0"/>
-              <a:t>If</a:t>
-            </a:r>
+              <a:t> (Parameter)</a:t>
+            </a:r>
+          </a:p>
+          <a:p>
+            <a:pPr marL="1428750" lvl="2" indent="-514350">
+              <a:buFont typeface="+mj-lt"/>
+              <a:buAutoNum type="arabicPeriod"/>
+            </a:pPr>
             <a:r>
               <a:rPr kumimoji="1" lang="ko-KR" altLang="en-US" dirty="0"/>
+              <a:t>함수에 입력으로 전달된 값을 받는 변수</a:t>
+            </a:r>
+            <a:endParaRPr kumimoji="1" lang="en-US" altLang="ko-KR" dirty="0"/>
+          </a:p>
+          <a:p>
+            <a:pPr marL="1428750" lvl="2" indent="-514350">
+              <a:buFont typeface="+mj-lt"/>
+              <a:buAutoNum type="arabicPeriod"/>
+            </a:pPr>
+            <a:endParaRPr kumimoji="1" lang="en-US" altLang="ko-KR" dirty="0"/>
+          </a:p>
+          <a:p>
+            <a:pPr marL="971550" lvl="1" indent="-514350">
+              <a:buFont typeface="+mj-lt"/>
+              <a:buAutoNum type="arabicPeriod"/>
+            </a:pPr>
+            <a:r>
+              <a:rPr kumimoji="1" lang="ko-KR" altLang="en-US" dirty="0"/>
+              <a:t>인수 </a:t>
+            </a:r>
+            <a:r>
+              <a:rPr kumimoji="1" lang="en-US" altLang="ko-KR" dirty="0"/>
+              <a:t>(Arguments)</a:t>
+            </a:r>
+          </a:p>
+          <a:p>
+            <a:pPr marL="1428750" lvl="2" indent="-514350">
+              <a:buFont typeface="+mj-lt"/>
+              <a:buAutoNum type="arabicPeriod"/>
+            </a:pPr>
+            <a:r>
+              <a:rPr kumimoji="1" lang="ko-KR" altLang="en-US" dirty="0"/>
+              <a:t>함수를 호출할 때 전달하는 입력</a:t>
+            </a:r>
+            <a:r>
+              <a:rPr kumimoji="1" lang="en-US" altLang="ko-KR" dirty="0"/>
               <a:t> </a:t>
             </a:r>
             <a:r>
-              <a:rPr kumimoji="1" lang="en-US" altLang="ko-KR" dirty="0"/>
-              <a:t>–</a:t>
-            </a:r>
-            <a:r>
               <a:rPr kumimoji="1" lang="ko-KR" altLang="en-US" dirty="0"/>
-              <a:t> 조건식</a:t>
-            </a:r>
-            <a:r>
-              <a:rPr kumimoji="1" lang="en-US" altLang="ko-KR" dirty="0"/>
-              <a:t>(</a:t>
-            </a:r>
-            <a:r>
-              <a:rPr kumimoji="1" lang="ko-KR" altLang="en-US" dirty="0"/>
-              <a:t>논리 연산자</a:t>
-            </a:r>
-            <a:r>
-              <a:rPr kumimoji="1" lang="en-US" altLang="ko-KR" dirty="0"/>
-              <a:t>)</a:t>
-            </a:r>
-          </a:p>
-          <a:p>
-            <a:pPr marL="514350" indent="-514350">
+              <a:t>값</a:t>
+            </a:r>
+            <a:endParaRPr kumimoji="1" lang="en-US" altLang="ko-KR" dirty="0"/>
+          </a:p>
+          <a:p>
+            <a:pPr marL="971550" lvl="1" indent="-514350">
               <a:buFont typeface="+mj-lt"/>
               <a:buAutoNum type="arabicPeriod"/>
             </a:pPr>
-            <a:endParaRPr kumimoji="1" lang="en-US" altLang="ko-KR" dirty="0"/>
-          </a:p>
-          <a:p>
-            <a:pPr marL="971550" lvl="1" indent="-514350">
-              <a:buFont typeface="+mj-lt"/>
-              <a:buAutoNum type="arabicPeriod"/>
-            </a:pPr>
-            <a:r>
-              <a:rPr kumimoji="1" lang="ko-KR" altLang="en-US" dirty="0"/>
-              <a:t>논리 연산자의 종류</a:t>
-            </a:r>
-            <a:endParaRPr kumimoji="1" lang="en-US" altLang="ko-KR" dirty="0"/>
-          </a:p>
-          <a:p>
-            <a:pPr marL="971550" lvl="1" indent="-514350">
-              <a:buFont typeface="+mj-lt"/>
-              <a:buAutoNum type="arabicPeriod"/>
-            </a:pPr>
-            <a:endParaRPr kumimoji="1" lang="en-US" altLang="ko-KR" dirty="0"/>
-          </a:p>
-          <a:p>
-            <a:pPr marL="971550" lvl="1" indent="-514350">
-              <a:buFont typeface="+mj-lt"/>
-              <a:buAutoNum type="arabicPeriod"/>
-            </a:pPr>
-            <a:endParaRPr kumimoji="1" lang="en-US" altLang="ko-KR" dirty="0"/>
-          </a:p>
-          <a:p>
-            <a:pPr marL="971550" lvl="1" indent="-514350">
-              <a:buFont typeface="+mj-lt"/>
-              <a:buAutoNum type="arabicPeriod"/>
-            </a:pPr>
-            <a:endParaRPr kumimoji="1" lang="en-US" altLang="ko-KR" dirty="0"/>
-          </a:p>
-          <a:p>
-            <a:pPr marL="971550" lvl="1" indent="-514350">
-              <a:buFont typeface="+mj-lt"/>
-              <a:buAutoNum type="arabicPeriod"/>
-            </a:pPr>
-            <a:endParaRPr kumimoji="1" lang="en-US" altLang="ko-KR" dirty="0"/>
-          </a:p>
-          <a:p>
-            <a:pPr marL="1428750" lvl="2" indent="-514350">
-              <a:buFont typeface="+mj-lt"/>
-              <a:buAutoNum type="arabicPeriod"/>
-            </a:pPr>
-            <a:endParaRPr kumimoji="1" lang="en-US" altLang="ko-KR" dirty="0"/>
-          </a:p>
-          <a:p>
-            <a:pPr marL="1428750" lvl="2" indent="-514350">
-              <a:buFont typeface="+mj-lt"/>
-              <a:buAutoNum type="arabicPeriod"/>
-            </a:pPr>
-            <a:endParaRPr kumimoji="1" lang="en-US" altLang="ko-KR" dirty="0"/>
-          </a:p>
-          <a:p>
-            <a:pPr marL="1428750" lvl="2" indent="-514350">
-              <a:buFont typeface="+mj-lt"/>
-              <a:buAutoNum type="arabicPeriod"/>
-            </a:pPr>
-            <a:r>
-              <a:rPr kumimoji="1" lang="ko-KR" altLang="en-US" dirty="0"/>
-              <a:t>조건식의 연산 결과는 </a:t>
-            </a:r>
-            <a:r>
-              <a:rPr kumimoji="1" lang="en-US" altLang="ko-KR" dirty="0"/>
-              <a:t>bool</a:t>
-            </a:r>
-            <a:r>
-              <a:rPr kumimoji="1" lang="ko-KR" altLang="en-US" dirty="0"/>
-              <a:t> 자료형 데이터인 </a:t>
-            </a:r>
-            <a:r>
-              <a:rPr kumimoji="1" lang="en-US" altLang="ko-KR" dirty="0"/>
-              <a:t>True </a:t>
-            </a:r>
-            <a:r>
-              <a:rPr kumimoji="1" lang="ko-KR" altLang="en-US" dirty="0"/>
-              <a:t>또는 </a:t>
-            </a:r>
-            <a:r>
-              <a:rPr kumimoji="1" lang="en-US" altLang="ko-KR" dirty="0"/>
-              <a:t>False</a:t>
-            </a:r>
-            <a:r>
-              <a:rPr kumimoji="1" lang="ko-KR" altLang="en-US" dirty="0"/>
-              <a:t>가 나온다</a:t>
-            </a:r>
-            <a:r>
-              <a:rPr kumimoji="1" lang="en-US" altLang="ko-KR" dirty="0"/>
-              <a:t>.</a:t>
-            </a:r>
-          </a:p>
-          <a:p>
-            <a:pPr marL="1428750" lvl="2" indent="-514350">
-              <a:buFont typeface="+mj-lt"/>
-              <a:buAutoNum type="arabicPeriod"/>
-            </a:pPr>
-            <a:endParaRPr kumimoji="1" lang="en-US" altLang="ko-KR" dirty="0"/>
-          </a:p>
-          <a:p>
-            <a:pPr marL="1428750" lvl="2" indent="-514350">
-              <a:buFont typeface="+mj-lt"/>
-              <a:buAutoNum type="arabicPeriod"/>
-            </a:pPr>
-            <a:r>
-              <a:rPr kumimoji="1" lang="ko-KR" altLang="en-US" dirty="0"/>
-              <a:t>만약 </a:t>
-            </a:r>
-            <a:r>
-              <a:rPr kumimoji="1" lang="en-US" altLang="ko-KR" dirty="0"/>
-              <a:t>x = False, y = True</a:t>
-            </a:r>
-            <a:r>
-              <a:rPr kumimoji="1" lang="ko-KR" altLang="en-US" dirty="0"/>
-              <a:t> 일 경우 모든 논리 연산자의 결과는</a:t>
-            </a:r>
-            <a:r>
-              <a:rPr kumimoji="1" lang="en-US" altLang="ko-KR" dirty="0"/>
-              <a:t>?</a:t>
-            </a:r>
-            <a:r>
-              <a:rPr kumimoji="1" lang="ko-KR" altLang="en-US" dirty="0"/>
-              <a:t> </a:t>
-            </a:r>
             <a:endParaRPr kumimoji="1" lang="en-US" altLang="ko-KR" dirty="0"/>
           </a:p>
         </p:txBody>
       </p:sp>
       <p:pic>
         <p:nvPicPr>
-          <p:cNvPr id="4" name="그림 3">
-            <a:extLst>
-              <a:ext uri="{FF2B5EF4-FFF2-40B4-BE49-F238E27FC236}">
-                <a16:creationId xmlns:a16="http://schemas.microsoft.com/office/drawing/2014/main" id="{1E8DD9EF-2F62-C129-FD5B-11025B2FE0CE}"/>
+          <p:cNvPr id="2" name="그림 1">
+            <a:extLst>
+              <a:ext uri="{FF2B5EF4-FFF2-40B4-BE49-F238E27FC236}">
+                <a16:creationId xmlns:a16="http://schemas.microsoft.com/office/drawing/2014/main" id="{2D4EB42F-7BFA-BD64-9C51-9C9F0D439104}"/>
               </a:ext>
             </a:extLst>
           </p:cNvPr>
@@ -6521,8 +4422,8 @@
         </p:blipFill>
         <p:spPr>
           <a:xfrm>
-            <a:off x="4418212" y="1300867"/>
-            <a:ext cx="4457700" cy="2463800"/>
+            <a:off x="4470400" y="3854324"/>
+            <a:ext cx="3251200" cy="1244600"/>
           </a:xfrm>
           <a:prstGeom prst="rect">
             <a:avLst/>
@@ -6532,7 +4433,7 @@
     </p:spTree>
     <p:extLst>
       <p:ext uri="{BB962C8B-B14F-4D97-AF65-F5344CB8AC3E}">
-        <p14:creationId xmlns:p14="http://schemas.microsoft.com/office/powerpoint/2010/main" val="380657702"/>
+        <p14:creationId xmlns:p14="http://schemas.microsoft.com/office/powerpoint/2010/main" val="3911514299"/>
       </p:ext>
     </p:extLst>
   </p:cSld>
@@ -6587,128 +4488,57 @@
           <a:p>
             <a:pPr marL="514350" indent="-514350">
               <a:buFont typeface="+mj-lt"/>
+              <a:buAutoNum type="arabicPeriod" startAt="2"/>
+            </a:pPr>
+            <a:r>
+              <a:rPr kumimoji="1" lang="ko-KR" altLang="en-US" dirty="0"/>
+              <a:t>함수의 구조 </a:t>
+            </a:r>
+            <a:r>
+              <a:rPr kumimoji="1" lang="en-US" altLang="ko-KR" dirty="0"/>
+              <a:t>- </a:t>
+            </a:r>
+            <a:r>
+              <a:rPr kumimoji="1" lang="ko-KR" altLang="en-US" dirty="0" err="1"/>
+              <a:t>입력값과</a:t>
+            </a:r>
+            <a:r>
+              <a:rPr kumimoji="1" lang="ko-KR" altLang="en-US" dirty="0"/>
+              <a:t> 결과값에 따른 함수의 형태</a:t>
+            </a:r>
+            <a:endParaRPr kumimoji="1" lang="en-US" altLang="ko-KR" dirty="0"/>
+          </a:p>
+          <a:p>
+            <a:pPr marL="514350" indent="-514350">
+              <a:buFont typeface="+mj-lt"/>
+              <a:buAutoNum type="arabicPeriod" startAt="2"/>
+            </a:pPr>
+            <a:endParaRPr kumimoji="1" lang="en-US" altLang="ko-KR" dirty="0"/>
+          </a:p>
+          <a:p>
+            <a:pPr marL="971550" lvl="1" indent="-514350">
+              <a:buFont typeface="+mj-lt"/>
               <a:buAutoNum type="arabicPeriod"/>
             </a:pPr>
             <a:r>
               <a:rPr kumimoji="1" lang="ko-KR" altLang="en-US" dirty="0"/>
-              <a:t>조건문 </a:t>
+              <a:t>함수의 형태는 </a:t>
+            </a:r>
+            <a:r>
+              <a:rPr kumimoji="1" lang="ko-KR" altLang="en-US" dirty="0" err="1"/>
+              <a:t>입력값과</a:t>
+            </a:r>
+            <a:r>
+              <a:rPr kumimoji="1" lang="ko-KR" altLang="en-US" dirty="0"/>
+              <a:t> 결과값의 존재 유무로 크게 </a:t>
             </a:r>
             <a:r>
               <a:rPr kumimoji="1" lang="en-US" altLang="ko-KR" dirty="0"/>
-              <a:t>If</a:t>
+              <a:t>4</a:t>
             </a:r>
             <a:r>
               <a:rPr kumimoji="1" lang="ko-KR" altLang="en-US" dirty="0"/>
-              <a:t> </a:t>
-            </a:r>
-            <a:r>
-              <a:rPr kumimoji="1" lang="en-US" altLang="ko-KR" dirty="0"/>
-              <a:t>–</a:t>
-            </a:r>
-            <a:r>
-              <a:rPr kumimoji="1" lang="ko-KR" altLang="en-US" dirty="0"/>
-              <a:t> 조건식</a:t>
-            </a:r>
-            <a:r>
-              <a:rPr kumimoji="1" lang="en-US" altLang="ko-KR" dirty="0"/>
-              <a:t>(in,</a:t>
-            </a:r>
-            <a:r>
-              <a:rPr kumimoji="1" lang="ko-KR" altLang="en-US" dirty="0"/>
-              <a:t> </a:t>
-            </a:r>
-            <a:r>
-              <a:rPr kumimoji="1" lang="en-US" altLang="ko-KR" dirty="0"/>
-              <a:t>not in</a:t>
-            </a:r>
-            <a:r>
-              <a:rPr kumimoji="1" lang="ko-KR" altLang="en-US" dirty="0"/>
-              <a:t> 연산자</a:t>
-            </a:r>
-            <a:r>
-              <a:rPr kumimoji="1" lang="en-US" altLang="ko-KR" dirty="0"/>
-              <a:t>)</a:t>
-            </a:r>
-          </a:p>
-          <a:p>
-            <a:pPr marL="514350" indent="-514350">
-              <a:buFont typeface="+mj-lt"/>
-              <a:buAutoNum type="arabicPeriod"/>
-            </a:pPr>
-            <a:endParaRPr kumimoji="1" lang="en-US" altLang="ko-KR" dirty="0"/>
-          </a:p>
-          <a:p>
-            <a:pPr marL="971550" lvl="1" indent="-514350">
-              <a:buFont typeface="+mj-lt"/>
-              <a:buAutoNum type="arabicPeriod"/>
-            </a:pPr>
-            <a:r>
-              <a:rPr kumimoji="1" lang="en-US" altLang="ko-KR" dirty="0"/>
-              <a:t>in, not in</a:t>
-            </a:r>
-            <a:r>
-              <a:rPr kumimoji="1" lang="ko-KR" altLang="en-US" dirty="0"/>
-              <a:t> 연산자</a:t>
-            </a:r>
-            <a:endParaRPr kumimoji="1" lang="en-US" altLang="ko-KR" dirty="0"/>
-          </a:p>
-          <a:p>
-            <a:pPr marL="1428750" lvl="2" indent="-514350">
-              <a:buFont typeface="+mj-lt"/>
-              <a:buAutoNum type="arabicPeriod"/>
-            </a:pPr>
-            <a:endParaRPr kumimoji="1" lang="en-US" altLang="ko-KR" dirty="0"/>
-          </a:p>
-          <a:p>
-            <a:pPr marL="1428750" lvl="2" indent="-514350">
-              <a:buFont typeface="+mj-lt"/>
-              <a:buAutoNum type="arabicPeriod"/>
-            </a:pPr>
-            <a:endParaRPr kumimoji="1" lang="en-US" altLang="ko-KR" dirty="0"/>
-          </a:p>
-          <a:p>
-            <a:pPr marL="1428750" lvl="2" indent="-514350">
-              <a:buFont typeface="+mj-lt"/>
-              <a:buAutoNum type="arabicPeriod"/>
-            </a:pPr>
-            <a:endParaRPr kumimoji="1" lang="en-US" altLang="ko-KR" dirty="0"/>
-          </a:p>
-          <a:p>
-            <a:pPr marL="1428750" lvl="2" indent="-514350">
-              <a:buFont typeface="+mj-lt"/>
-              <a:buAutoNum type="arabicPeriod"/>
-            </a:pPr>
-            <a:endParaRPr kumimoji="1" lang="en-US" altLang="ko-KR" dirty="0"/>
-          </a:p>
-          <a:p>
-            <a:pPr marL="1428750" lvl="2" indent="-514350">
-              <a:buFont typeface="+mj-lt"/>
-              <a:buAutoNum type="arabicPeriod"/>
-            </a:pPr>
-            <a:endParaRPr kumimoji="1" lang="en-US" altLang="ko-KR" dirty="0"/>
-          </a:p>
-          <a:p>
-            <a:pPr marL="1428750" lvl="2" indent="-514350">
-              <a:buFont typeface="+mj-lt"/>
-              <a:buAutoNum type="arabicPeriod"/>
-            </a:pPr>
-            <a:endParaRPr kumimoji="1" lang="en-US" altLang="ko-KR" dirty="0"/>
-          </a:p>
-          <a:p>
-            <a:pPr marL="1428750" lvl="2" indent="-514350">
-              <a:buFont typeface="+mj-lt"/>
-              <a:buAutoNum type="arabicPeriod"/>
-            </a:pPr>
-            <a:endParaRPr kumimoji="1" lang="en-US" altLang="ko-KR" dirty="0"/>
-          </a:p>
-          <a:p>
-            <a:pPr marL="1428750" lvl="2" indent="-514350">
-              <a:buFont typeface="+mj-lt"/>
-              <a:buAutoNum type="arabicPeriod"/>
-            </a:pPr>
-            <a:r>
-              <a:rPr kumimoji="1" lang="ko-KR" altLang="en-US" dirty="0"/>
-              <a:t>데이터 안에 찾고자 하는 것이 있는지 확인하는 연산자</a:t>
+              <a:t>가지로 나뉜다</a:t>
             </a:r>
             <a:r>
               <a:rPr kumimoji="1" lang="en-US" altLang="ko-KR" dirty="0"/>
@@ -6716,153 +4546,141 @@
             </a:r>
           </a:p>
           <a:p>
+            <a:pPr marL="971550" lvl="1" indent="-514350">
+              <a:buFont typeface="+mj-lt"/>
+              <a:buAutoNum type="arabicPeriod"/>
+            </a:pPr>
+            <a:endParaRPr kumimoji="1" lang="en-US" altLang="ko-KR" dirty="0"/>
+          </a:p>
+          <a:p>
             <a:pPr marL="1428750" lvl="2" indent="-514350">
               <a:buFont typeface="+mj-lt"/>
               <a:buAutoNum type="arabicPeriod"/>
             </a:pPr>
+            <a:r>
+              <a:rPr kumimoji="1" lang="ko-KR" altLang="en-US" dirty="0" err="1"/>
+              <a:t>입력값과</a:t>
+            </a:r>
+            <a:r>
+              <a:rPr kumimoji="1" lang="ko-KR" altLang="en-US" dirty="0"/>
+              <a:t> 결과값이 있는 형태</a:t>
+            </a:r>
             <a:endParaRPr kumimoji="1" lang="en-US" altLang="ko-KR" dirty="0"/>
           </a:p>
           <a:p>
+            <a:pPr marL="1885950" lvl="3" indent="-514350">
+              <a:buFont typeface="+mj-lt"/>
+              <a:buAutoNum type="arabicPeriod"/>
+            </a:pPr>
+            <a:r>
+              <a:rPr kumimoji="1" lang="en-US" altLang="ko-KR" dirty="0"/>
+              <a:t>output : ?</a:t>
+            </a:r>
+          </a:p>
+          <a:p>
             <a:pPr marL="1428750" lvl="2" indent="-514350">
               <a:buFont typeface="+mj-lt"/>
               <a:buAutoNum type="arabicPeriod"/>
             </a:pPr>
+            <a:endParaRPr kumimoji="1" lang="en-US" altLang="ko-KR" dirty="0"/>
+          </a:p>
+          <a:p>
+            <a:pPr marL="1428750" lvl="2" indent="-514350">
+              <a:buFont typeface="+mj-lt"/>
+              <a:buAutoNum type="arabicPeriod"/>
+            </a:pPr>
+            <a:r>
+              <a:rPr kumimoji="1" lang="ko-KR" altLang="en-US" dirty="0" err="1"/>
+              <a:t>입력값은</a:t>
+            </a:r>
             <a:r>
               <a:rPr kumimoji="1" lang="ko-KR" altLang="en-US" dirty="0"/>
-              <a:t>조건식의 연산 결과는 </a:t>
-            </a:r>
+              <a:t> 있지만 결과값이 없는 형태</a:t>
+            </a:r>
+            <a:endParaRPr kumimoji="1" lang="en-US" altLang="ko-KR" dirty="0"/>
+          </a:p>
+          <a:p>
+            <a:pPr marL="1885950" lvl="3" indent="-514350">
+              <a:buFont typeface="+mj-lt"/>
+              <a:buAutoNum type="arabicPeriod"/>
+            </a:pPr>
             <a:r>
               <a:rPr kumimoji="1" lang="en-US" altLang="ko-KR" dirty="0"/>
-              <a:t>bool</a:t>
+              <a:t>output : ?</a:t>
+            </a:r>
+          </a:p>
+          <a:p>
+            <a:pPr marL="1428750" lvl="2" indent="-514350">
+              <a:buFont typeface="+mj-lt"/>
+              <a:buAutoNum type="arabicPeriod"/>
+            </a:pPr>
+            <a:endParaRPr kumimoji="1" lang="en-US" altLang="ko-KR" dirty="0"/>
+          </a:p>
+          <a:p>
+            <a:pPr marL="1428750" lvl="2" indent="-514350">
+              <a:buFont typeface="+mj-lt"/>
+              <a:buAutoNum type="arabicPeriod"/>
+            </a:pPr>
+            <a:r>
+              <a:rPr kumimoji="1" lang="ko-KR" altLang="en-US" dirty="0" err="1"/>
+              <a:t>입력값은</a:t>
             </a:r>
             <a:r>
               <a:rPr kumimoji="1" lang="ko-KR" altLang="en-US" dirty="0"/>
-              <a:t> 자료형 데이터인 </a:t>
-            </a:r>
+              <a:t> 없고 결과값만 있는 형태</a:t>
+            </a:r>
+            <a:endParaRPr kumimoji="1" lang="en-US" altLang="ko-KR" dirty="0"/>
+          </a:p>
+          <a:p>
+            <a:pPr marL="1885950" lvl="3" indent="-514350">
+              <a:buFont typeface="+mj-lt"/>
+              <a:buAutoNum type="arabicPeriod"/>
+            </a:pPr>
             <a:r>
               <a:rPr kumimoji="1" lang="en-US" altLang="ko-KR" dirty="0"/>
-              <a:t>True </a:t>
+              <a:t>output : ?</a:t>
+            </a:r>
+          </a:p>
+          <a:p>
+            <a:pPr marL="1428750" lvl="2" indent="-514350">
+              <a:buFont typeface="+mj-lt"/>
+              <a:buAutoNum type="arabicPeriod"/>
+            </a:pPr>
+            <a:endParaRPr kumimoji="1" lang="en-US" altLang="ko-KR" dirty="0"/>
+          </a:p>
+          <a:p>
+            <a:pPr marL="1428750" lvl="2" indent="-514350">
+              <a:buFont typeface="+mj-lt"/>
+              <a:buAutoNum type="arabicPeriod"/>
+            </a:pPr>
+            <a:r>
+              <a:rPr kumimoji="1" lang="ko-KR" altLang="en-US" dirty="0" err="1"/>
+              <a:t>입력값과</a:t>
             </a:r>
             <a:r>
               <a:rPr kumimoji="1" lang="ko-KR" altLang="en-US" dirty="0"/>
-              <a:t>또는 </a:t>
-            </a:r>
+              <a:t> 결과값이 없는 형태</a:t>
+            </a:r>
+            <a:endParaRPr kumimoji="1" lang="en-US" altLang="ko-KR" dirty="0"/>
+          </a:p>
+          <a:p>
+            <a:pPr marL="1885950" lvl="3" indent="-514350">
+              <a:buFont typeface="+mj-lt"/>
+              <a:buAutoNum type="arabicPeriod"/>
+            </a:pPr>
             <a:r>
               <a:rPr kumimoji="1" lang="en-US" altLang="ko-KR" dirty="0"/>
-              <a:t>False</a:t>
-            </a:r>
-            <a:r>
-              <a:rPr kumimoji="1" lang="ko-KR" altLang="en-US" dirty="0"/>
-              <a:t>가 나온다</a:t>
-            </a:r>
-            <a:r>
-              <a:rPr kumimoji="1" lang="en-US" altLang="ko-KR" dirty="0"/>
-              <a:t>.</a:t>
-            </a:r>
-          </a:p>
-          <a:p>
-            <a:pPr marL="1428750" lvl="2" indent="-514350">
-              <a:buFont typeface="+mj-lt"/>
-              <a:buAutoNum type="arabicPeriod"/>
-            </a:pPr>
-            <a:endParaRPr kumimoji="1" lang="en-US" altLang="ko-KR" dirty="0"/>
-          </a:p>
-          <a:p>
-            <a:pPr marL="1428750" lvl="2" indent="-514350">
-              <a:buFont typeface="+mj-lt"/>
-              <a:buAutoNum type="arabicPeriod"/>
-            </a:pPr>
-            <a:r>
-              <a:rPr kumimoji="1" lang="ko-KR" altLang="en-US" dirty="0"/>
-              <a:t>만약 </a:t>
-            </a:r>
-            <a:r>
-              <a:rPr kumimoji="1" lang="en-US" altLang="ko-KR" dirty="0"/>
-              <a:t>x = ‘a’</a:t>
-            </a:r>
-            <a:r>
-              <a:rPr kumimoji="1" lang="ko-KR" altLang="en-US" dirty="0"/>
-              <a:t>이고 </a:t>
-            </a:r>
-            <a:r>
-              <a:rPr kumimoji="1" lang="en-US" altLang="ko-KR" dirty="0"/>
-              <a:t>y = ‘apple’</a:t>
-            </a:r>
-            <a:r>
-              <a:rPr kumimoji="1" lang="ko-KR" altLang="en-US" dirty="0"/>
-              <a:t> 일 때 </a:t>
-            </a:r>
-            <a:r>
-              <a:rPr kumimoji="1" lang="en-US" altLang="ko-KR" dirty="0"/>
-              <a:t>(x in y), (x not in</a:t>
-            </a:r>
-            <a:r>
-              <a:rPr kumimoji="1" lang="ko-KR" altLang="en-US" dirty="0"/>
-              <a:t> </a:t>
-            </a:r>
-            <a:r>
-              <a:rPr kumimoji="1" lang="en-US" altLang="ko-KR" dirty="0"/>
-              <a:t>y)</a:t>
-            </a:r>
-            <a:r>
-              <a:rPr kumimoji="1" lang="ko-KR" altLang="en-US" dirty="0"/>
-              <a:t>의 결과는</a:t>
-            </a:r>
-            <a:r>
-              <a:rPr kumimoji="1" lang="en-US" altLang="ko-KR" dirty="0"/>
-              <a:t>?</a:t>
-            </a:r>
-          </a:p>
-          <a:p>
-            <a:pPr marL="1428750" lvl="2" indent="-514350">
-              <a:buFont typeface="+mj-lt"/>
-              <a:buAutoNum type="arabicPeriod"/>
-            </a:pPr>
-            <a:endParaRPr kumimoji="1" lang="en-US" altLang="ko-KR" dirty="0"/>
-          </a:p>
-          <a:p>
-            <a:pPr marL="971550" lvl="1" indent="-514350">
-              <a:buFont typeface="+mj-lt"/>
-              <a:buAutoNum type="arabicPeriod"/>
-            </a:pPr>
-            <a:endParaRPr kumimoji="1" lang="en-US" altLang="ko-KR" dirty="0"/>
-          </a:p>
-          <a:p>
-            <a:pPr marL="971550" lvl="1" indent="-514350">
-              <a:buFont typeface="+mj-lt"/>
-              <a:buAutoNum type="arabicPeriod"/>
-            </a:pPr>
-            <a:endParaRPr kumimoji="1" lang="en-US" altLang="ko-KR" dirty="0"/>
-          </a:p>
-          <a:p>
-            <a:pPr marL="971550" lvl="1" indent="-514350">
-              <a:buFont typeface="+mj-lt"/>
-              <a:buAutoNum type="arabicPeriod"/>
-            </a:pPr>
-            <a:endParaRPr kumimoji="1" lang="en-US" altLang="ko-KR" dirty="0"/>
-          </a:p>
-          <a:p>
-            <a:pPr marL="1428750" lvl="2" indent="-514350">
-              <a:buFont typeface="+mj-lt"/>
-              <a:buAutoNum type="arabicPeriod"/>
-            </a:pPr>
-            <a:endParaRPr kumimoji="1" lang="en-US" altLang="ko-KR" dirty="0"/>
-          </a:p>
-          <a:p>
-            <a:pPr marL="1428750" lvl="2" indent="-514350">
-              <a:buFont typeface="+mj-lt"/>
-              <a:buAutoNum type="arabicPeriod"/>
-            </a:pPr>
-            <a:endParaRPr kumimoji="1" lang="en-US" altLang="ko-KR" dirty="0"/>
+              <a:t>output : ?</a:t>
+            </a:r>
           </a:p>
         </p:txBody>
       </p:sp>
       <p:pic>
         <p:nvPicPr>
-          <p:cNvPr id="2" name="그림 1">
-            <a:extLst>
-              <a:ext uri="{FF2B5EF4-FFF2-40B4-BE49-F238E27FC236}">
-                <a16:creationId xmlns:a16="http://schemas.microsoft.com/office/drawing/2014/main" id="{02615EEE-201F-ACCA-4798-84478258559C}"/>
+          <p:cNvPr id="4" name="그림 3">
+            <a:extLst>
+              <a:ext uri="{FF2B5EF4-FFF2-40B4-BE49-F238E27FC236}">
+                <a16:creationId xmlns:a16="http://schemas.microsoft.com/office/drawing/2014/main" id="{DA06516E-5889-5B75-2ABF-71D91DF8321E}"/>
               </a:ext>
             </a:extLst>
           </p:cNvPr>
@@ -6879,8 +4697,98 @@
         </p:blipFill>
         <p:spPr>
           <a:xfrm>
-            <a:off x="4046927" y="1295989"/>
-            <a:ext cx="2971800" cy="2413000"/>
+            <a:off x="6710142" y="1945366"/>
+            <a:ext cx="2641600" cy="850900"/>
+          </a:xfrm>
+          <a:prstGeom prst="rect">
+            <a:avLst/>
+          </a:prstGeom>
+        </p:spPr>
+      </p:pic>
+      <p:pic>
+        <p:nvPicPr>
+          <p:cNvPr id="5" name="그림 4">
+            <a:extLst>
+              <a:ext uri="{FF2B5EF4-FFF2-40B4-BE49-F238E27FC236}">
+                <a16:creationId xmlns:a16="http://schemas.microsoft.com/office/drawing/2014/main" id="{7DB44EC6-6602-14B9-28A2-22AA7D24D136}"/>
+              </a:ext>
+            </a:extLst>
+          </p:cNvPr>
+          <p:cNvPicPr>
+            <a:picLocks noChangeAspect="1"/>
+          </p:cNvPicPr>
+          <p:nvPr/>
+        </p:nvPicPr>
+        <p:blipFill>
+          <a:blip r:embed="rId3"/>
+          <a:stretch>
+            <a:fillRect/>
+          </a:stretch>
+        </p:blipFill>
+        <p:spPr>
+          <a:xfrm>
+            <a:off x="6710142" y="2949102"/>
+            <a:ext cx="3810000" cy="914400"/>
+          </a:xfrm>
+          <a:prstGeom prst="rect">
+            <a:avLst/>
+          </a:prstGeom>
+        </p:spPr>
+      </p:pic>
+      <p:pic>
+        <p:nvPicPr>
+          <p:cNvPr id="6" name="그림 5">
+            <a:extLst>
+              <a:ext uri="{FF2B5EF4-FFF2-40B4-BE49-F238E27FC236}">
+                <a16:creationId xmlns:a16="http://schemas.microsoft.com/office/drawing/2014/main" id="{61CEDFF4-7D74-DF74-5183-95B40F9FF701}"/>
+              </a:ext>
+            </a:extLst>
+          </p:cNvPr>
+          <p:cNvPicPr>
+            <a:picLocks noChangeAspect="1"/>
+          </p:cNvPicPr>
+          <p:nvPr/>
+        </p:nvPicPr>
+        <p:blipFill>
+          <a:blip r:embed="rId4"/>
+          <a:stretch>
+            <a:fillRect/>
+          </a:stretch>
+        </p:blipFill>
+        <p:spPr>
+          <a:xfrm>
+            <a:off x="6710142" y="4061735"/>
+            <a:ext cx="2882900" cy="939800"/>
+          </a:xfrm>
+          <a:prstGeom prst="rect">
+            <a:avLst/>
+          </a:prstGeom>
+        </p:spPr>
+      </p:pic>
+      <p:pic>
+        <p:nvPicPr>
+          <p:cNvPr id="7" name="그림 6">
+            <a:extLst>
+              <a:ext uri="{FF2B5EF4-FFF2-40B4-BE49-F238E27FC236}">
+                <a16:creationId xmlns:a16="http://schemas.microsoft.com/office/drawing/2014/main" id="{41F8E331-5D76-2EB3-B720-74264E14BBC3}"/>
+              </a:ext>
+            </a:extLst>
+          </p:cNvPr>
+          <p:cNvPicPr>
+            <a:picLocks noChangeAspect="1"/>
+          </p:cNvPicPr>
+          <p:nvPr/>
+        </p:nvPicPr>
+        <p:blipFill>
+          <a:blip r:embed="rId5"/>
+          <a:stretch>
+            <a:fillRect/>
+          </a:stretch>
+        </p:blipFill>
+        <p:spPr>
+          <a:xfrm>
+            <a:off x="6710142" y="5199768"/>
+            <a:ext cx="4025900" cy="939800"/>
           </a:xfrm>
           <a:prstGeom prst="rect">
             <a:avLst/>
@@ -6890,7 +4798,7 @@
     </p:spTree>
     <p:extLst>
       <p:ext uri="{BB962C8B-B14F-4D97-AF65-F5344CB8AC3E}">
-        <p14:creationId xmlns:p14="http://schemas.microsoft.com/office/powerpoint/2010/main" val="825581679"/>
+        <p14:creationId xmlns:p14="http://schemas.microsoft.com/office/powerpoint/2010/main" val="3192414206"/>
       </p:ext>
     </p:extLst>
   </p:cSld>
@@ -6945,278 +4853,38 @@
           <a:p>
             <a:pPr marL="514350" indent="-514350">
               <a:buFont typeface="+mj-lt"/>
+              <a:buAutoNum type="arabicPeriod" startAt="3"/>
+            </a:pPr>
+            <a:r>
+              <a:rPr kumimoji="1" lang="ko-Kore-KR" altLang="en-US" dirty="0"/>
+              <a:t>매개변수 심화</a:t>
+            </a:r>
+            <a:endParaRPr kumimoji="1" lang="en-US" altLang="ko-Kore-KR" dirty="0"/>
+          </a:p>
+          <a:p>
+            <a:pPr marL="514350" indent="-514350">
+              <a:buFont typeface="+mj-lt"/>
+              <a:buAutoNum type="arabicPeriod" startAt="3"/>
+            </a:pPr>
+            <a:endParaRPr kumimoji="1" lang="en-US" altLang="ko-KR" dirty="0"/>
+          </a:p>
+          <a:p>
+            <a:pPr marL="971550" lvl="1" indent="-514350">
+              <a:buFont typeface="+mj-lt"/>
               <a:buAutoNum type="arabicPeriod"/>
             </a:pPr>
             <a:r>
               <a:rPr kumimoji="1" lang="ko-KR" altLang="en-US" dirty="0"/>
-              <a:t>조건문 </a:t>
-            </a:r>
-            <a:r>
-              <a:rPr kumimoji="1" lang="en-US" altLang="ko-KR" dirty="0"/>
-              <a:t>If</a:t>
-            </a:r>
-            <a:r>
-              <a:rPr kumimoji="1" lang="ko-KR" altLang="en-US" dirty="0"/>
-              <a:t> </a:t>
-            </a:r>
-            <a:r>
-              <a:rPr kumimoji="1" lang="en-US" altLang="ko-KR" dirty="0"/>
-              <a:t>–</a:t>
-            </a:r>
-            <a:r>
-              <a:rPr kumimoji="1" lang="ko-KR" altLang="en-US" dirty="0"/>
-              <a:t> 간단한 </a:t>
-            </a:r>
-            <a:r>
-              <a:rPr kumimoji="1" lang="en-US" altLang="ko-KR" dirty="0"/>
-              <a:t>if</a:t>
-            </a:r>
-            <a:r>
-              <a:rPr kumimoji="1" lang="ko-KR" altLang="en-US" dirty="0"/>
-              <a:t>문 </a:t>
-            </a:r>
-            <a:r>
-              <a:rPr kumimoji="1" lang="ko-KR" altLang="en-US" dirty="0" err="1"/>
-              <a:t>삼항연산자</a:t>
+              <a:t>매</a:t>
             </a:r>
             <a:endParaRPr kumimoji="1" lang="en-US" altLang="ko-KR" dirty="0"/>
-          </a:p>
-          <a:p>
-            <a:pPr marL="514350" indent="-514350">
-              <a:buFont typeface="+mj-lt"/>
-              <a:buAutoNum type="arabicPeriod"/>
-            </a:pPr>
-            <a:endParaRPr kumimoji="1" lang="en-US" altLang="ko-KR" dirty="0"/>
-          </a:p>
-          <a:p>
-            <a:pPr marL="971550" lvl="1" indent="-514350">
-              <a:buFont typeface="+mj-lt"/>
-              <a:buAutoNum type="arabicPeriod"/>
-            </a:pPr>
-            <a:r>
-              <a:rPr kumimoji="1" lang="ko-KR" altLang="en-US" dirty="0" err="1"/>
-              <a:t>삼항연산자</a:t>
-            </a:r>
-            <a:endParaRPr kumimoji="1" lang="en-US" altLang="ko-KR" dirty="0"/>
-          </a:p>
-          <a:p>
-            <a:pPr marL="971550" lvl="1" indent="-514350">
-              <a:buFont typeface="+mj-lt"/>
-              <a:buAutoNum type="arabicPeriod"/>
-            </a:pPr>
-            <a:endParaRPr kumimoji="1" lang="en-US" altLang="ko-KR" dirty="0"/>
-          </a:p>
-          <a:p>
-            <a:pPr marL="1428750" lvl="2" indent="-514350">
-              <a:buFont typeface="+mj-lt"/>
-              <a:buAutoNum type="arabicPeriod"/>
-            </a:pPr>
-            <a:r>
-              <a:rPr kumimoji="1" lang="ko-KR" altLang="en-US" dirty="0"/>
-              <a:t>짧은 조건의 </a:t>
-            </a:r>
-            <a:r>
-              <a:rPr kumimoji="1" lang="en-US" altLang="ko-KR" dirty="0"/>
-              <a:t>if</a:t>
-            </a:r>
-            <a:r>
-              <a:rPr kumimoji="1" lang="ko-KR" altLang="en-US" dirty="0"/>
-              <a:t>문을 한 줄로 간단하게 표현하고 싶을 때 사용되는 연산자</a:t>
-            </a:r>
-            <a:endParaRPr kumimoji="1" lang="en-US" altLang="ko-KR" dirty="0"/>
-          </a:p>
-          <a:p>
-            <a:pPr marL="1428750" lvl="2" indent="-514350">
-              <a:buFont typeface="+mj-lt"/>
-              <a:buAutoNum type="arabicPeriod"/>
-            </a:pPr>
-            <a:endParaRPr kumimoji="1" lang="en-US" altLang="ko-KR" dirty="0"/>
-          </a:p>
-          <a:p>
-            <a:pPr marL="1428750" lvl="2" indent="-514350">
-              <a:buFont typeface="+mj-lt"/>
-              <a:buAutoNum type="arabicPeriod"/>
-            </a:pPr>
-            <a:r>
-              <a:rPr kumimoji="1" lang="ko-KR" altLang="en-US" dirty="0" err="1"/>
-              <a:t>삼항연산자는</a:t>
-            </a:r>
-            <a:r>
-              <a:rPr kumimoji="1" lang="ko-KR" altLang="en-US" dirty="0"/>
-              <a:t> 다음과 같은 문법으로 표현한다</a:t>
-            </a:r>
-            <a:endParaRPr kumimoji="1" lang="en-US" altLang="ko-KR" dirty="0"/>
-          </a:p>
-          <a:p>
-            <a:pPr marL="971550" lvl="1" indent="-514350">
-              <a:buFont typeface="+mj-lt"/>
-              <a:buAutoNum type="arabicPeriod"/>
-            </a:pPr>
-            <a:endParaRPr kumimoji="1" lang="en-US" altLang="ko-KR" dirty="0"/>
-          </a:p>
-          <a:p>
-            <a:pPr marL="971550" lvl="1" indent="-514350">
-              <a:buFont typeface="+mj-lt"/>
-              <a:buAutoNum type="arabicPeriod"/>
-            </a:pPr>
-            <a:endParaRPr kumimoji="1" lang="en-US" altLang="ko-KR" dirty="0"/>
-          </a:p>
-          <a:p>
-            <a:pPr marL="1428750" lvl="2" indent="-514350">
-              <a:buFont typeface="+mj-lt"/>
-              <a:buAutoNum type="arabicPeriod"/>
-            </a:pPr>
-            <a:endParaRPr kumimoji="1" lang="en-US" altLang="ko-KR" dirty="0"/>
-          </a:p>
-          <a:p>
-            <a:pPr marL="1428750" lvl="2" indent="-514350">
-              <a:buFont typeface="+mj-lt"/>
-              <a:buAutoNum type="arabicPeriod"/>
-            </a:pPr>
-            <a:endParaRPr kumimoji="1" lang="en-US" altLang="ko-KR" dirty="0"/>
-          </a:p>
-        </p:txBody>
-      </p:sp>
-      <p:pic>
-        <p:nvPicPr>
-          <p:cNvPr id="4" name="그림 3">
-            <a:extLst>
-              <a:ext uri="{FF2B5EF4-FFF2-40B4-BE49-F238E27FC236}">
-                <a16:creationId xmlns:a16="http://schemas.microsoft.com/office/drawing/2014/main" id="{0E449D74-2B38-ACDA-472B-FDA6E38F65C4}"/>
-              </a:ext>
-            </a:extLst>
-          </p:cNvPr>
-          <p:cNvPicPr>
-            <a:picLocks noChangeAspect="1"/>
-          </p:cNvPicPr>
-          <p:nvPr/>
-        </p:nvPicPr>
-        <p:blipFill>
-          <a:blip r:embed="rId2"/>
-          <a:stretch>
-            <a:fillRect/>
-          </a:stretch>
-        </p:blipFill>
-        <p:spPr>
-          <a:xfrm>
-            <a:off x="3089964" y="3440606"/>
-            <a:ext cx="6012072" cy="846274"/>
-          </a:xfrm>
-          <a:prstGeom prst="rect">
-            <a:avLst/>
-          </a:prstGeom>
-        </p:spPr>
-      </p:pic>
-      <p:pic>
-        <p:nvPicPr>
-          <p:cNvPr id="5" name="그림 4">
-            <a:extLst>
-              <a:ext uri="{FF2B5EF4-FFF2-40B4-BE49-F238E27FC236}">
-                <a16:creationId xmlns:a16="http://schemas.microsoft.com/office/drawing/2014/main" id="{82FEECF5-8268-50A6-8DD5-5F7E6BB53BF3}"/>
-              </a:ext>
-            </a:extLst>
-          </p:cNvPr>
-          <p:cNvPicPr>
-            <a:picLocks noChangeAspect="1"/>
-          </p:cNvPicPr>
-          <p:nvPr/>
-        </p:nvPicPr>
-        <p:blipFill>
-          <a:blip r:embed="rId3"/>
-          <a:stretch>
-            <a:fillRect/>
-          </a:stretch>
-        </p:blipFill>
-        <p:spPr>
-          <a:xfrm>
-            <a:off x="1410667" y="4506734"/>
-            <a:ext cx="3060700" cy="1574800"/>
-          </a:xfrm>
-          <a:prstGeom prst="rect">
-            <a:avLst/>
-          </a:prstGeom>
-        </p:spPr>
-      </p:pic>
-      <p:pic>
-        <p:nvPicPr>
-          <p:cNvPr id="6" name="그림 5">
-            <a:extLst>
-              <a:ext uri="{FF2B5EF4-FFF2-40B4-BE49-F238E27FC236}">
-                <a16:creationId xmlns:a16="http://schemas.microsoft.com/office/drawing/2014/main" id="{329C5F55-72EF-C952-8E55-A771144302F2}"/>
-              </a:ext>
-            </a:extLst>
-          </p:cNvPr>
-          <p:cNvPicPr>
-            <a:picLocks noChangeAspect="1"/>
-          </p:cNvPicPr>
-          <p:nvPr/>
-        </p:nvPicPr>
-        <p:blipFill>
-          <a:blip r:embed="rId4"/>
-          <a:stretch>
-            <a:fillRect/>
-          </a:stretch>
-        </p:blipFill>
-        <p:spPr>
-          <a:xfrm>
-            <a:off x="5546377" y="4957584"/>
-            <a:ext cx="5130800" cy="673100"/>
-          </a:xfrm>
-          <a:prstGeom prst="rect">
-            <a:avLst/>
-          </a:prstGeom>
-        </p:spPr>
-      </p:pic>
-      <p:sp>
-        <p:nvSpPr>
-          <p:cNvPr id="7" name="오른쪽 화살표[R] 6">
-            <a:extLst>
-              <a:ext uri="{FF2B5EF4-FFF2-40B4-BE49-F238E27FC236}">
-                <a16:creationId xmlns:a16="http://schemas.microsoft.com/office/drawing/2014/main" id="{0BC4612E-399D-9728-8539-9932BBE1D834}"/>
-              </a:ext>
-            </a:extLst>
-          </p:cNvPr>
-          <p:cNvSpPr/>
-          <p:nvPr/>
-        </p:nvSpPr>
-        <p:spPr>
-          <a:xfrm>
-            <a:off x="4681868" y="5209540"/>
-            <a:ext cx="654008" cy="290670"/>
-          </a:xfrm>
-          <a:prstGeom prst="rightArrow">
-            <a:avLst/>
-          </a:prstGeom>
-        </p:spPr>
-        <p:style>
-          <a:lnRef idx="2">
-            <a:schemeClr val="accent1">
-              <a:shade val="50000"/>
-            </a:schemeClr>
-          </a:lnRef>
-          <a:fillRef idx="1">
-            <a:schemeClr val="accent1"/>
-          </a:fillRef>
-          <a:effectRef idx="0">
-            <a:schemeClr val="accent1"/>
-          </a:effectRef>
-          <a:fontRef idx="minor">
-            <a:schemeClr val="lt1"/>
-          </a:fontRef>
-        </p:style>
-        <p:txBody>
-          <a:bodyPr rtlCol="0" anchor="ctr"/>
-          <a:lstStyle/>
-          <a:p>
-            <a:pPr algn="ctr"/>
-            <a:endParaRPr kumimoji="1" lang="ko-Kore-KR" altLang="en-US"/>
           </a:p>
         </p:txBody>
       </p:sp>
     </p:spTree>
     <p:extLst>
       <p:ext uri="{BB962C8B-B14F-4D97-AF65-F5344CB8AC3E}">
-        <p14:creationId xmlns:p14="http://schemas.microsoft.com/office/powerpoint/2010/main" val="3481526147"/>
+        <p14:creationId xmlns:p14="http://schemas.microsoft.com/office/powerpoint/2010/main" val="3458438332"/>
       </p:ext>
     </p:extLst>
   </p:cSld>
@@ -7271,521 +4939,42 @@
           <a:p>
             <a:pPr marL="514350" indent="-514350">
               <a:buFont typeface="+mj-lt"/>
-              <a:buAutoNum type="arabicPeriod" startAt="2"/>
+              <a:buAutoNum type="arabicPeriod" startAt="4"/>
+            </a:pPr>
+            <a:r>
+              <a:rPr kumimoji="1" lang="en-US" altLang="ko-KR" dirty="0"/>
+              <a:t>return </a:t>
+            </a:r>
+            <a:r>
+              <a:rPr kumimoji="1" lang="ko-Kore-KR" altLang="en-US" dirty="0"/>
+              <a:t>심화</a:t>
+            </a:r>
+            <a:endParaRPr kumimoji="1" lang="en-US" altLang="ko-Kore-KR" dirty="0"/>
+          </a:p>
+          <a:p>
+            <a:pPr marL="514350" indent="-514350">
+              <a:buFont typeface="+mj-lt"/>
+              <a:buAutoNum type="arabicPeriod" startAt="4"/>
+            </a:pPr>
+            <a:endParaRPr kumimoji="1" lang="en-US" altLang="ko-KR" dirty="0"/>
+          </a:p>
+          <a:p>
+            <a:pPr marL="971550" lvl="1" indent="-514350">
+              <a:buFont typeface="+mj-lt"/>
+              <a:buAutoNum type="arabicPeriod"/>
             </a:pPr>
             <a:r>
               <a:rPr kumimoji="1" lang="ko-KR" altLang="en-US" dirty="0" err="1"/>
-              <a:t>반복문</a:t>
-            </a:r>
-            <a:r>
-              <a:rPr kumimoji="1" lang="ko-KR" altLang="en-US" dirty="0"/>
-              <a:t> </a:t>
-            </a:r>
-            <a:r>
-              <a:rPr kumimoji="1" lang="en-US" altLang="ko-KR" dirty="0"/>
-              <a:t>while</a:t>
-            </a:r>
-          </a:p>
-          <a:p>
-            <a:pPr marL="514350" indent="-514350">
-              <a:buFont typeface="+mj-lt"/>
-              <a:buAutoNum type="arabicPeriod" startAt="2"/>
-            </a:pPr>
+              <a:t>ㅇ</a:t>
+            </a:r>
             <a:endParaRPr kumimoji="1" lang="en-US" altLang="ko-KR" dirty="0"/>
           </a:p>
-          <a:p>
-            <a:pPr marL="971550" lvl="1" indent="-514350">
-              <a:buFont typeface="+mj-lt"/>
-              <a:buAutoNum type="arabicPeriod"/>
-            </a:pPr>
-            <a:r>
-              <a:rPr kumimoji="1" lang="ko-KR" altLang="en-US" dirty="0"/>
-              <a:t>조건이 참 일 경우 특정 명령을 반복하기 위한 명령</a:t>
-            </a:r>
-            <a:endParaRPr kumimoji="1" lang="en-US" altLang="ko-KR" dirty="0"/>
-          </a:p>
-          <a:p>
-            <a:pPr marL="971550" lvl="1" indent="-514350">
-              <a:buFont typeface="+mj-lt"/>
-              <a:buAutoNum type="arabicPeriod"/>
-            </a:pPr>
-            <a:endParaRPr kumimoji="1" lang="en-US" altLang="ko-KR" dirty="0"/>
-          </a:p>
-          <a:p>
-            <a:pPr marL="971550" lvl="1" indent="-514350">
-              <a:buFont typeface="+mj-lt"/>
-              <a:buAutoNum type="arabicPeriod"/>
-            </a:pPr>
-            <a:endParaRPr kumimoji="1" lang="en-US" altLang="ko-KR" dirty="0"/>
-          </a:p>
-          <a:p>
-            <a:pPr marL="971550" lvl="1" indent="-514350">
-              <a:buFont typeface="+mj-lt"/>
-              <a:buAutoNum type="arabicPeriod"/>
-            </a:pPr>
-            <a:endParaRPr kumimoji="1" lang="en-US" altLang="ko-KR" dirty="0"/>
-          </a:p>
-          <a:p>
-            <a:pPr marL="971550" lvl="1" indent="-514350">
-              <a:buFont typeface="+mj-lt"/>
-              <a:buAutoNum type="arabicPeriod"/>
-            </a:pPr>
-            <a:endParaRPr kumimoji="1" lang="en-US" altLang="ko-KR" dirty="0"/>
-          </a:p>
-          <a:p>
-            <a:pPr marL="971550" lvl="1" indent="-514350">
-              <a:buFont typeface="+mj-lt"/>
-              <a:buAutoNum type="arabicPeriod"/>
-            </a:pPr>
-            <a:endParaRPr kumimoji="1" lang="en-US" altLang="ko-KR" dirty="0"/>
-          </a:p>
-          <a:p>
-            <a:pPr marL="971550" lvl="1" indent="-514350">
-              <a:buFont typeface="+mj-lt"/>
-              <a:buAutoNum type="arabicPeriod"/>
-            </a:pPr>
-            <a:endParaRPr kumimoji="1" lang="en-US" altLang="ko-KR" dirty="0"/>
-          </a:p>
-          <a:p>
-            <a:pPr marL="971550" lvl="1" indent="-514350">
-              <a:buFont typeface="+mj-lt"/>
-              <a:buAutoNum type="arabicPeriod"/>
-            </a:pPr>
-            <a:r>
-              <a:rPr kumimoji="1" lang="ko-KR" altLang="en-US" dirty="0"/>
-              <a:t>조건문이 참이면 아래의 명령을 계속해서 반복 수행한다</a:t>
-            </a:r>
-            <a:r>
-              <a:rPr kumimoji="1" lang="en-US" altLang="ko-KR" dirty="0"/>
-              <a:t>.</a:t>
-            </a:r>
-            <a:r>
-              <a:rPr kumimoji="1" lang="ko-KR" altLang="en-US" dirty="0"/>
-              <a:t> </a:t>
-            </a:r>
-            <a:endParaRPr kumimoji="1" lang="en-US" altLang="ko-KR" dirty="0"/>
-          </a:p>
-        </p:txBody>
-      </p:sp>
-      <p:pic>
-        <p:nvPicPr>
-          <p:cNvPr id="2" name="그림 1">
-            <a:extLst>
-              <a:ext uri="{FF2B5EF4-FFF2-40B4-BE49-F238E27FC236}">
-                <a16:creationId xmlns:a16="http://schemas.microsoft.com/office/drawing/2014/main" id="{0805083D-56FF-5106-A544-1D2F3659ACFE}"/>
-              </a:ext>
-            </a:extLst>
-          </p:cNvPr>
-          <p:cNvPicPr>
-            <a:picLocks noChangeAspect="1"/>
-          </p:cNvPicPr>
-          <p:nvPr/>
-        </p:nvPicPr>
-        <p:blipFill>
-          <a:blip r:embed="rId2"/>
-          <a:stretch>
-            <a:fillRect/>
-          </a:stretch>
-        </p:blipFill>
-        <p:spPr>
-          <a:xfrm>
-            <a:off x="4866287" y="2116990"/>
-            <a:ext cx="2108200" cy="1739900"/>
-          </a:xfrm>
-          <a:prstGeom prst="rect">
-            <a:avLst/>
-          </a:prstGeom>
-        </p:spPr>
-      </p:pic>
-      <p:pic>
-        <p:nvPicPr>
-          <p:cNvPr id="9" name="그림 8">
-            <a:extLst>
-              <a:ext uri="{FF2B5EF4-FFF2-40B4-BE49-F238E27FC236}">
-                <a16:creationId xmlns:a16="http://schemas.microsoft.com/office/drawing/2014/main" id="{C83C2A2B-610D-E7AC-113D-A44E5AD99E0F}"/>
-              </a:ext>
-            </a:extLst>
-          </p:cNvPr>
-          <p:cNvPicPr>
-            <a:picLocks noChangeAspect="1"/>
-          </p:cNvPicPr>
-          <p:nvPr/>
-        </p:nvPicPr>
-        <p:blipFill>
-          <a:blip r:embed="rId3"/>
-          <a:stretch>
-            <a:fillRect/>
-          </a:stretch>
-        </p:blipFill>
-        <p:spPr>
-          <a:xfrm>
-            <a:off x="4712423" y="4835336"/>
-            <a:ext cx="2767154" cy="1604622"/>
-          </a:xfrm>
-          <a:prstGeom prst="rect">
-            <a:avLst/>
-          </a:prstGeom>
-        </p:spPr>
-      </p:pic>
+        </p:txBody>
+      </p:sp>
     </p:spTree>
     <p:extLst>
       <p:ext uri="{BB962C8B-B14F-4D97-AF65-F5344CB8AC3E}">
-        <p14:creationId xmlns:p14="http://schemas.microsoft.com/office/powerpoint/2010/main" val="945883686"/>
-      </p:ext>
-    </p:extLst>
-  </p:cSld>
-  <p:clrMapOvr>
-    <a:masterClrMapping/>
-  </p:clrMapOvr>
-</p:sld>
-</file>
-
-<file path=ppt/slides/slide9.xml><?xml version="1.0" encoding="utf-8"?>
-<p:sld xmlns:a="http://schemas.openxmlformats.org/drawingml/2006/main" xmlns:r="http://schemas.openxmlformats.org/officeDocument/2006/relationships" xmlns:p="http://schemas.openxmlformats.org/presentationml/2006/main">
-  <p:cSld>
-    <p:spTree>
-      <p:nvGrpSpPr>
-        <p:cNvPr id="1" name=""/>
-        <p:cNvGrpSpPr/>
-        <p:nvPr/>
-      </p:nvGrpSpPr>
-      <p:grpSpPr>
-        <a:xfrm>
-          <a:off x="0" y="0"/>
-          <a:ext cx="0" cy="0"/>
-          <a:chOff x="0" y="0"/>
-          <a:chExt cx="0" cy="0"/>
-        </a:xfrm>
-      </p:grpSpPr>
-      <p:sp>
-        <p:nvSpPr>
-          <p:cNvPr id="3" name="내용 개체 틀 2">
-            <a:extLst>
-              <a:ext uri="{FF2B5EF4-FFF2-40B4-BE49-F238E27FC236}">
-                <a16:creationId xmlns:a16="http://schemas.microsoft.com/office/drawing/2014/main" id="{AAEBCB33-4BF9-55BB-C098-6E2D866DBD93}"/>
-              </a:ext>
-            </a:extLst>
-          </p:cNvPr>
-          <p:cNvSpPr>
-            <a:spLocks noGrp="1"/>
-          </p:cNvSpPr>
-          <p:nvPr>
-            <p:ph idx="1"/>
-          </p:nvPr>
-        </p:nvSpPr>
-        <p:spPr>
-          <a:xfrm>
-            <a:off x="451574" y="472543"/>
-            <a:ext cx="11300614" cy="6222830"/>
-          </a:xfrm>
-        </p:spPr>
-        <p:txBody>
-          <a:bodyPr/>
-          <a:lstStyle/>
-          <a:p>
-            <a:pPr marL="514350" indent="-514350">
-              <a:buFont typeface="+mj-lt"/>
-              <a:buAutoNum type="arabicPeriod" startAt="2"/>
-            </a:pPr>
-            <a:r>
-              <a:rPr kumimoji="1" lang="ko-KR" altLang="en-US" dirty="0" err="1"/>
-              <a:t>반복문</a:t>
-            </a:r>
-            <a:r>
-              <a:rPr kumimoji="1" lang="ko-KR" altLang="en-US" dirty="0"/>
-              <a:t> </a:t>
-            </a:r>
-            <a:r>
-              <a:rPr kumimoji="1" lang="en-US" altLang="ko-KR" dirty="0"/>
-              <a:t>while</a:t>
-            </a:r>
-            <a:r>
-              <a:rPr kumimoji="1" lang="ko-KR" altLang="en-US" dirty="0"/>
-              <a:t> </a:t>
-            </a:r>
-            <a:r>
-              <a:rPr kumimoji="1" lang="en-US" altLang="ko-KR" dirty="0"/>
-              <a:t>– break, continue</a:t>
-            </a:r>
-          </a:p>
-          <a:p>
-            <a:pPr marL="971550" lvl="1" indent="-514350">
-              <a:buFont typeface="+mj-lt"/>
-              <a:buAutoNum type="arabicPeriod" startAt="2"/>
-            </a:pPr>
-            <a:endParaRPr kumimoji="1" lang="en-US" altLang="ko-KR" dirty="0"/>
-          </a:p>
-          <a:p>
-            <a:pPr marL="971550" lvl="1" indent="-514350">
-              <a:buFont typeface="+mj-lt"/>
-              <a:buAutoNum type="arabicPeriod"/>
-            </a:pPr>
-            <a:r>
-              <a:rPr kumimoji="1" lang="en-US" altLang="ko-KR" dirty="0"/>
-              <a:t>break</a:t>
-            </a:r>
-          </a:p>
-          <a:p>
-            <a:pPr marL="1428750" lvl="2" indent="-514350">
-              <a:buFont typeface="+mj-lt"/>
-              <a:buAutoNum type="arabicPeriod"/>
-            </a:pPr>
-            <a:r>
-              <a:rPr kumimoji="1" lang="ko-KR" altLang="en-US" dirty="0" err="1"/>
-              <a:t>반복문</a:t>
-            </a:r>
-            <a:r>
-              <a:rPr kumimoji="1" lang="ko-KR" altLang="en-US" dirty="0"/>
-              <a:t> 진행중</a:t>
-            </a:r>
-            <a:r>
-              <a:rPr kumimoji="1" lang="en-US" altLang="ko-KR" dirty="0"/>
-              <a:t>,</a:t>
-            </a:r>
-            <a:r>
-              <a:rPr kumimoji="1" lang="ko-KR" altLang="en-US" dirty="0"/>
-              <a:t> 반복문을 끝내기 위한 명령이다</a:t>
-            </a:r>
-            <a:r>
-              <a:rPr kumimoji="1" lang="en-US" altLang="ko-KR" dirty="0"/>
-              <a:t>.</a:t>
-            </a:r>
-          </a:p>
-          <a:p>
-            <a:pPr marL="1428750" lvl="2" indent="-514350">
-              <a:buFont typeface="+mj-lt"/>
-              <a:buAutoNum type="arabicPeriod"/>
-            </a:pPr>
-            <a:endParaRPr kumimoji="1" lang="en-US" altLang="ko-KR" dirty="0"/>
-          </a:p>
-          <a:p>
-            <a:pPr marL="1428750" lvl="2" indent="-514350">
-              <a:buFont typeface="+mj-lt"/>
-              <a:buAutoNum type="arabicPeriod"/>
-            </a:pPr>
-            <a:r>
-              <a:rPr kumimoji="1" lang="ko-KR" altLang="en-US" dirty="0" err="1"/>
-              <a:t>반복문</a:t>
-            </a:r>
-            <a:r>
-              <a:rPr kumimoji="1" lang="ko-KR" altLang="en-US" dirty="0"/>
-              <a:t> 내부에서 </a:t>
-            </a:r>
-            <a:r>
-              <a:rPr kumimoji="1" lang="en-US" altLang="ko-KR" dirty="0"/>
-              <a:t>break</a:t>
-            </a:r>
-            <a:r>
-              <a:rPr kumimoji="1" lang="ko-KR" altLang="en-US" dirty="0" err="1"/>
-              <a:t>를</a:t>
-            </a:r>
-            <a:r>
-              <a:rPr kumimoji="1" lang="ko-KR" altLang="en-US" dirty="0"/>
-              <a:t> 사용하면 가장 가까운 반복문을 탈출한다</a:t>
-            </a:r>
-            <a:r>
-              <a:rPr kumimoji="1" lang="en-US" altLang="ko-KR" dirty="0"/>
-              <a:t>.</a:t>
-            </a:r>
-          </a:p>
-          <a:p>
-            <a:pPr marL="1428750" lvl="2" indent="-514350">
-              <a:buFont typeface="+mj-lt"/>
-              <a:buAutoNum type="arabicPeriod"/>
-            </a:pPr>
-            <a:endParaRPr kumimoji="1" lang="en-US" altLang="ko-KR" dirty="0"/>
-          </a:p>
-          <a:p>
-            <a:pPr marL="1428750" lvl="2" indent="-514350">
-              <a:buFont typeface="+mj-lt"/>
-              <a:buAutoNum type="arabicPeriod"/>
-            </a:pPr>
-            <a:endParaRPr kumimoji="1" lang="en-US" altLang="ko-KR" dirty="0"/>
-          </a:p>
-          <a:p>
-            <a:pPr marL="1428750" lvl="2" indent="-514350">
-              <a:buFont typeface="+mj-lt"/>
-              <a:buAutoNum type="arabicPeriod"/>
-            </a:pPr>
-            <a:endParaRPr kumimoji="1" lang="en-US" altLang="ko-KR" dirty="0"/>
-          </a:p>
-          <a:p>
-            <a:pPr marL="971550" lvl="1" indent="-514350">
-              <a:buFont typeface="+mj-lt"/>
-              <a:buAutoNum type="arabicPeriod"/>
-            </a:pPr>
-            <a:r>
-              <a:rPr kumimoji="1" lang="en-US" altLang="ko-KR" dirty="0"/>
-              <a:t>continue</a:t>
-            </a:r>
-          </a:p>
-          <a:p>
-            <a:pPr marL="1428750" lvl="2" indent="-514350">
-              <a:buFont typeface="+mj-lt"/>
-              <a:buAutoNum type="arabicPeriod"/>
-            </a:pPr>
-            <a:r>
-              <a:rPr kumimoji="1" lang="ko-KR" altLang="en-US" dirty="0" err="1"/>
-              <a:t>반복문</a:t>
-            </a:r>
-            <a:r>
-              <a:rPr kumimoji="1" lang="ko-KR" altLang="en-US" dirty="0"/>
-              <a:t> 진행중</a:t>
-            </a:r>
-            <a:r>
-              <a:rPr kumimoji="1" lang="en-US" altLang="ko-KR" dirty="0"/>
-              <a:t>,</a:t>
-            </a:r>
-            <a:r>
-              <a:rPr kumimoji="1" lang="ko-KR" altLang="en-US" dirty="0"/>
-              <a:t> 다시  </a:t>
-            </a:r>
-            <a:r>
-              <a:rPr kumimoji="1" lang="ko-KR" altLang="en-US" dirty="0" err="1"/>
-              <a:t>반복문</a:t>
-            </a:r>
-            <a:r>
-              <a:rPr kumimoji="1" lang="ko-KR" altLang="en-US" dirty="0"/>
-              <a:t> 내부의 명령을 건너뛰고 다시 반복문을 진행하는 명령이다</a:t>
-            </a:r>
-            <a:r>
-              <a:rPr kumimoji="1" lang="en-US" altLang="ko-KR" dirty="0"/>
-              <a:t>.</a:t>
-            </a:r>
-          </a:p>
-          <a:p>
-            <a:pPr marL="1428750" lvl="2" indent="-514350">
-              <a:buFont typeface="+mj-lt"/>
-              <a:buAutoNum type="arabicPeriod"/>
-            </a:pPr>
-            <a:endParaRPr kumimoji="1" lang="en-US" altLang="ko-KR" dirty="0"/>
-          </a:p>
-          <a:p>
-            <a:pPr marL="1428750" lvl="2" indent="-514350">
-              <a:buFont typeface="+mj-lt"/>
-              <a:buAutoNum type="arabicPeriod"/>
-            </a:pPr>
-            <a:r>
-              <a:rPr kumimoji="1" lang="ko-KR" altLang="en-US" dirty="0" err="1"/>
-              <a:t>반복문</a:t>
-            </a:r>
-            <a:r>
-              <a:rPr kumimoji="1" lang="ko-KR" altLang="en-US" dirty="0"/>
-              <a:t> 내부에서 </a:t>
-            </a:r>
-            <a:r>
-              <a:rPr kumimoji="1" lang="en-US" altLang="ko-KR" dirty="0"/>
-              <a:t>continue</a:t>
-            </a:r>
-            <a:r>
-              <a:rPr kumimoji="1" lang="ko-KR" altLang="en-US" dirty="0" err="1"/>
-              <a:t>를</a:t>
-            </a:r>
-            <a:r>
-              <a:rPr kumimoji="1" lang="ko-KR" altLang="en-US" dirty="0"/>
-              <a:t> 사용하면 가장 가까운 반복문을 건너뛴다 한다</a:t>
-            </a:r>
-            <a:r>
-              <a:rPr kumimoji="1" lang="en-US" altLang="ko-KR" dirty="0"/>
-              <a:t>.</a:t>
-            </a:r>
-          </a:p>
-        </p:txBody>
-      </p:sp>
-      <p:pic>
-        <p:nvPicPr>
-          <p:cNvPr id="6" name="그림 5">
-            <a:extLst>
-              <a:ext uri="{FF2B5EF4-FFF2-40B4-BE49-F238E27FC236}">
-                <a16:creationId xmlns:a16="http://schemas.microsoft.com/office/drawing/2014/main" id="{A44ED054-E678-6E61-E08B-A8405C6EDEBE}"/>
-              </a:ext>
-            </a:extLst>
-          </p:cNvPr>
-          <p:cNvPicPr>
-            <a:picLocks noChangeAspect="1"/>
-          </p:cNvPicPr>
-          <p:nvPr/>
-        </p:nvPicPr>
-        <p:blipFill>
-          <a:blip r:embed="rId2"/>
-          <a:stretch>
-            <a:fillRect/>
-          </a:stretch>
-        </p:blipFill>
-        <p:spPr>
-          <a:xfrm>
-            <a:off x="9606826" y="1541283"/>
-            <a:ext cx="2133600" cy="1353181"/>
-          </a:xfrm>
-          <a:prstGeom prst="rect">
-            <a:avLst/>
-          </a:prstGeom>
-        </p:spPr>
-      </p:pic>
-      <p:pic>
-        <p:nvPicPr>
-          <p:cNvPr id="7" name="그림 6">
-            <a:extLst>
-              <a:ext uri="{FF2B5EF4-FFF2-40B4-BE49-F238E27FC236}">
-                <a16:creationId xmlns:a16="http://schemas.microsoft.com/office/drawing/2014/main" id="{0B879F6D-E4AE-16FA-27B3-B82E08C57F21}"/>
-              </a:ext>
-            </a:extLst>
-          </p:cNvPr>
-          <p:cNvPicPr>
-            <a:picLocks noChangeAspect="1"/>
-          </p:cNvPicPr>
-          <p:nvPr/>
-        </p:nvPicPr>
-        <p:blipFill>
-          <a:blip r:embed="rId3"/>
-          <a:stretch>
-            <a:fillRect/>
-          </a:stretch>
-        </p:blipFill>
-        <p:spPr>
-          <a:xfrm>
-            <a:off x="3215497" y="5319285"/>
-            <a:ext cx="1956010" cy="1376088"/>
-          </a:xfrm>
-          <a:prstGeom prst="rect">
-            <a:avLst/>
-          </a:prstGeom>
-        </p:spPr>
-      </p:pic>
-      <p:pic>
-        <p:nvPicPr>
-          <p:cNvPr id="8" name="그림 7">
-            <a:extLst>
-              <a:ext uri="{FF2B5EF4-FFF2-40B4-BE49-F238E27FC236}">
-                <a16:creationId xmlns:a16="http://schemas.microsoft.com/office/drawing/2014/main" id="{C32AB454-E967-4918-937A-18AC84B5824B}"/>
-              </a:ext>
-            </a:extLst>
-          </p:cNvPr>
-          <p:cNvPicPr>
-            <a:picLocks noChangeAspect="1"/>
-          </p:cNvPicPr>
-          <p:nvPr/>
-        </p:nvPicPr>
-        <p:blipFill>
-          <a:blip r:embed="rId4"/>
-          <a:stretch>
-            <a:fillRect/>
-          </a:stretch>
-        </p:blipFill>
-        <p:spPr>
-          <a:xfrm>
-            <a:off x="5832117" y="5319285"/>
-            <a:ext cx="1993304" cy="1376088"/>
-          </a:xfrm>
-          <a:prstGeom prst="rect">
-            <a:avLst/>
-          </a:prstGeom>
-        </p:spPr>
-      </p:pic>
-    </p:spTree>
-    <p:extLst>
-      <p:ext uri="{BB962C8B-B14F-4D97-AF65-F5344CB8AC3E}">
-        <p14:creationId xmlns:p14="http://schemas.microsoft.com/office/powerpoint/2010/main" val="967812811"/>
+        <p14:creationId xmlns:p14="http://schemas.microsoft.com/office/powerpoint/2010/main" val="4075247745"/>
       </p:ext>
     </p:extLst>
   </p:cSld>
